--- a/Week12/Notes12-.pptx
+++ b/Week12/Notes12-.pptx
@@ -168,7 +168,7 @@
   </p:defaultTextStyle>
   <p:extLst>
     <p:ext uri="{EFAFB233-063F-42B5-8137-9DF3F51BA10A}">
-      <p15:sldGuideLst xmlns:p15="http://schemas.microsoft.com/office/powerpoint/2012/main" xmlns="">
+      <p15:sldGuideLst xmlns="" xmlns:p15="http://schemas.microsoft.com/office/powerpoint/2012/main">
         <p15:guide id="1" orient="horz" pos="2160">
           <p15:clr>
             <a:srgbClr val="A4A3A4"/>
@@ -268,7 +268,7 @@
             <a:fld id="{6AA8D0F4-470D-4D49-9C10-7B2CC11306D1}" type="datetimeFigureOut">
               <a:rPr lang="fr-FR" smtClean="0"/>
               <a:pPr/>
-              <a:t>2018-03-24</a:t>
+              <a:t>27/03/2018</a:t>
             </a:fld>
             <a:endParaRPr lang="fr-FR"/>
           </a:p>
@@ -567,14 +567,14 @@
         <p:spPr bwMode="auto">
           <a:noFill/>
           <a:extLst>
-            <a:ext uri="{909E8E84-426E-40dd-AFC4-6F175D3DCCD1}">
+            <a:ext uri="{909E8E84-426E-40DD-AFC4-6F175D3DCCD1}">
               <a14:hiddenFill xmlns:a14="http://schemas.microsoft.com/office/drawing/2010/main">
                 <a:solidFill>
                   <a:srgbClr val="FFFFFF"/>
                 </a:solidFill>
               </a14:hiddenFill>
             </a:ext>
-            <a:ext uri="{91240B29-F687-4f45-9708-019B960494DF}">
+            <a:ext uri="{91240B29-F687-4F45-9708-019B960494DF}">
               <a14:hiddenLine xmlns:a14="http://schemas.microsoft.com/office/drawing/2010/main" w="9525">
                 <a:solidFill>
                   <a:srgbClr val="000000"/>
@@ -732,7 +732,7 @@
             <a:tailEnd/>
           </a:ln>
           <a:extLst>
-            <a:ext uri="{909E8E84-426E-40dd-AFC4-6F175D3DCCD1}">
+            <a:ext uri="{909E8E84-426E-40DD-AFC4-6F175D3DCCD1}">
               <a14:hiddenFill xmlns:a14="http://schemas.microsoft.com/office/drawing/2010/main">
                 <a:solidFill>
                   <a:srgbClr val="FFFFFF"/>
@@ -740,7 +740,7 @@
               </a14:hiddenFill>
             </a:ext>
             <a:ext uri="{FAA26D3D-D897-4be2-8F04-BA451C77F1D7}">
-              <ma14:placeholderFlag xmlns:ma14="http://schemas.microsoft.com/office/mac/drawingml/2011/main" val="1"/>
+              <ma14:placeholderFlag xmlns:ma14="http://schemas.microsoft.com/office/mac/drawingml/2011/main" xmlns="" val="1"/>
             </a:ext>
           </a:extLst>
         </p:spPr>
@@ -762,14 +762,14 @@
           </a:xfrm>
           <a:noFill/>
           <a:extLst>
-            <a:ext uri="{909E8E84-426E-40dd-AFC4-6F175D3DCCD1}">
+            <a:ext uri="{909E8E84-426E-40DD-AFC4-6F175D3DCCD1}">
               <a14:hiddenFill xmlns:a14="http://schemas.microsoft.com/office/drawing/2010/main">
                 <a:solidFill>
                   <a:srgbClr val="FFFFFF"/>
                 </a:solidFill>
               </a14:hiddenFill>
             </a:ext>
-            <a:ext uri="{91240B29-F687-4f45-9708-019B960494DF}">
+            <a:ext uri="{91240B29-F687-4F45-9708-019B960494DF}">
               <a14:hiddenLine xmlns:a14="http://schemas.microsoft.com/office/drawing/2010/main" w="9525">
                 <a:solidFill>
                   <a:srgbClr val="000000"/>
@@ -849,14 +849,14 @@
         <p:spPr bwMode="auto">
           <a:noFill/>
           <a:extLst>
-            <a:ext uri="{909E8E84-426E-40dd-AFC4-6F175D3DCCD1}">
+            <a:ext uri="{909E8E84-426E-40DD-AFC4-6F175D3DCCD1}">
               <a14:hiddenFill xmlns:a14="http://schemas.microsoft.com/office/drawing/2010/main">
                 <a:solidFill>
                   <a:srgbClr val="FFFFFF"/>
                 </a:solidFill>
               </a14:hiddenFill>
             </a:ext>
-            <a:ext uri="{91240B29-F687-4f45-9708-019B960494DF}">
+            <a:ext uri="{91240B29-F687-4F45-9708-019B960494DF}">
               <a14:hiddenLine xmlns:a14="http://schemas.microsoft.com/office/drawing/2010/main" w="9525">
                 <a:solidFill>
                   <a:srgbClr val="000000"/>
@@ -1014,7 +1014,7 @@
             <a:tailEnd/>
           </a:ln>
           <a:extLst>
-            <a:ext uri="{909E8E84-426E-40dd-AFC4-6F175D3DCCD1}">
+            <a:ext uri="{909E8E84-426E-40DD-AFC4-6F175D3DCCD1}">
               <a14:hiddenFill xmlns:a14="http://schemas.microsoft.com/office/drawing/2010/main">
                 <a:solidFill>
                   <a:srgbClr val="FFFFFF"/>
@@ -1022,7 +1022,7 @@
               </a14:hiddenFill>
             </a:ext>
             <a:ext uri="{FAA26D3D-D897-4be2-8F04-BA451C77F1D7}">
-              <ma14:placeholderFlag xmlns:ma14="http://schemas.microsoft.com/office/mac/drawingml/2011/main" val="1"/>
+              <ma14:placeholderFlag xmlns:ma14="http://schemas.microsoft.com/office/mac/drawingml/2011/main" xmlns="" val="1"/>
             </a:ext>
           </a:extLst>
         </p:spPr>
@@ -1044,14 +1044,14 @@
           </a:xfrm>
           <a:noFill/>
           <a:extLst>
-            <a:ext uri="{909E8E84-426E-40dd-AFC4-6F175D3DCCD1}">
+            <a:ext uri="{909E8E84-426E-40DD-AFC4-6F175D3DCCD1}">
               <a14:hiddenFill xmlns:a14="http://schemas.microsoft.com/office/drawing/2010/main">
                 <a:solidFill>
                   <a:srgbClr val="FFFFFF"/>
                 </a:solidFill>
               </a14:hiddenFill>
             </a:ext>
-            <a:ext uri="{91240B29-F687-4f45-9708-019B960494DF}">
+            <a:ext uri="{91240B29-F687-4F45-9708-019B960494DF}">
               <a14:hiddenLine xmlns:a14="http://schemas.microsoft.com/office/drawing/2010/main" w="9525">
                 <a:solidFill>
                   <a:srgbClr val="000000"/>
@@ -1119,14 +1119,14 @@
         <p:spPr bwMode="auto">
           <a:noFill/>
           <a:extLst>
-            <a:ext uri="{909E8E84-426E-40dd-AFC4-6F175D3DCCD1}">
+            <a:ext uri="{909E8E84-426E-40DD-AFC4-6F175D3DCCD1}">
               <a14:hiddenFill xmlns:a14="http://schemas.microsoft.com/office/drawing/2010/main">
                 <a:solidFill>
                   <a:srgbClr val="FFFFFF"/>
                 </a:solidFill>
               </a14:hiddenFill>
             </a:ext>
-            <a:ext uri="{91240B29-F687-4f45-9708-019B960494DF}">
+            <a:ext uri="{91240B29-F687-4F45-9708-019B960494DF}">
               <a14:hiddenLine xmlns:a14="http://schemas.microsoft.com/office/drawing/2010/main" w="9525">
                 <a:solidFill>
                   <a:srgbClr val="000000"/>
@@ -1284,7 +1284,7 @@
             <a:tailEnd/>
           </a:ln>
           <a:extLst>
-            <a:ext uri="{909E8E84-426E-40dd-AFC4-6F175D3DCCD1}">
+            <a:ext uri="{909E8E84-426E-40DD-AFC4-6F175D3DCCD1}">
               <a14:hiddenFill xmlns:a14="http://schemas.microsoft.com/office/drawing/2010/main">
                 <a:solidFill>
                   <a:srgbClr val="FFFFFF"/>
@@ -1292,7 +1292,7 @@
               </a14:hiddenFill>
             </a:ext>
             <a:ext uri="{FAA26D3D-D897-4be2-8F04-BA451C77F1D7}">
-              <ma14:placeholderFlag xmlns:ma14="http://schemas.microsoft.com/office/mac/drawingml/2011/main" val="1"/>
+              <ma14:placeholderFlag xmlns:ma14="http://schemas.microsoft.com/office/mac/drawingml/2011/main" xmlns="" val="1"/>
             </a:ext>
           </a:extLst>
         </p:spPr>
@@ -1314,14 +1314,14 @@
           </a:xfrm>
           <a:noFill/>
           <a:extLst>
-            <a:ext uri="{909E8E84-426E-40dd-AFC4-6F175D3DCCD1}">
+            <a:ext uri="{909E8E84-426E-40DD-AFC4-6F175D3DCCD1}">
               <a14:hiddenFill xmlns:a14="http://schemas.microsoft.com/office/drawing/2010/main">
                 <a:solidFill>
                   <a:srgbClr val="FFFFFF"/>
                 </a:solidFill>
               </a14:hiddenFill>
             </a:ext>
-            <a:ext uri="{91240B29-F687-4f45-9708-019B960494DF}">
+            <a:ext uri="{91240B29-F687-4F45-9708-019B960494DF}">
               <a14:hiddenLine xmlns:a14="http://schemas.microsoft.com/office/drawing/2010/main" w="9525">
                 <a:solidFill>
                   <a:srgbClr val="000000"/>
@@ -1415,14 +1415,14 @@
         <p:spPr bwMode="auto">
           <a:noFill/>
           <a:extLst>
-            <a:ext uri="{909E8E84-426E-40dd-AFC4-6F175D3DCCD1}">
+            <a:ext uri="{909E8E84-426E-40DD-AFC4-6F175D3DCCD1}">
               <a14:hiddenFill xmlns:a14="http://schemas.microsoft.com/office/drawing/2010/main">
                 <a:solidFill>
                   <a:srgbClr val="FFFFFF"/>
                 </a:solidFill>
               </a14:hiddenFill>
             </a:ext>
-            <a:ext uri="{91240B29-F687-4f45-9708-019B960494DF}">
+            <a:ext uri="{91240B29-F687-4F45-9708-019B960494DF}">
               <a14:hiddenLine xmlns:a14="http://schemas.microsoft.com/office/drawing/2010/main" w="9525">
                 <a:solidFill>
                   <a:srgbClr val="000000"/>
@@ -1580,7 +1580,7 @@
             <a:tailEnd/>
           </a:ln>
           <a:extLst>
-            <a:ext uri="{909E8E84-426E-40dd-AFC4-6F175D3DCCD1}">
+            <a:ext uri="{909E8E84-426E-40DD-AFC4-6F175D3DCCD1}">
               <a14:hiddenFill xmlns:a14="http://schemas.microsoft.com/office/drawing/2010/main">
                 <a:solidFill>
                   <a:srgbClr val="FFFFFF"/>
@@ -1588,7 +1588,7 @@
               </a14:hiddenFill>
             </a:ext>
             <a:ext uri="{FAA26D3D-D897-4be2-8F04-BA451C77F1D7}">
-              <ma14:placeholderFlag xmlns:ma14="http://schemas.microsoft.com/office/mac/drawingml/2011/main" val="1"/>
+              <ma14:placeholderFlag xmlns:ma14="http://schemas.microsoft.com/office/mac/drawingml/2011/main" xmlns="" val="1"/>
             </a:ext>
           </a:extLst>
         </p:spPr>
@@ -1610,14 +1610,14 @@
           </a:xfrm>
           <a:noFill/>
           <a:extLst>
-            <a:ext uri="{909E8E84-426E-40dd-AFC4-6F175D3DCCD1}">
+            <a:ext uri="{909E8E84-426E-40DD-AFC4-6F175D3DCCD1}">
               <a14:hiddenFill xmlns:a14="http://schemas.microsoft.com/office/drawing/2010/main">
                 <a:solidFill>
                   <a:srgbClr val="FFFFFF"/>
                 </a:solidFill>
               </a14:hiddenFill>
             </a:ext>
-            <a:ext uri="{91240B29-F687-4f45-9708-019B960494DF}">
+            <a:ext uri="{91240B29-F687-4F45-9708-019B960494DF}">
               <a14:hiddenLine xmlns:a14="http://schemas.microsoft.com/office/drawing/2010/main" w="9525">
                 <a:solidFill>
                   <a:srgbClr val="000000"/>
@@ -1786,14 +1786,14 @@
         <p:spPr bwMode="auto">
           <a:noFill/>
           <a:extLst>
-            <a:ext uri="{909E8E84-426E-40dd-AFC4-6F175D3DCCD1}">
+            <a:ext uri="{909E8E84-426E-40DD-AFC4-6F175D3DCCD1}">
               <a14:hiddenFill xmlns:a14="http://schemas.microsoft.com/office/drawing/2010/main">
                 <a:solidFill>
                   <a:srgbClr val="FFFFFF"/>
                 </a:solidFill>
               </a14:hiddenFill>
             </a:ext>
-            <a:ext uri="{91240B29-F687-4f45-9708-019B960494DF}">
+            <a:ext uri="{91240B29-F687-4F45-9708-019B960494DF}">
               <a14:hiddenLine xmlns:a14="http://schemas.microsoft.com/office/drawing/2010/main" w="9525">
                 <a:solidFill>
                   <a:srgbClr val="000000"/>
@@ -1951,7 +1951,7 @@
             <a:tailEnd/>
           </a:ln>
           <a:extLst>
-            <a:ext uri="{909E8E84-426E-40dd-AFC4-6F175D3DCCD1}">
+            <a:ext uri="{909E8E84-426E-40DD-AFC4-6F175D3DCCD1}">
               <a14:hiddenFill xmlns:a14="http://schemas.microsoft.com/office/drawing/2010/main">
                 <a:solidFill>
                   <a:srgbClr val="FFFFFF"/>
@@ -1959,7 +1959,7 @@
               </a14:hiddenFill>
             </a:ext>
             <a:ext uri="{FAA26D3D-D897-4be2-8F04-BA451C77F1D7}">
-              <ma14:placeholderFlag xmlns:ma14="http://schemas.microsoft.com/office/mac/drawingml/2011/main" val="1"/>
+              <ma14:placeholderFlag xmlns:ma14="http://schemas.microsoft.com/office/mac/drawingml/2011/main" xmlns="" val="1"/>
             </a:ext>
           </a:extLst>
         </p:spPr>
@@ -1981,14 +1981,14 @@
           </a:xfrm>
           <a:noFill/>
           <a:extLst>
-            <a:ext uri="{909E8E84-426E-40dd-AFC4-6F175D3DCCD1}">
+            <a:ext uri="{909E8E84-426E-40DD-AFC4-6F175D3DCCD1}">
               <a14:hiddenFill xmlns:a14="http://schemas.microsoft.com/office/drawing/2010/main">
                 <a:solidFill>
                   <a:srgbClr val="FFFFFF"/>
                 </a:solidFill>
               </a14:hiddenFill>
             </a:ext>
-            <a:ext uri="{91240B29-F687-4f45-9708-019B960494DF}">
+            <a:ext uri="{91240B29-F687-4F45-9708-019B960494DF}">
               <a14:hiddenLine xmlns:a14="http://schemas.microsoft.com/office/drawing/2010/main" w="9525">
                 <a:solidFill>
                   <a:srgbClr val="000000"/>
@@ -2122,14 +2122,14 @@
         <p:spPr bwMode="auto">
           <a:noFill/>
           <a:extLst>
-            <a:ext uri="{909E8E84-426E-40dd-AFC4-6F175D3DCCD1}">
+            <a:ext uri="{909E8E84-426E-40DD-AFC4-6F175D3DCCD1}">
               <a14:hiddenFill xmlns:a14="http://schemas.microsoft.com/office/drawing/2010/main">
                 <a:solidFill>
                   <a:srgbClr val="FFFFFF"/>
                 </a:solidFill>
               </a14:hiddenFill>
             </a:ext>
-            <a:ext uri="{91240B29-F687-4f45-9708-019B960494DF}">
+            <a:ext uri="{91240B29-F687-4F45-9708-019B960494DF}">
               <a14:hiddenLine xmlns:a14="http://schemas.microsoft.com/office/drawing/2010/main" w="9525">
                 <a:solidFill>
                   <a:srgbClr val="000000"/>
@@ -2287,7 +2287,7 @@
             <a:tailEnd/>
           </a:ln>
           <a:extLst>
-            <a:ext uri="{909E8E84-426E-40dd-AFC4-6F175D3DCCD1}">
+            <a:ext uri="{909E8E84-426E-40DD-AFC4-6F175D3DCCD1}">
               <a14:hiddenFill xmlns:a14="http://schemas.microsoft.com/office/drawing/2010/main">
                 <a:solidFill>
                   <a:srgbClr val="FFFFFF"/>
@@ -2295,7 +2295,7 @@
               </a14:hiddenFill>
             </a:ext>
             <a:ext uri="{FAA26D3D-D897-4be2-8F04-BA451C77F1D7}">
-              <ma14:placeholderFlag xmlns:ma14="http://schemas.microsoft.com/office/mac/drawingml/2011/main" val="1"/>
+              <ma14:placeholderFlag xmlns:ma14="http://schemas.microsoft.com/office/mac/drawingml/2011/main" xmlns="" val="1"/>
             </a:ext>
           </a:extLst>
         </p:spPr>
@@ -2317,14 +2317,14 @@
           </a:xfrm>
           <a:noFill/>
           <a:extLst>
-            <a:ext uri="{909E8E84-426E-40dd-AFC4-6F175D3DCCD1}">
+            <a:ext uri="{909E8E84-426E-40DD-AFC4-6F175D3DCCD1}">
               <a14:hiddenFill xmlns:a14="http://schemas.microsoft.com/office/drawing/2010/main">
                 <a:solidFill>
                   <a:srgbClr val="FFFFFF"/>
                 </a:solidFill>
               </a14:hiddenFill>
             </a:ext>
-            <a:ext uri="{91240B29-F687-4f45-9708-019B960494DF}">
+            <a:ext uri="{91240B29-F687-4F45-9708-019B960494DF}">
               <a14:hiddenLine xmlns:a14="http://schemas.microsoft.com/office/drawing/2010/main" w="9525">
                 <a:solidFill>
                   <a:srgbClr val="000000"/>
@@ -2335,7 +2335,7 @@
               </a14:hiddenLine>
             </a:ext>
             <a:ext uri="{FAA26D3D-D897-4be2-8F04-BA451C77F1D7}">
-              <ma14:placeholderFlag xmlns:ma14="http://schemas.microsoft.com/office/mac/drawingml/2011/main" val="1"/>
+              <ma14:placeholderFlag xmlns:ma14="http://schemas.microsoft.com/office/mac/drawingml/2011/main" xmlns="" val="1"/>
             </a:ext>
           </a:extLst>
         </p:spPr>
@@ -2392,14 +2392,14 @@
         <p:spPr bwMode="auto">
           <a:noFill/>
           <a:extLst>
-            <a:ext uri="{909E8E84-426E-40dd-AFC4-6F175D3DCCD1}">
+            <a:ext uri="{909E8E84-426E-40DD-AFC4-6F175D3DCCD1}">
               <a14:hiddenFill xmlns:a14="http://schemas.microsoft.com/office/drawing/2010/main">
                 <a:solidFill>
                   <a:srgbClr val="FFFFFF"/>
                 </a:solidFill>
               </a14:hiddenFill>
             </a:ext>
-            <a:ext uri="{91240B29-F687-4f45-9708-019B960494DF}">
+            <a:ext uri="{91240B29-F687-4F45-9708-019B960494DF}">
               <a14:hiddenLine xmlns:a14="http://schemas.microsoft.com/office/drawing/2010/main" w="9525">
                 <a:solidFill>
                   <a:srgbClr val="000000"/>
@@ -2557,7 +2557,7 @@
             <a:tailEnd/>
           </a:ln>
           <a:extLst>
-            <a:ext uri="{909E8E84-426E-40dd-AFC4-6F175D3DCCD1}">
+            <a:ext uri="{909E8E84-426E-40DD-AFC4-6F175D3DCCD1}">
               <a14:hiddenFill xmlns:a14="http://schemas.microsoft.com/office/drawing/2010/main">
                 <a:solidFill>
                   <a:srgbClr val="FFFFFF"/>
@@ -2565,7 +2565,7 @@
               </a14:hiddenFill>
             </a:ext>
             <a:ext uri="{FAA26D3D-D897-4be2-8F04-BA451C77F1D7}">
-              <ma14:placeholderFlag xmlns:ma14="http://schemas.microsoft.com/office/mac/drawingml/2011/main" val="1"/>
+              <ma14:placeholderFlag xmlns:ma14="http://schemas.microsoft.com/office/mac/drawingml/2011/main" xmlns="" val="1"/>
             </a:ext>
           </a:extLst>
         </p:spPr>
@@ -2587,14 +2587,14 @@
           </a:xfrm>
           <a:noFill/>
           <a:extLst>
-            <a:ext uri="{909E8E84-426E-40dd-AFC4-6F175D3DCCD1}">
+            <a:ext uri="{909E8E84-426E-40DD-AFC4-6F175D3DCCD1}">
               <a14:hiddenFill xmlns:a14="http://schemas.microsoft.com/office/drawing/2010/main">
                 <a:solidFill>
                   <a:srgbClr val="FFFFFF"/>
                 </a:solidFill>
               </a14:hiddenFill>
             </a:ext>
-            <a:ext uri="{91240B29-F687-4f45-9708-019B960494DF}">
+            <a:ext uri="{91240B29-F687-4F45-9708-019B960494DF}">
               <a14:hiddenLine xmlns:a14="http://schemas.microsoft.com/office/drawing/2010/main" w="9525">
                 <a:solidFill>
                   <a:srgbClr val="000000"/>
@@ -2674,14 +2674,14 @@
         <p:spPr bwMode="auto">
           <a:noFill/>
           <a:extLst>
-            <a:ext uri="{909E8E84-426E-40dd-AFC4-6F175D3DCCD1}">
+            <a:ext uri="{909E8E84-426E-40DD-AFC4-6F175D3DCCD1}">
               <a14:hiddenFill xmlns:a14="http://schemas.microsoft.com/office/drawing/2010/main">
                 <a:solidFill>
                   <a:srgbClr val="FFFFFF"/>
                 </a:solidFill>
               </a14:hiddenFill>
             </a:ext>
-            <a:ext uri="{91240B29-F687-4f45-9708-019B960494DF}">
+            <a:ext uri="{91240B29-F687-4F45-9708-019B960494DF}">
               <a14:hiddenLine xmlns:a14="http://schemas.microsoft.com/office/drawing/2010/main" w="9525">
                 <a:solidFill>
                   <a:srgbClr val="000000"/>
@@ -2839,7 +2839,7 @@
             <a:tailEnd/>
           </a:ln>
           <a:extLst>
-            <a:ext uri="{909E8E84-426E-40dd-AFC4-6F175D3DCCD1}">
+            <a:ext uri="{909E8E84-426E-40DD-AFC4-6F175D3DCCD1}">
               <a14:hiddenFill xmlns:a14="http://schemas.microsoft.com/office/drawing/2010/main">
                 <a:solidFill>
                   <a:srgbClr val="FFFFFF"/>
@@ -2847,7 +2847,7 @@
               </a14:hiddenFill>
             </a:ext>
             <a:ext uri="{FAA26D3D-D897-4be2-8F04-BA451C77F1D7}">
-              <ma14:placeholderFlag xmlns:ma14="http://schemas.microsoft.com/office/mac/drawingml/2011/main" val="1"/>
+              <ma14:placeholderFlag xmlns:ma14="http://schemas.microsoft.com/office/mac/drawingml/2011/main" xmlns="" val="1"/>
             </a:ext>
           </a:extLst>
         </p:spPr>
@@ -2869,14 +2869,14 @@
           </a:xfrm>
           <a:noFill/>
           <a:extLst>
-            <a:ext uri="{909E8E84-426E-40dd-AFC4-6F175D3DCCD1}">
+            <a:ext uri="{909E8E84-426E-40DD-AFC4-6F175D3DCCD1}">
               <a14:hiddenFill xmlns:a14="http://schemas.microsoft.com/office/drawing/2010/main">
                 <a:solidFill>
                   <a:srgbClr val="FFFFFF"/>
                 </a:solidFill>
               </a14:hiddenFill>
             </a:ext>
-            <a:ext uri="{91240B29-F687-4f45-9708-019B960494DF}">
+            <a:ext uri="{91240B29-F687-4F45-9708-019B960494DF}">
               <a14:hiddenLine xmlns:a14="http://schemas.microsoft.com/office/drawing/2010/main" w="9525">
                 <a:solidFill>
                   <a:srgbClr val="000000"/>
@@ -2956,14 +2956,14 @@
         <p:spPr bwMode="auto">
           <a:noFill/>
           <a:extLst>
-            <a:ext uri="{909E8E84-426E-40dd-AFC4-6F175D3DCCD1}">
+            <a:ext uri="{909E8E84-426E-40DD-AFC4-6F175D3DCCD1}">
               <a14:hiddenFill xmlns:a14="http://schemas.microsoft.com/office/drawing/2010/main">
                 <a:solidFill>
                   <a:srgbClr val="FFFFFF"/>
                 </a:solidFill>
               </a14:hiddenFill>
             </a:ext>
-            <a:ext uri="{91240B29-F687-4f45-9708-019B960494DF}">
+            <a:ext uri="{91240B29-F687-4F45-9708-019B960494DF}">
               <a14:hiddenLine xmlns:a14="http://schemas.microsoft.com/office/drawing/2010/main" w="9525">
                 <a:solidFill>
                   <a:srgbClr val="000000"/>
@@ -3121,7 +3121,7 @@
             <a:tailEnd/>
           </a:ln>
           <a:extLst>
-            <a:ext uri="{909E8E84-426E-40dd-AFC4-6F175D3DCCD1}">
+            <a:ext uri="{909E8E84-426E-40DD-AFC4-6F175D3DCCD1}">
               <a14:hiddenFill xmlns:a14="http://schemas.microsoft.com/office/drawing/2010/main">
                 <a:solidFill>
                   <a:srgbClr val="FFFFFF"/>
@@ -3129,7 +3129,7 @@
               </a14:hiddenFill>
             </a:ext>
             <a:ext uri="{FAA26D3D-D897-4be2-8F04-BA451C77F1D7}">
-              <ma14:placeholderFlag xmlns:ma14="http://schemas.microsoft.com/office/mac/drawingml/2011/main" val="1"/>
+              <ma14:placeholderFlag xmlns:ma14="http://schemas.microsoft.com/office/mac/drawingml/2011/main" xmlns="" val="1"/>
             </a:ext>
           </a:extLst>
         </p:spPr>
@@ -3151,14 +3151,14 @@
           </a:xfrm>
           <a:noFill/>
           <a:extLst>
-            <a:ext uri="{909E8E84-426E-40dd-AFC4-6F175D3DCCD1}">
+            <a:ext uri="{909E8E84-426E-40DD-AFC4-6F175D3DCCD1}">
               <a14:hiddenFill xmlns:a14="http://schemas.microsoft.com/office/drawing/2010/main">
                 <a:solidFill>
                   <a:srgbClr val="FFFFFF"/>
                 </a:solidFill>
               </a14:hiddenFill>
             </a:ext>
-            <a:ext uri="{91240B29-F687-4f45-9708-019B960494DF}">
+            <a:ext uri="{91240B29-F687-4F45-9708-019B960494DF}">
               <a14:hiddenLine xmlns:a14="http://schemas.microsoft.com/office/drawing/2010/main" w="9525">
                 <a:solidFill>
                   <a:srgbClr val="000000"/>
@@ -3309,14 +3309,14 @@
         <p:spPr bwMode="auto">
           <a:noFill/>
           <a:extLst>
-            <a:ext uri="{909E8E84-426E-40dd-AFC4-6F175D3DCCD1}">
+            <a:ext uri="{909E8E84-426E-40DD-AFC4-6F175D3DCCD1}">
               <a14:hiddenFill xmlns:a14="http://schemas.microsoft.com/office/drawing/2010/main">
                 <a:solidFill>
                   <a:srgbClr val="FFFFFF"/>
                 </a:solidFill>
               </a14:hiddenFill>
             </a:ext>
-            <a:ext uri="{91240B29-F687-4f45-9708-019B960494DF}">
+            <a:ext uri="{91240B29-F687-4F45-9708-019B960494DF}">
               <a14:hiddenLine xmlns:a14="http://schemas.microsoft.com/office/drawing/2010/main" w="9525">
                 <a:solidFill>
                   <a:srgbClr val="000000"/>
@@ -3474,7 +3474,7 @@
             <a:tailEnd/>
           </a:ln>
           <a:extLst>
-            <a:ext uri="{909E8E84-426E-40dd-AFC4-6F175D3DCCD1}">
+            <a:ext uri="{909E8E84-426E-40DD-AFC4-6F175D3DCCD1}">
               <a14:hiddenFill xmlns:a14="http://schemas.microsoft.com/office/drawing/2010/main">
                 <a:solidFill>
                   <a:srgbClr val="FFFFFF"/>
@@ -3482,7 +3482,7 @@
               </a14:hiddenFill>
             </a:ext>
             <a:ext uri="{FAA26D3D-D897-4be2-8F04-BA451C77F1D7}">
-              <ma14:placeholderFlag xmlns:ma14="http://schemas.microsoft.com/office/mac/drawingml/2011/main" val="1"/>
+              <ma14:placeholderFlag xmlns:ma14="http://schemas.microsoft.com/office/mac/drawingml/2011/main" xmlns="" val="1"/>
             </a:ext>
           </a:extLst>
         </p:spPr>
@@ -3504,14 +3504,14 @@
           </a:xfrm>
           <a:noFill/>
           <a:extLst>
-            <a:ext uri="{909E8E84-426E-40dd-AFC4-6F175D3DCCD1}">
+            <a:ext uri="{909E8E84-426E-40DD-AFC4-6F175D3DCCD1}">
               <a14:hiddenFill xmlns:a14="http://schemas.microsoft.com/office/drawing/2010/main">
                 <a:solidFill>
                   <a:srgbClr val="FFFFFF"/>
                 </a:solidFill>
               </a14:hiddenFill>
             </a:ext>
-            <a:ext uri="{91240B29-F687-4f45-9708-019B960494DF}">
+            <a:ext uri="{91240B29-F687-4F45-9708-019B960494DF}">
               <a14:hiddenLine xmlns:a14="http://schemas.microsoft.com/office/drawing/2010/main" w="9525">
                 <a:solidFill>
                   <a:srgbClr val="000000"/>
@@ -3643,14 +3643,14 @@
         <p:spPr bwMode="auto">
           <a:noFill/>
           <a:extLst>
-            <a:ext uri="{909E8E84-426E-40dd-AFC4-6F175D3DCCD1}">
+            <a:ext uri="{909E8E84-426E-40DD-AFC4-6F175D3DCCD1}">
               <a14:hiddenFill xmlns:a14="http://schemas.microsoft.com/office/drawing/2010/main">
                 <a:solidFill>
                   <a:srgbClr val="FFFFFF"/>
                 </a:solidFill>
               </a14:hiddenFill>
             </a:ext>
-            <a:ext uri="{91240B29-F687-4f45-9708-019B960494DF}">
+            <a:ext uri="{91240B29-F687-4F45-9708-019B960494DF}">
               <a14:hiddenLine xmlns:a14="http://schemas.microsoft.com/office/drawing/2010/main" w="9525">
                 <a:solidFill>
                   <a:srgbClr val="000000"/>
@@ -3808,7 +3808,7 @@
             <a:tailEnd/>
           </a:ln>
           <a:extLst>
-            <a:ext uri="{909E8E84-426E-40dd-AFC4-6F175D3DCCD1}">
+            <a:ext uri="{909E8E84-426E-40DD-AFC4-6F175D3DCCD1}">
               <a14:hiddenFill xmlns:a14="http://schemas.microsoft.com/office/drawing/2010/main">
                 <a:solidFill>
                   <a:srgbClr val="FFFFFF"/>
@@ -3816,7 +3816,7 @@
               </a14:hiddenFill>
             </a:ext>
             <a:ext uri="{FAA26D3D-D897-4be2-8F04-BA451C77F1D7}">
-              <ma14:placeholderFlag xmlns:ma14="http://schemas.microsoft.com/office/mac/drawingml/2011/main" val="1"/>
+              <ma14:placeholderFlag xmlns:ma14="http://schemas.microsoft.com/office/mac/drawingml/2011/main" xmlns="" val="1"/>
             </a:ext>
           </a:extLst>
         </p:spPr>
@@ -3838,14 +3838,14 @@
           </a:xfrm>
           <a:noFill/>
           <a:extLst>
-            <a:ext uri="{909E8E84-426E-40dd-AFC4-6F175D3DCCD1}">
+            <a:ext uri="{909E8E84-426E-40DD-AFC4-6F175D3DCCD1}">
               <a14:hiddenFill xmlns:a14="http://schemas.microsoft.com/office/drawing/2010/main">
                 <a:solidFill>
                   <a:srgbClr val="FFFFFF"/>
                 </a:solidFill>
               </a14:hiddenFill>
             </a:ext>
-            <a:ext uri="{91240B29-F687-4f45-9708-019B960494DF}">
+            <a:ext uri="{91240B29-F687-4F45-9708-019B960494DF}">
               <a14:hiddenLine xmlns:a14="http://schemas.microsoft.com/office/drawing/2010/main" w="9525">
                 <a:solidFill>
                   <a:srgbClr val="000000"/>
@@ -3856,7 +3856,7 @@
               </a14:hiddenLine>
             </a:ext>
             <a:ext uri="{FAA26D3D-D897-4be2-8F04-BA451C77F1D7}">
-              <ma14:placeholderFlag xmlns:ma14="http://schemas.microsoft.com/office/mac/drawingml/2011/main" val="1"/>
+              <ma14:placeholderFlag xmlns:ma14="http://schemas.microsoft.com/office/mac/drawingml/2011/main" xmlns="" val="1"/>
             </a:ext>
           </a:extLst>
         </p:spPr>
@@ -3913,14 +3913,14 @@
         <p:spPr bwMode="auto">
           <a:noFill/>
           <a:extLst>
-            <a:ext uri="{909E8E84-426E-40dd-AFC4-6F175D3DCCD1}">
+            <a:ext uri="{909E8E84-426E-40DD-AFC4-6F175D3DCCD1}">
               <a14:hiddenFill xmlns:a14="http://schemas.microsoft.com/office/drawing/2010/main">
                 <a:solidFill>
                   <a:srgbClr val="FFFFFF"/>
                 </a:solidFill>
               </a14:hiddenFill>
             </a:ext>
-            <a:ext uri="{91240B29-F687-4f45-9708-019B960494DF}">
+            <a:ext uri="{91240B29-F687-4F45-9708-019B960494DF}">
               <a14:hiddenLine xmlns:a14="http://schemas.microsoft.com/office/drawing/2010/main" w="9525">
                 <a:solidFill>
                   <a:srgbClr val="000000"/>
@@ -4078,7 +4078,7 @@
             <a:tailEnd/>
           </a:ln>
           <a:extLst>
-            <a:ext uri="{909E8E84-426E-40dd-AFC4-6F175D3DCCD1}">
+            <a:ext uri="{909E8E84-426E-40DD-AFC4-6F175D3DCCD1}">
               <a14:hiddenFill xmlns:a14="http://schemas.microsoft.com/office/drawing/2010/main">
                 <a:solidFill>
                   <a:srgbClr val="FFFFFF"/>
@@ -4086,7 +4086,7 @@
               </a14:hiddenFill>
             </a:ext>
             <a:ext uri="{FAA26D3D-D897-4be2-8F04-BA451C77F1D7}">
-              <ma14:placeholderFlag xmlns:ma14="http://schemas.microsoft.com/office/mac/drawingml/2011/main" val="1"/>
+              <ma14:placeholderFlag xmlns:ma14="http://schemas.microsoft.com/office/mac/drawingml/2011/main" xmlns="" val="1"/>
             </a:ext>
           </a:extLst>
         </p:spPr>
@@ -4108,14 +4108,14 @@
           </a:xfrm>
           <a:noFill/>
           <a:extLst>
-            <a:ext uri="{909E8E84-426E-40dd-AFC4-6F175D3DCCD1}">
+            <a:ext uri="{909E8E84-426E-40DD-AFC4-6F175D3DCCD1}">
               <a14:hiddenFill xmlns:a14="http://schemas.microsoft.com/office/drawing/2010/main">
                 <a:solidFill>
                   <a:srgbClr val="FFFFFF"/>
                 </a:solidFill>
               </a14:hiddenFill>
             </a:ext>
-            <a:ext uri="{91240B29-F687-4f45-9708-019B960494DF}">
+            <a:ext uri="{91240B29-F687-4F45-9708-019B960494DF}">
               <a14:hiddenLine xmlns:a14="http://schemas.microsoft.com/office/drawing/2010/main" w="9525">
                 <a:solidFill>
                   <a:srgbClr val="000000"/>
@@ -4216,14 +4216,14 @@
         <p:spPr bwMode="auto">
           <a:noFill/>
           <a:extLst>
-            <a:ext uri="{909E8E84-426E-40dd-AFC4-6F175D3DCCD1}">
+            <a:ext uri="{909E8E84-426E-40DD-AFC4-6F175D3DCCD1}">
               <a14:hiddenFill xmlns:a14="http://schemas.microsoft.com/office/drawing/2010/main">
                 <a:solidFill>
                   <a:srgbClr val="FFFFFF"/>
                 </a:solidFill>
               </a14:hiddenFill>
             </a:ext>
-            <a:ext uri="{91240B29-F687-4f45-9708-019B960494DF}">
+            <a:ext uri="{91240B29-F687-4F45-9708-019B960494DF}">
               <a14:hiddenLine xmlns:a14="http://schemas.microsoft.com/office/drawing/2010/main" w="9525">
                 <a:solidFill>
                   <a:srgbClr val="000000"/>
@@ -4381,7 +4381,7 @@
             <a:tailEnd/>
           </a:ln>
           <a:extLst>
-            <a:ext uri="{909E8E84-426E-40dd-AFC4-6F175D3DCCD1}">
+            <a:ext uri="{909E8E84-426E-40DD-AFC4-6F175D3DCCD1}">
               <a14:hiddenFill xmlns:a14="http://schemas.microsoft.com/office/drawing/2010/main">
                 <a:solidFill>
                   <a:srgbClr val="FFFFFF"/>
@@ -4389,7 +4389,7 @@
               </a14:hiddenFill>
             </a:ext>
             <a:ext uri="{FAA26D3D-D897-4be2-8F04-BA451C77F1D7}">
-              <ma14:placeholderFlag xmlns:ma14="http://schemas.microsoft.com/office/mac/drawingml/2011/main" val="1"/>
+              <ma14:placeholderFlag xmlns:ma14="http://schemas.microsoft.com/office/mac/drawingml/2011/main" xmlns="" val="1"/>
             </a:ext>
           </a:extLst>
         </p:spPr>
@@ -4411,14 +4411,14 @@
           </a:xfrm>
           <a:noFill/>
           <a:extLst>
-            <a:ext uri="{909E8E84-426E-40dd-AFC4-6F175D3DCCD1}">
+            <a:ext uri="{909E8E84-426E-40DD-AFC4-6F175D3DCCD1}">
               <a14:hiddenFill xmlns:a14="http://schemas.microsoft.com/office/drawing/2010/main">
                 <a:solidFill>
                   <a:srgbClr val="FFFFFF"/>
                 </a:solidFill>
               </a14:hiddenFill>
             </a:ext>
-            <a:ext uri="{91240B29-F687-4f45-9708-019B960494DF}">
+            <a:ext uri="{91240B29-F687-4F45-9708-019B960494DF}">
               <a14:hiddenLine xmlns:a14="http://schemas.microsoft.com/office/drawing/2010/main" w="9525">
                 <a:solidFill>
                   <a:srgbClr val="000000"/>
@@ -4596,14 +4596,14 @@
         <p:spPr bwMode="auto">
           <a:noFill/>
           <a:extLst>
-            <a:ext uri="{909E8E84-426E-40dd-AFC4-6F175D3DCCD1}">
+            <a:ext uri="{909E8E84-426E-40DD-AFC4-6F175D3DCCD1}">
               <a14:hiddenFill xmlns:a14="http://schemas.microsoft.com/office/drawing/2010/main">
                 <a:solidFill>
                   <a:srgbClr val="FFFFFF"/>
                 </a:solidFill>
               </a14:hiddenFill>
             </a:ext>
-            <a:ext uri="{91240B29-F687-4f45-9708-019B960494DF}">
+            <a:ext uri="{91240B29-F687-4F45-9708-019B960494DF}">
               <a14:hiddenLine xmlns:a14="http://schemas.microsoft.com/office/drawing/2010/main" w="9525">
                 <a:solidFill>
                   <a:srgbClr val="000000"/>
@@ -4761,7 +4761,7 @@
             <a:tailEnd/>
           </a:ln>
           <a:extLst>
-            <a:ext uri="{909E8E84-426E-40dd-AFC4-6F175D3DCCD1}">
+            <a:ext uri="{909E8E84-426E-40DD-AFC4-6F175D3DCCD1}">
               <a14:hiddenFill xmlns:a14="http://schemas.microsoft.com/office/drawing/2010/main">
                 <a:solidFill>
                   <a:srgbClr val="FFFFFF"/>
@@ -4769,7 +4769,7 @@
               </a14:hiddenFill>
             </a:ext>
             <a:ext uri="{FAA26D3D-D897-4be2-8F04-BA451C77F1D7}">
-              <ma14:placeholderFlag xmlns:ma14="http://schemas.microsoft.com/office/mac/drawingml/2011/main" val="1"/>
+              <ma14:placeholderFlag xmlns:ma14="http://schemas.microsoft.com/office/mac/drawingml/2011/main" xmlns="" val="1"/>
             </a:ext>
           </a:extLst>
         </p:spPr>
@@ -4791,14 +4791,14 @@
           </a:xfrm>
           <a:noFill/>
           <a:extLst>
-            <a:ext uri="{909E8E84-426E-40dd-AFC4-6F175D3DCCD1}">
+            <a:ext uri="{909E8E84-426E-40DD-AFC4-6F175D3DCCD1}">
               <a14:hiddenFill xmlns:a14="http://schemas.microsoft.com/office/drawing/2010/main">
                 <a:solidFill>
                   <a:srgbClr val="FFFFFF"/>
                 </a:solidFill>
               </a14:hiddenFill>
             </a:ext>
-            <a:ext uri="{91240B29-F687-4f45-9708-019B960494DF}">
+            <a:ext uri="{91240B29-F687-4F45-9708-019B960494DF}">
               <a14:hiddenLine xmlns:a14="http://schemas.microsoft.com/office/drawing/2010/main" w="9525">
                 <a:solidFill>
                   <a:srgbClr val="000000"/>
@@ -4927,14 +4927,14 @@
         <p:spPr bwMode="auto">
           <a:noFill/>
           <a:extLst>
-            <a:ext uri="{909E8E84-426E-40dd-AFC4-6F175D3DCCD1}">
+            <a:ext uri="{909E8E84-426E-40DD-AFC4-6F175D3DCCD1}">
               <a14:hiddenFill xmlns:a14="http://schemas.microsoft.com/office/drawing/2010/main">
                 <a:solidFill>
                   <a:srgbClr val="FFFFFF"/>
                 </a:solidFill>
               </a14:hiddenFill>
             </a:ext>
-            <a:ext uri="{91240B29-F687-4f45-9708-019B960494DF}">
+            <a:ext uri="{91240B29-F687-4F45-9708-019B960494DF}">
               <a14:hiddenLine xmlns:a14="http://schemas.microsoft.com/office/drawing/2010/main" w="9525">
                 <a:solidFill>
                   <a:srgbClr val="000000"/>
@@ -5092,7 +5092,7 @@
             <a:tailEnd/>
           </a:ln>
           <a:extLst>
-            <a:ext uri="{909E8E84-426E-40dd-AFC4-6F175D3DCCD1}">
+            <a:ext uri="{909E8E84-426E-40DD-AFC4-6F175D3DCCD1}">
               <a14:hiddenFill xmlns:a14="http://schemas.microsoft.com/office/drawing/2010/main">
                 <a:solidFill>
                   <a:srgbClr val="FFFFFF"/>
@@ -5100,7 +5100,7 @@
               </a14:hiddenFill>
             </a:ext>
             <a:ext uri="{FAA26D3D-D897-4be2-8F04-BA451C77F1D7}">
-              <ma14:placeholderFlag xmlns:ma14="http://schemas.microsoft.com/office/mac/drawingml/2011/main" val="1"/>
+              <ma14:placeholderFlag xmlns:ma14="http://schemas.microsoft.com/office/mac/drawingml/2011/main" xmlns="" val="1"/>
             </a:ext>
           </a:extLst>
         </p:spPr>
@@ -5122,14 +5122,14 @@
           </a:xfrm>
           <a:noFill/>
           <a:extLst>
-            <a:ext uri="{909E8E84-426E-40dd-AFC4-6F175D3DCCD1}">
+            <a:ext uri="{909E8E84-426E-40DD-AFC4-6F175D3DCCD1}">
               <a14:hiddenFill xmlns:a14="http://schemas.microsoft.com/office/drawing/2010/main">
                 <a:solidFill>
                   <a:srgbClr val="FFFFFF"/>
                 </a:solidFill>
               </a14:hiddenFill>
             </a:ext>
-            <a:ext uri="{91240B29-F687-4f45-9708-019B960494DF}">
+            <a:ext uri="{91240B29-F687-4F45-9708-019B960494DF}">
               <a14:hiddenLine xmlns:a14="http://schemas.microsoft.com/office/drawing/2010/main" w="9525">
                 <a:solidFill>
                   <a:srgbClr val="000000"/>
@@ -5140,7 +5140,7 @@
               </a14:hiddenLine>
             </a:ext>
             <a:ext uri="{FAA26D3D-D897-4be2-8F04-BA451C77F1D7}">
-              <ma14:placeholderFlag xmlns:ma14="http://schemas.microsoft.com/office/mac/drawingml/2011/main" val="1"/>
+              <ma14:placeholderFlag xmlns:ma14="http://schemas.microsoft.com/office/mac/drawingml/2011/main" xmlns="" val="1"/>
             </a:ext>
           </a:extLst>
         </p:spPr>
@@ -5197,14 +5197,14 @@
         <p:spPr bwMode="auto">
           <a:noFill/>
           <a:extLst>
-            <a:ext uri="{909E8E84-426E-40dd-AFC4-6F175D3DCCD1}">
+            <a:ext uri="{909E8E84-426E-40DD-AFC4-6F175D3DCCD1}">
               <a14:hiddenFill xmlns:a14="http://schemas.microsoft.com/office/drawing/2010/main">
                 <a:solidFill>
                   <a:srgbClr val="FFFFFF"/>
                 </a:solidFill>
               </a14:hiddenFill>
             </a:ext>
-            <a:ext uri="{91240B29-F687-4f45-9708-019B960494DF}">
+            <a:ext uri="{91240B29-F687-4F45-9708-019B960494DF}">
               <a14:hiddenLine xmlns:a14="http://schemas.microsoft.com/office/drawing/2010/main" w="9525">
                 <a:solidFill>
                   <a:srgbClr val="000000"/>
@@ -5362,7 +5362,7 @@
             <a:tailEnd/>
           </a:ln>
           <a:extLst>
-            <a:ext uri="{909E8E84-426E-40dd-AFC4-6F175D3DCCD1}">
+            <a:ext uri="{909E8E84-426E-40DD-AFC4-6F175D3DCCD1}">
               <a14:hiddenFill xmlns:a14="http://schemas.microsoft.com/office/drawing/2010/main">
                 <a:solidFill>
                   <a:srgbClr val="FFFFFF"/>
@@ -5370,7 +5370,7 @@
               </a14:hiddenFill>
             </a:ext>
             <a:ext uri="{FAA26D3D-D897-4be2-8F04-BA451C77F1D7}">
-              <ma14:placeholderFlag xmlns:ma14="http://schemas.microsoft.com/office/mac/drawingml/2011/main" val="1"/>
+              <ma14:placeholderFlag xmlns:ma14="http://schemas.microsoft.com/office/mac/drawingml/2011/main" xmlns="" val="1"/>
             </a:ext>
           </a:extLst>
         </p:spPr>
@@ -5392,14 +5392,14 @@
           </a:xfrm>
           <a:noFill/>
           <a:extLst>
-            <a:ext uri="{909E8E84-426E-40dd-AFC4-6F175D3DCCD1}">
+            <a:ext uri="{909E8E84-426E-40DD-AFC4-6F175D3DCCD1}">
               <a14:hiddenFill xmlns:a14="http://schemas.microsoft.com/office/drawing/2010/main">
                 <a:solidFill>
                   <a:srgbClr val="FFFFFF"/>
                 </a:solidFill>
               </a14:hiddenFill>
             </a:ext>
-            <a:ext uri="{91240B29-F687-4f45-9708-019B960494DF}">
+            <a:ext uri="{91240B29-F687-4F45-9708-019B960494DF}">
               <a14:hiddenLine xmlns:a14="http://schemas.microsoft.com/office/drawing/2010/main" w="9525">
                 <a:solidFill>
                   <a:srgbClr val="000000"/>
@@ -5410,7 +5410,7 @@
               </a14:hiddenLine>
             </a:ext>
             <a:ext uri="{FAA26D3D-D897-4be2-8F04-BA451C77F1D7}">
-              <ma14:placeholderFlag xmlns:ma14="http://schemas.microsoft.com/office/mac/drawingml/2011/main" val="1"/>
+              <ma14:placeholderFlag xmlns:ma14="http://schemas.microsoft.com/office/mac/drawingml/2011/main" xmlns="" val="1"/>
             </a:ext>
           </a:extLst>
         </p:spPr>
@@ -5467,14 +5467,14 @@
         <p:spPr bwMode="auto">
           <a:noFill/>
           <a:extLst>
-            <a:ext uri="{909E8E84-426E-40dd-AFC4-6F175D3DCCD1}">
+            <a:ext uri="{909E8E84-426E-40DD-AFC4-6F175D3DCCD1}">
               <a14:hiddenFill xmlns:a14="http://schemas.microsoft.com/office/drawing/2010/main">
                 <a:solidFill>
                   <a:srgbClr val="FFFFFF"/>
                 </a:solidFill>
               </a14:hiddenFill>
             </a:ext>
-            <a:ext uri="{91240B29-F687-4f45-9708-019B960494DF}">
+            <a:ext uri="{91240B29-F687-4F45-9708-019B960494DF}">
               <a14:hiddenLine xmlns:a14="http://schemas.microsoft.com/office/drawing/2010/main" w="9525">
                 <a:solidFill>
                   <a:srgbClr val="000000"/>
@@ -5632,7 +5632,7 @@
             <a:tailEnd/>
           </a:ln>
           <a:extLst>
-            <a:ext uri="{909E8E84-426E-40dd-AFC4-6F175D3DCCD1}">
+            <a:ext uri="{909E8E84-426E-40DD-AFC4-6F175D3DCCD1}">
               <a14:hiddenFill xmlns:a14="http://schemas.microsoft.com/office/drawing/2010/main">
                 <a:solidFill>
                   <a:srgbClr val="FFFFFF"/>
@@ -5640,7 +5640,7 @@
               </a14:hiddenFill>
             </a:ext>
             <a:ext uri="{FAA26D3D-D897-4be2-8F04-BA451C77F1D7}">
-              <ma14:placeholderFlag xmlns:ma14="http://schemas.microsoft.com/office/mac/drawingml/2011/main" val="1"/>
+              <ma14:placeholderFlag xmlns:ma14="http://schemas.microsoft.com/office/mac/drawingml/2011/main" xmlns="" val="1"/>
             </a:ext>
           </a:extLst>
         </p:spPr>
@@ -5662,14 +5662,14 @@
           </a:xfrm>
           <a:noFill/>
           <a:extLst>
-            <a:ext uri="{909E8E84-426E-40dd-AFC4-6F175D3DCCD1}">
+            <a:ext uri="{909E8E84-426E-40DD-AFC4-6F175D3DCCD1}">
               <a14:hiddenFill xmlns:a14="http://schemas.microsoft.com/office/drawing/2010/main">
                 <a:solidFill>
                   <a:srgbClr val="FFFFFF"/>
                 </a:solidFill>
               </a14:hiddenFill>
             </a:ext>
-            <a:ext uri="{91240B29-F687-4f45-9708-019B960494DF}">
+            <a:ext uri="{91240B29-F687-4F45-9708-019B960494DF}">
               <a14:hiddenLine xmlns:a14="http://schemas.microsoft.com/office/drawing/2010/main" w="9525">
                 <a:solidFill>
                   <a:srgbClr val="000000"/>
@@ -5772,14 +5772,14 @@
         <p:spPr bwMode="auto">
           <a:noFill/>
           <a:extLst>
-            <a:ext uri="{909E8E84-426E-40dd-AFC4-6F175D3DCCD1}">
+            <a:ext uri="{909E8E84-426E-40DD-AFC4-6F175D3DCCD1}">
               <a14:hiddenFill xmlns:a14="http://schemas.microsoft.com/office/drawing/2010/main">
                 <a:solidFill>
                   <a:srgbClr val="FFFFFF"/>
                 </a:solidFill>
               </a14:hiddenFill>
             </a:ext>
-            <a:ext uri="{91240B29-F687-4f45-9708-019B960494DF}">
+            <a:ext uri="{91240B29-F687-4F45-9708-019B960494DF}">
               <a14:hiddenLine xmlns:a14="http://schemas.microsoft.com/office/drawing/2010/main" w="9525">
                 <a:solidFill>
                   <a:srgbClr val="000000"/>
@@ -5937,7 +5937,7 @@
             <a:tailEnd/>
           </a:ln>
           <a:extLst>
-            <a:ext uri="{909E8E84-426E-40dd-AFC4-6F175D3DCCD1}">
+            <a:ext uri="{909E8E84-426E-40DD-AFC4-6F175D3DCCD1}">
               <a14:hiddenFill xmlns:a14="http://schemas.microsoft.com/office/drawing/2010/main">
                 <a:solidFill>
                   <a:srgbClr val="FFFFFF"/>
@@ -5945,7 +5945,7 @@
               </a14:hiddenFill>
             </a:ext>
             <a:ext uri="{FAA26D3D-D897-4be2-8F04-BA451C77F1D7}">
-              <ma14:placeholderFlag xmlns:ma14="http://schemas.microsoft.com/office/mac/drawingml/2011/main" val="1"/>
+              <ma14:placeholderFlag xmlns:ma14="http://schemas.microsoft.com/office/mac/drawingml/2011/main" xmlns="" val="1"/>
             </a:ext>
           </a:extLst>
         </p:spPr>
@@ -5967,14 +5967,14 @@
           </a:xfrm>
           <a:noFill/>
           <a:extLst>
-            <a:ext uri="{909E8E84-426E-40dd-AFC4-6F175D3DCCD1}">
+            <a:ext uri="{909E8E84-426E-40DD-AFC4-6F175D3DCCD1}">
               <a14:hiddenFill xmlns:a14="http://schemas.microsoft.com/office/drawing/2010/main">
                 <a:solidFill>
                   <a:srgbClr val="FFFFFF"/>
                 </a:solidFill>
               </a14:hiddenFill>
             </a:ext>
-            <a:ext uri="{91240B29-F687-4f45-9708-019B960494DF}">
+            <a:ext uri="{91240B29-F687-4F45-9708-019B960494DF}">
               <a14:hiddenLine xmlns:a14="http://schemas.microsoft.com/office/drawing/2010/main" w="9525">
                 <a:solidFill>
                   <a:srgbClr val="000000"/>
@@ -6077,14 +6077,14 @@
         <p:spPr bwMode="auto">
           <a:noFill/>
           <a:extLst>
-            <a:ext uri="{909E8E84-426E-40dd-AFC4-6F175D3DCCD1}">
+            <a:ext uri="{909E8E84-426E-40DD-AFC4-6F175D3DCCD1}">
               <a14:hiddenFill xmlns:a14="http://schemas.microsoft.com/office/drawing/2010/main">
                 <a:solidFill>
                   <a:srgbClr val="FFFFFF"/>
                 </a:solidFill>
               </a14:hiddenFill>
             </a:ext>
-            <a:ext uri="{91240B29-F687-4f45-9708-019B960494DF}">
+            <a:ext uri="{91240B29-F687-4F45-9708-019B960494DF}">
               <a14:hiddenLine xmlns:a14="http://schemas.microsoft.com/office/drawing/2010/main" w="9525">
                 <a:solidFill>
                   <a:srgbClr val="000000"/>
@@ -6242,7 +6242,7 @@
             <a:tailEnd/>
           </a:ln>
           <a:extLst>
-            <a:ext uri="{909E8E84-426E-40dd-AFC4-6F175D3DCCD1}">
+            <a:ext uri="{909E8E84-426E-40DD-AFC4-6F175D3DCCD1}">
               <a14:hiddenFill xmlns:a14="http://schemas.microsoft.com/office/drawing/2010/main">
                 <a:solidFill>
                   <a:srgbClr val="FFFFFF"/>
@@ -6250,7 +6250,7 @@
               </a14:hiddenFill>
             </a:ext>
             <a:ext uri="{FAA26D3D-D897-4be2-8F04-BA451C77F1D7}">
-              <ma14:placeholderFlag xmlns:ma14="http://schemas.microsoft.com/office/mac/drawingml/2011/main" val="1"/>
+              <ma14:placeholderFlag xmlns:ma14="http://schemas.microsoft.com/office/mac/drawingml/2011/main" xmlns="" val="1"/>
             </a:ext>
           </a:extLst>
         </p:spPr>
@@ -6272,14 +6272,14 @@
           </a:xfrm>
           <a:noFill/>
           <a:extLst>
-            <a:ext uri="{909E8E84-426E-40dd-AFC4-6F175D3DCCD1}">
+            <a:ext uri="{909E8E84-426E-40DD-AFC4-6F175D3DCCD1}">
               <a14:hiddenFill xmlns:a14="http://schemas.microsoft.com/office/drawing/2010/main">
                 <a:solidFill>
                   <a:srgbClr val="FFFFFF"/>
                 </a:solidFill>
               </a14:hiddenFill>
             </a:ext>
-            <a:ext uri="{91240B29-F687-4f45-9708-019B960494DF}">
+            <a:ext uri="{91240B29-F687-4F45-9708-019B960494DF}">
               <a14:hiddenLine xmlns:a14="http://schemas.microsoft.com/office/drawing/2010/main" w="9525">
                 <a:solidFill>
                   <a:srgbClr val="000000"/>
@@ -6290,7 +6290,7 @@
               </a14:hiddenLine>
             </a:ext>
             <a:ext uri="{FAA26D3D-D897-4be2-8F04-BA451C77F1D7}">
-              <ma14:placeholderFlag xmlns:ma14="http://schemas.microsoft.com/office/mac/drawingml/2011/main" val="1"/>
+              <ma14:placeholderFlag xmlns:ma14="http://schemas.microsoft.com/office/mac/drawingml/2011/main" xmlns="" val="1"/>
             </a:ext>
           </a:extLst>
         </p:spPr>
@@ -6347,14 +6347,14 @@
         <p:spPr bwMode="auto">
           <a:noFill/>
           <a:extLst>
-            <a:ext uri="{909E8E84-426E-40dd-AFC4-6F175D3DCCD1}">
+            <a:ext uri="{909E8E84-426E-40DD-AFC4-6F175D3DCCD1}">
               <a14:hiddenFill xmlns:a14="http://schemas.microsoft.com/office/drawing/2010/main">
                 <a:solidFill>
                   <a:srgbClr val="FFFFFF"/>
                 </a:solidFill>
               </a14:hiddenFill>
             </a:ext>
-            <a:ext uri="{91240B29-F687-4f45-9708-019B960494DF}">
+            <a:ext uri="{91240B29-F687-4F45-9708-019B960494DF}">
               <a14:hiddenLine xmlns:a14="http://schemas.microsoft.com/office/drawing/2010/main" w="9525">
                 <a:solidFill>
                   <a:srgbClr val="000000"/>
@@ -6512,7 +6512,7 @@
             <a:tailEnd/>
           </a:ln>
           <a:extLst>
-            <a:ext uri="{909E8E84-426E-40dd-AFC4-6F175D3DCCD1}">
+            <a:ext uri="{909E8E84-426E-40DD-AFC4-6F175D3DCCD1}">
               <a14:hiddenFill xmlns:a14="http://schemas.microsoft.com/office/drawing/2010/main">
                 <a:solidFill>
                   <a:srgbClr val="FFFFFF"/>
@@ -6520,7 +6520,7 @@
               </a14:hiddenFill>
             </a:ext>
             <a:ext uri="{FAA26D3D-D897-4be2-8F04-BA451C77F1D7}">
-              <ma14:placeholderFlag xmlns:ma14="http://schemas.microsoft.com/office/mac/drawingml/2011/main" val="1"/>
+              <ma14:placeholderFlag xmlns:ma14="http://schemas.microsoft.com/office/mac/drawingml/2011/main" xmlns="" val="1"/>
             </a:ext>
           </a:extLst>
         </p:spPr>
@@ -6542,14 +6542,14 @@
           </a:xfrm>
           <a:noFill/>
           <a:extLst>
-            <a:ext uri="{909E8E84-426E-40dd-AFC4-6F175D3DCCD1}">
+            <a:ext uri="{909E8E84-426E-40DD-AFC4-6F175D3DCCD1}">
               <a14:hiddenFill xmlns:a14="http://schemas.microsoft.com/office/drawing/2010/main">
                 <a:solidFill>
                   <a:srgbClr val="FFFFFF"/>
                 </a:solidFill>
               </a14:hiddenFill>
             </a:ext>
-            <a:ext uri="{91240B29-F687-4f45-9708-019B960494DF}">
+            <a:ext uri="{91240B29-F687-4F45-9708-019B960494DF}">
               <a14:hiddenLine xmlns:a14="http://schemas.microsoft.com/office/drawing/2010/main" w="9525">
                 <a:solidFill>
                   <a:srgbClr val="000000"/>
@@ -6698,14 +6698,14 @@
           <a:noFill/>
           <a:ln/>
           <a:extLst>
-            <a:ext uri="{909E8E84-426E-40dd-AFC4-6F175D3DCCD1}">
+            <a:ext uri="{909E8E84-426E-40DD-AFC4-6F175D3DCCD1}">
               <a14:hiddenFill xmlns:a14="http://schemas.microsoft.com/office/drawing/2010/main">
                 <a:solidFill>
                   <a:srgbClr val="FFFFFF"/>
                 </a:solidFill>
               </a14:hiddenFill>
             </a:ext>
-            <a:ext uri="{91240B29-F687-4f45-9708-019B960494DF}">
+            <a:ext uri="{91240B29-F687-4F45-9708-019B960494DF}">
               <a14:hiddenLine xmlns:a14="http://schemas.microsoft.com/office/drawing/2010/main" w="9525">
                 <a:solidFill>
                   <a:srgbClr val="000000"/>
@@ -6877,14 +6877,14 @@
           <a:noFill/>
           <a:ln/>
           <a:extLst>
-            <a:ext uri="{909E8E84-426E-40dd-AFC4-6F175D3DCCD1}">
+            <a:ext uri="{909E8E84-426E-40DD-AFC4-6F175D3DCCD1}">
               <a14:hiddenFill xmlns:a14="http://schemas.microsoft.com/office/drawing/2010/main">
                 <a:solidFill>
                   <a:srgbClr val="FFFFFF"/>
                 </a:solidFill>
               </a14:hiddenFill>
             </a:ext>
-            <a:ext uri="{91240B29-F687-4f45-9708-019B960494DF}">
+            <a:ext uri="{91240B29-F687-4F45-9708-019B960494DF}">
               <a14:hiddenLine xmlns:a14="http://schemas.microsoft.com/office/drawing/2010/main" w="9525">
                 <a:solidFill>
                   <a:srgbClr val="000000"/>
@@ -6895,7 +6895,7 @@
               </a14:hiddenLine>
             </a:ext>
             <a:ext uri="{FAA26D3D-D897-4be2-8F04-BA451C77F1D7}">
-              <ma14:placeholderFlag xmlns:ma14="http://schemas.microsoft.com/office/mac/drawingml/2011/main" val="1"/>
+              <ma14:placeholderFlag xmlns:ma14="http://schemas.microsoft.com/office/mac/drawingml/2011/main" xmlns="" val="1"/>
             </a:ext>
           </a:extLst>
         </p:spPr>
@@ -6950,14 +6950,14 @@
           <a:noFill/>
           <a:ln/>
           <a:extLst>
-            <a:ext uri="{909E8E84-426E-40dd-AFC4-6F175D3DCCD1}">
+            <a:ext uri="{909E8E84-426E-40DD-AFC4-6F175D3DCCD1}">
               <a14:hiddenFill xmlns:a14="http://schemas.microsoft.com/office/drawing/2010/main">
                 <a:solidFill>
                   <a:srgbClr val="FFFFFF"/>
                 </a:solidFill>
               </a14:hiddenFill>
             </a:ext>
-            <a:ext uri="{91240B29-F687-4f45-9708-019B960494DF}">
+            <a:ext uri="{91240B29-F687-4F45-9708-019B960494DF}">
               <a14:hiddenLine xmlns:a14="http://schemas.microsoft.com/office/drawing/2010/main" w="9525">
                 <a:solidFill>
                   <a:srgbClr val="000000"/>
@@ -7129,14 +7129,14 @@
           <a:noFill/>
           <a:ln/>
           <a:extLst>
-            <a:ext uri="{909E8E84-426E-40dd-AFC4-6F175D3DCCD1}">
+            <a:ext uri="{909E8E84-426E-40DD-AFC4-6F175D3DCCD1}">
               <a14:hiddenFill xmlns:a14="http://schemas.microsoft.com/office/drawing/2010/main">
                 <a:solidFill>
                   <a:srgbClr val="FFFFFF"/>
                 </a:solidFill>
               </a14:hiddenFill>
             </a:ext>
-            <a:ext uri="{91240B29-F687-4f45-9708-019B960494DF}">
+            <a:ext uri="{91240B29-F687-4F45-9708-019B960494DF}">
               <a14:hiddenLine xmlns:a14="http://schemas.microsoft.com/office/drawing/2010/main" w="9525">
                 <a:solidFill>
                   <a:srgbClr val="000000"/>
@@ -7147,7 +7147,7 @@
               </a14:hiddenLine>
             </a:ext>
             <a:ext uri="{FAA26D3D-D897-4be2-8F04-BA451C77F1D7}">
-              <ma14:placeholderFlag xmlns:ma14="http://schemas.microsoft.com/office/mac/drawingml/2011/main" val="1"/>
+              <ma14:placeholderFlag xmlns:ma14="http://schemas.microsoft.com/office/mac/drawingml/2011/main" xmlns="" val="1"/>
             </a:ext>
           </a:extLst>
         </p:spPr>
@@ -7201,14 +7201,14 @@
         <p:spPr bwMode="auto">
           <a:noFill/>
           <a:extLst>
-            <a:ext uri="{909E8E84-426E-40dd-AFC4-6F175D3DCCD1}">
+            <a:ext uri="{909E8E84-426E-40DD-AFC4-6F175D3DCCD1}">
               <a14:hiddenFill xmlns:a14="http://schemas.microsoft.com/office/drawing/2010/main">
                 <a:solidFill>
                   <a:srgbClr val="FFFFFF"/>
                 </a:solidFill>
               </a14:hiddenFill>
             </a:ext>
-            <a:ext uri="{91240B29-F687-4f45-9708-019B960494DF}">
+            <a:ext uri="{91240B29-F687-4F45-9708-019B960494DF}">
               <a14:hiddenLine xmlns:a14="http://schemas.microsoft.com/office/drawing/2010/main" w="9525">
                 <a:solidFill>
                   <a:srgbClr val="000000"/>
@@ -7366,7 +7366,7 @@
             <a:tailEnd/>
           </a:ln>
           <a:extLst>
-            <a:ext uri="{909E8E84-426E-40dd-AFC4-6F175D3DCCD1}">
+            <a:ext uri="{909E8E84-426E-40DD-AFC4-6F175D3DCCD1}">
               <a14:hiddenFill xmlns:a14="http://schemas.microsoft.com/office/drawing/2010/main">
                 <a:solidFill>
                   <a:srgbClr val="FFFFFF"/>
@@ -7374,7 +7374,7 @@
               </a14:hiddenFill>
             </a:ext>
             <a:ext uri="{FAA26D3D-D897-4be2-8F04-BA451C77F1D7}">
-              <ma14:placeholderFlag xmlns:ma14="http://schemas.microsoft.com/office/mac/drawingml/2011/main" val="1"/>
+              <ma14:placeholderFlag xmlns:ma14="http://schemas.microsoft.com/office/mac/drawingml/2011/main" xmlns="" val="1"/>
             </a:ext>
           </a:extLst>
         </p:spPr>
@@ -7396,14 +7396,14 @@
           </a:xfrm>
           <a:noFill/>
           <a:extLst>
-            <a:ext uri="{909E8E84-426E-40dd-AFC4-6F175D3DCCD1}">
+            <a:ext uri="{909E8E84-426E-40DD-AFC4-6F175D3DCCD1}">
               <a14:hiddenFill xmlns:a14="http://schemas.microsoft.com/office/drawing/2010/main">
                 <a:solidFill>
                   <a:srgbClr val="FFFFFF"/>
                 </a:solidFill>
               </a14:hiddenFill>
             </a:ext>
-            <a:ext uri="{91240B29-F687-4f45-9708-019B960494DF}">
+            <a:ext uri="{91240B29-F687-4F45-9708-019B960494DF}">
               <a14:hiddenLine xmlns:a14="http://schemas.microsoft.com/office/drawing/2010/main" w="9525">
                 <a:solidFill>
                   <a:srgbClr val="000000"/>
@@ -7471,14 +7471,14 @@
         <p:spPr bwMode="auto">
           <a:noFill/>
           <a:extLst>
-            <a:ext uri="{909E8E84-426E-40dd-AFC4-6F175D3DCCD1}">
+            <a:ext uri="{909E8E84-426E-40DD-AFC4-6F175D3DCCD1}">
               <a14:hiddenFill xmlns:a14="http://schemas.microsoft.com/office/drawing/2010/main">
                 <a:solidFill>
                   <a:srgbClr val="FFFFFF"/>
                 </a:solidFill>
               </a14:hiddenFill>
             </a:ext>
-            <a:ext uri="{91240B29-F687-4f45-9708-019B960494DF}">
+            <a:ext uri="{91240B29-F687-4F45-9708-019B960494DF}">
               <a14:hiddenLine xmlns:a14="http://schemas.microsoft.com/office/drawing/2010/main" w="9525">
                 <a:solidFill>
                   <a:srgbClr val="000000"/>
@@ -7636,7 +7636,7 @@
             <a:tailEnd/>
           </a:ln>
           <a:extLst>
-            <a:ext uri="{909E8E84-426E-40dd-AFC4-6F175D3DCCD1}">
+            <a:ext uri="{909E8E84-426E-40DD-AFC4-6F175D3DCCD1}">
               <a14:hiddenFill xmlns:a14="http://schemas.microsoft.com/office/drawing/2010/main">
                 <a:solidFill>
                   <a:srgbClr val="FFFFFF"/>
@@ -7644,7 +7644,7 @@
               </a14:hiddenFill>
             </a:ext>
             <a:ext uri="{FAA26D3D-D897-4be2-8F04-BA451C77F1D7}">
-              <ma14:placeholderFlag xmlns:ma14="http://schemas.microsoft.com/office/mac/drawingml/2011/main" val="1"/>
+              <ma14:placeholderFlag xmlns:ma14="http://schemas.microsoft.com/office/mac/drawingml/2011/main" xmlns="" val="1"/>
             </a:ext>
           </a:extLst>
         </p:spPr>
@@ -7666,14 +7666,14 @@
           </a:xfrm>
           <a:noFill/>
           <a:extLst>
-            <a:ext uri="{909E8E84-426E-40dd-AFC4-6F175D3DCCD1}">
+            <a:ext uri="{909E8E84-426E-40DD-AFC4-6F175D3DCCD1}">
               <a14:hiddenFill xmlns:a14="http://schemas.microsoft.com/office/drawing/2010/main">
                 <a:solidFill>
                   <a:srgbClr val="FFFFFF"/>
                 </a:solidFill>
               </a14:hiddenFill>
             </a:ext>
-            <a:ext uri="{91240B29-F687-4f45-9708-019B960494DF}">
+            <a:ext uri="{91240B29-F687-4F45-9708-019B960494DF}">
               <a14:hiddenLine xmlns:a14="http://schemas.microsoft.com/office/drawing/2010/main" w="9525">
                 <a:solidFill>
                   <a:srgbClr val="000000"/>
@@ -7774,14 +7774,14 @@
         <p:spPr bwMode="auto">
           <a:noFill/>
           <a:extLst>
-            <a:ext uri="{909E8E84-426E-40dd-AFC4-6F175D3DCCD1}">
+            <a:ext uri="{909E8E84-426E-40DD-AFC4-6F175D3DCCD1}">
               <a14:hiddenFill xmlns:a14="http://schemas.microsoft.com/office/drawing/2010/main">
                 <a:solidFill>
                   <a:srgbClr val="FFFFFF"/>
                 </a:solidFill>
               </a14:hiddenFill>
             </a:ext>
-            <a:ext uri="{91240B29-F687-4f45-9708-019B960494DF}">
+            <a:ext uri="{91240B29-F687-4F45-9708-019B960494DF}">
               <a14:hiddenLine xmlns:a14="http://schemas.microsoft.com/office/drawing/2010/main" w="9525">
                 <a:solidFill>
                   <a:srgbClr val="000000"/>
@@ -7939,7 +7939,7 @@
             <a:tailEnd/>
           </a:ln>
           <a:extLst>
-            <a:ext uri="{909E8E84-426E-40dd-AFC4-6F175D3DCCD1}">
+            <a:ext uri="{909E8E84-426E-40DD-AFC4-6F175D3DCCD1}">
               <a14:hiddenFill xmlns:a14="http://schemas.microsoft.com/office/drawing/2010/main">
                 <a:solidFill>
                   <a:srgbClr val="FFFFFF"/>
@@ -7947,7 +7947,7 @@
               </a14:hiddenFill>
             </a:ext>
             <a:ext uri="{FAA26D3D-D897-4be2-8F04-BA451C77F1D7}">
-              <ma14:placeholderFlag xmlns:ma14="http://schemas.microsoft.com/office/mac/drawingml/2011/main" val="1"/>
+              <ma14:placeholderFlag xmlns:ma14="http://schemas.microsoft.com/office/mac/drawingml/2011/main" xmlns="" val="1"/>
             </a:ext>
           </a:extLst>
         </p:spPr>
@@ -7969,14 +7969,14 @@
           </a:xfrm>
           <a:noFill/>
           <a:extLst>
-            <a:ext uri="{909E8E84-426E-40dd-AFC4-6F175D3DCCD1}">
+            <a:ext uri="{909E8E84-426E-40DD-AFC4-6F175D3DCCD1}">
               <a14:hiddenFill xmlns:a14="http://schemas.microsoft.com/office/drawing/2010/main">
                 <a:solidFill>
                   <a:srgbClr val="FFFFFF"/>
                 </a:solidFill>
               </a14:hiddenFill>
             </a:ext>
-            <a:ext uri="{91240B29-F687-4f45-9708-019B960494DF}">
+            <a:ext uri="{91240B29-F687-4F45-9708-019B960494DF}">
               <a14:hiddenLine xmlns:a14="http://schemas.microsoft.com/office/drawing/2010/main" w="9525">
                 <a:solidFill>
                   <a:srgbClr val="000000"/>
@@ -8066,14 +8066,14 @@
         <p:spPr bwMode="auto">
           <a:noFill/>
           <a:extLst>
-            <a:ext uri="{909E8E84-426E-40dd-AFC4-6F175D3DCCD1}">
+            <a:ext uri="{909E8E84-426E-40DD-AFC4-6F175D3DCCD1}">
               <a14:hiddenFill xmlns:a14="http://schemas.microsoft.com/office/drawing/2010/main">
                 <a:solidFill>
                   <a:srgbClr val="FFFFFF"/>
                 </a:solidFill>
               </a14:hiddenFill>
             </a:ext>
-            <a:ext uri="{91240B29-F687-4f45-9708-019B960494DF}">
+            <a:ext uri="{91240B29-F687-4F45-9708-019B960494DF}">
               <a14:hiddenLine xmlns:a14="http://schemas.microsoft.com/office/drawing/2010/main" w="9525">
                 <a:solidFill>
                   <a:srgbClr val="000000"/>
@@ -8231,7 +8231,7 @@
             <a:tailEnd/>
           </a:ln>
           <a:extLst>
-            <a:ext uri="{909E8E84-426E-40dd-AFC4-6F175D3DCCD1}">
+            <a:ext uri="{909E8E84-426E-40DD-AFC4-6F175D3DCCD1}">
               <a14:hiddenFill xmlns:a14="http://schemas.microsoft.com/office/drawing/2010/main">
                 <a:solidFill>
                   <a:srgbClr val="FFFFFF"/>
@@ -8239,7 +8239,7 @@
               </a14:hiddenFill>
             </a:ext>
             <a:ext uri="{FAA26D3D-D897-4be2-8F04-BA451C77F1D7}">
-              <ma14:placeholderFlag xmlns:ma14="http://schemas.microsoft.com/office/mac/drawingml/2011/main" val="1"/>
+              <ma14:placeholderFlag xmlns:ma14="http://schemas.microsoft.com/office/mac/drawingml/2011/main" xmlns="" val="1"/>
             </a:ext>
           </a:extLst>
         </p:spPr>
@@ -8261,14 +8261,14 @@
           </a:xfrm>
           <a:noFill/>
           <a:extLst>
-            <a:ext uri="{909E8E84-426E-40dd-AFC4-6F175D3DCCD1}">
+            <a:ext uri="{909E8E84-426E-40DD-AFC4-6F175D3DCCD1}">
               <a14:hiddenFill xmlns:a14="http://schemas.microsoft.com/office/drawing/2010/main">
                 <a:solidFill>
                   <a:srgbClr val="FFFFFF"/>
                 </a:solidFill>
               </a14:hiddenFill>
             </a:ext>
-            <a:ext uri="{91240B29-F687-4f45-9708-019B960494DF}">
+            <a:ext uri="{91240B29-F687-4F45-9708-019B960494DF}">
               <a14:hiddenLine xmlns:a14="http://schemas.microsoft.com/office/drawing/2010/main" w="9525">
                 <a:solidFill>
                   <a:srgbClr val="000000"/>
@@ -8358,14 +8358,14 @@
         <p:spPr bwMode="auto">
           <a:noFill/>
           <a:extLst>
-            <a:ext uri="{909E8E84-426E-40dd-AFC4-6F175D3DCCD1}">
+            <a:ext uri="{909E8E84-426E-40DD-AFC4-6F175D3DCCD1}">
               <a14:hiddenFill xmlns:a14="http://schemas.microsoft.com/office/drawing/2010/main">
                 <a:solidFill>
                   <a:srgbClr val="FFFFFF"/>
                 </a:solidFill>
               </a14:hiddenFill>
             </a:ext>
-            <a:ext uri="{91240B29-F687-4f45-9708-019B960494DF}">
+            <a:ext uri="{91240B29-F687-4F45-9708-019B960494DF}">
               <a14:hiddenLine xmlns:a14="http://schemas.microsoft.com/office/drawing/2010/main" w="9525">
                 <a:solidFill>
                   <a:srgbClr val="000000"/>
@@ -8523,7 +8523,7 @@
             <a:tailEnd/>
           </a:ln>
           <a:extLst>
-            <a:ext uri="{909E8E84-426E-40dd-AFC4-6F175D3DCCD1}">
+            <a:ext uri="{909E8E84-426E-40DD-AFC4-6F175D3DCCD1}">
               <a14:hiddenFill xmlns:a14="http://schemas.microsoft.com/office/drawing/2010/main">
                 <a:solidFill>
                   <a:srgbClr val="FFFFFF"/>
@@ -8531,7 +8531,7 @@
               </a14:hiddenFill>
             </a:ext>
             <a:ext uri="{FAA26D3D-D897-4be2-8F04-BA451C77F1D7}">
-              <ma14:placeholderFlag xmlns:ma14="http://schemas.microsoft.com/office/mac/drawingml/2011/main" val="1"/>
+              <ma14:placeholderFlag xmlns:ma14="http://schemas.microsoft.com/office/mac/drawingml/2011/main" xmlns="" val="1"/>
             </a:ext>
           </a:extLst>
         </p:spPr>
@@ -8553,14 +8553,14 @@
           </a:xfrm>
           <a:noFill/>
           <a:extLst>
-            <a:ext uri="{909E8E84-426E-40dd-AFC4-6F175D3DCCD1}">
+            <a:ext uri="{909E8E84-426E-40DD-AFC4-6F175D3DCCD1}">
               <a14:hiddenFill xmlns:a14="http://schemas.microsoft.com/office/drawing/2010/main">
                 <a:solidFill>
                   <a:srgbClr val="FFFFFF"/>
                 </a:solidFill>
               </a14:hiddenFill>
             </a:ext>
-            <a:ext uri="{91240B29-F687-4f45-9708-019B960494DF}">
+            <a:ext uri="{91240B29-F687-4F45-9708-019B960494DF}">
               <a14:hiddenLine xmlns:a14="http://schemas.microsoft.com/office/drawing/2010/main" w="9525">
                 <a:solidFill>
                   <a:srgbClr val="000000"/>
@@ -8571,7 +8571,7 @@
               </a14:hiddenLine>
             </a:ext>
             <a:ext uri="{FAA26D3D-D897-4be2-8F04-BA451C77F1D7}">
-              <ma14:placeholderFlag xmlns:ma14="http://schemas.microsoft.com/office/mac/drawingml/2011/main" val="1"/>
+              <ma14:placeholderFlag xmlns:ma14="http://schemas.microsoft.com/office/mac/drawingml/2011/main" xmlns="" val="1"/>
             </a:ext>
           </a:extLst>
         </p:spPr>
@@ -8628,14 +8628,14 @@
         <p:spPr bwMode="auto">
           <a:noFill/>
           <a:extLst>
-            <a:ext uri="{909E8E84-426E-40dd-AFC4-6F175D3DCCD1}">
+            <a:ext uri="{909E8E84-426E-40DD-AFC4-6F175D3DCCD1}">
               <a14:hiddenFill xmlns:a14="http://schemas.microsoft.com/office/drawing/2010/main">
                 <a:solidFill>
                   <a:srgbClr val="FFFFFF"/>
                 </a:solidFill>
               </a14:hiddenFill>
             </a:ext>
-            <a:ext uri="{91240B29-F687-4f45-9708-019B960494DF}">
+            <a:ext uri="{91240B29-F687-4F45-9708-019B960494DF}">
               <a14:hiddenLine xmlns:a14="http://schemas.microsoft.com/office/drawing/2010/main" w="9525">
                 <a:solidFill>
                   <a:srgbClr val="000000"/>
@@ -8793,7 +8793,7 @@
             <a:tailEnd/>
           </a:ln>
           <a:extLst>
-            <a:ext uri="{909E8E84-426E-40dd-AFC4-6F175D3DCCD1}">
+            <a:ext uri="{909E8E84-426E-40DD-AFC4-6F175D3DCCD1}">
               <a14:hiddenFill xmlns:a14="http://schemas.microsoft.com/office/drawing/2010/main">
                 <a:solidFill>
                   <a:srgbClr val="FFFFFF"/>
@@ -8801,7 +8801,7 @@
               </a14:hiddenFill>
             </a:ext>
             <a:ext uri="{FAA26D3D-D897-4be2-8F04-BA451C77F1D7}">
-              <ma14:placeholderFlag xmlns:ma14="http://schemas.microsoft.com/office/mac/drawingml/2011/main" val="1"/>
+              <ma14:placeholderFlag xmlns:ma14="http://schemas.microsoft.com/office/mac/drawingml/2011/main" xmlns="" val="1"/>
             </a:ext>
           </a:extLst>
         </p:spPr>
@@ -8823,14 +8823,14 @@
           </a:xfrm>
           <a:noFill/>
           <a:extLst>
-            <a:ext uri="{909E8E84-426E-40dd-AFC4-6F175D3DCCD1}">
+            <a:ext uri="{909E8E84-426E-40DD-AFC4-6F175D3DCCD1}">
               <a14:hiddenFill xmlns:a14="http://schemas.microsoft.com/office/drawing/2010/main">
                 <a:solidFill>
                   <a:srgbClr val="FFFFFF"/>
                 </a:solidFill>
               </a14:hiddenFill>
             </a:ext>
-            <a:ext uri="{91240B29-F687-4f45-9708-019B960494DF}">
+            <a:ext uri="{91240B29-F687-4F45-9708-019B960494DF}">
               <a14:hiddenLine xmlns:a14="http://schemas.microsoft.com/office/drawing/2010/main" w="9525">
                 <a:solidFill>
                   <a:srgbClr val="000000"/>
@@ -8841,7 +8841,7 @@
               </a14:hiddenLine>
             </a:ext>
             <a:ext uri="{FAA26D3D-D897-4be2-8F04-BA451C77F1D7}">
-              <ma14:placeholderFlag xmlns:ma14="http://schemas.microsoft.com/office/mac/drawingml/2011/main" val="1"/>
+              <ma14:placeholderFlag xmlns:ma14="http://schemas.microsoft.com/office/mac/drawingml/2011/main" xmlns="" val="1"/>
             </a:ext>
           </a:extLst>
         </p:spPr>
@@ -8898,14 +8898,14 @@
         <p:spPr bwMode="auto">
           <a:noFill/>
           <a:extLst>
-            <a:ext uri="{909E8E84-426E-40dd-AFC4-6F175D3DCCD1}">
+            <a:ext uri="{909E8E84-426E-40DD-AFC4-6F175D3DCCD1}">
               <a14:hiddenFill xmlns:a14="http://schemas.microsoft.com/office/drawing/2010/main">
                 <a:solidFill>
                   <a:srgbClr val="FFFFFF"/>
                 </a:solidFill>
               </a14:hiddenFill>
             </a:ext>
-            <a:ext uri="{91240B29-F687-4f45-9708-019B960494DF}">
+            <a:ext uri="{91240B29-F687-4F45-9708-019B960494DF}">
               <a14:hiddenLine xmlns:a14="http://schemas.microsoft.com/office/drawing/2010/main" w="9525">
                 <a:solidFill>
                   <a:srgbClr val="000000"/>
@@ -9063,7 +9063,7 @@
             <a:tailEnd/>
           </a:ln>
           <a:extLst>
-            <a:ext uri="{909E8E84-426E-40dd-AFC4-6F175D3DCCD1}">
+            <a:ext uri="{909E8E84-426E-40DD-AFC4-6F175D3DCCD1}">
               <a14:hiddenFill xmlns:a14="http://schemas.microsoft.com/office/drawing/2010/main">
                 <a:solidFill>
                   <a:srgbClr val="FFFFFF"/>
@@ -9071,7 +9071,7 @@
               </a14:hiddenFill>
             </a:ext>
             <a:ext uri="{FAA26D3D-D897-4be2-8F04-BA451C77F1D7}">
-              <ma14:placeholderFlag xmlns:ma14="http://schemas.microsoft.com/office/mac/drawingml/2011/main" val="1"/>
+              <ma14:placeholderFlag xmlns:ma14="http://schemas.microsoft.com/office/mac/drawingml/2011/main" xmlns="" val="1"/>
             </a:ext>
           </a:extLst>
         </p:spPr>
@@ -9093,14 +9093,14 @@
           </a:xfrm>
           <a:noFill/>
           <a:extLst>
-            <a:ext uri="{909E8E84-426E-40dd-AFC4-6F175D3DCCD1}">
+            <a:ext uri="{909E8E84-426E-40DD-AFC4-6F175D3DCCD1}">
               <a14:hiddenFill xmlns:a14="http://schemas.microsoft.com/office/drawing/2010/main">
                 <a:solidFill>
                   <a:srgbClr val="FFFFFF"/>
                 </a:solidFill>
               </a14:hiddenFill>
             </a:ext>
-            <a:ext uri="{91240B29-F687-4f45-9708-019B960494DF}">
+            <a:ext uri="{91240B29-F687-4F45-9708-019B960494DF}">
               <a14:hiddenLine xmlns:a14="http://schemas.microsoft.com/office/drawing/2010/main" w="9525">
                 <a:solidFill>
                   <a:srgbClr val="000000"/>
@@ -9345,7 +9345,7 @@
             <a:fld id="{C1F48945-373B-F644-B878-9AD28BF7AD29}" type="datetimeFigureOut">
               <a:rPr lang="fr-FR" smtClean="0"/>
               <a:pPr/>
-              <a:t>2018-03-24</a:t>
+              <a:t>27/03/2018</a:t>
             </a:fld>
             <a:endParaRPr lang="fr-FR"/>
           </a:p>
@@ -9517,7 +9517,7 @@
             <a:fld id="{C1F48945-373B-F644-B878-9AD28BF7AD29}" type="datetimeFigureOut">
               <a:rPr lang="fr-FR" smtClean="0"/>
               <a:pPr/>
-              <a:t>2018-03-24</a:t>
+              <a:t>27/03/2018</a:t>
             </a:fld>
             <a:endParaRPr lang="fr-FR"/>
           </a:p>
@@ -9699,7 +9699,7 @@
             <a:fld id="{C1F48945-373B-F644-B878-9AD28BF7AD29}" type="datetimeFigureOut">
               <a:rPr lang="fr-FR" smtClean="0"/>
               <a:pPr/>
-              <a:t>2018-03-24</a:t>
+              <a:t>27/03/2018</a:t>
             </a:fld>
             <a:endParaRPr lang="fr-FR"/>
           </a:p>
@@ -10071,7 +10071,7 @@
             <a:fld id="{C1F48945-373B-F644-B878-9AD28BF7AD29}" type="datetimeFigureOut">
               <a:rPr lang="fr-FR" smtClean="0"/>
               <a:pPr/>
-              <a:t>2018-03-24</a:t>
+              <a:t>27/03/2018</a:t>
             </a:fld>
             <a:endParaRPr lang="fr-FR"/>
           </a:p>
@@ -10319,7 +10319,7 @@
             <a:fld id="{C1F48945-373B-F644-B878-9AD28BF7AD29}" type="datetimeFigureOut">
               <a:rPr lang="fr-FR" smtClean="0"/>
               <a:pPr/>
-              <a:t>2018-03-24</a:t>
+              <a:t>27/03/2018</a:t>
             </a:fld>
             <a:endParaRPr lang="fr-FR"/>
           </a:p>
@@ -10609,7 +10609,7 @@
             <a:fld id="{C1F48945-373B-F644-B878-9AD28BF7AD29}" type="datetimeFigureOut">
               <a:rPr lang="fr-FR" smtClean="0"/>
               <a:pPr/>
-              <a:t>2018-03-24</a:t>
+              <a:t>27/03/2018</a:t>
             </a:fld>
             <a:endParaRPr lang="fr-FR"/>
           </a:p>
@@ -11033,7 +11033,7 @@
             <a:fld id="{C1F48945-373B-F644-B878-9AD28BF7AD29}" type="datetimeFigureOut">
               <a:rPr lang="fr-FR" smtClean="0"/>
               <a:pPr/>
-              <a:t>2018-03-24</a:t>
+              <a:t>27/03/2018</a:t>
             </a:fld>
             <a:endParaRPr lang="fr-FR"/>
           </a:p>
@@ -11153,7 +11153,7 @@
             <a:fld id="{C1F48945-373B-F644-B878-9AD28BF7AD29}" type="datetimeFigureOut">
               <a:rPr lang="fr-FR" smtClean="0"/>
               <a:pPr/>
-              <a:t>2018-03-24</a:t>
+              <a:t>27/03/2018</a:t>
             </a:fld>
             <a:endParaRPr lang="fr-FR"/>
           </a:p>
@@ -11250,7 +11250,7 @@
             <a:fld id="{C1F48945-373B-F644-B878-9AD28BF7AD29}" type="datetimeFigureOut">
               <a:rPr lang="fr-FR" smtClean="0"/>
               <a:pPr/>
-              <a:t>2018-03-24</a:t>
+              <a:t>27/03/2018</a:t>
             </a:fld>
             <a:endParaRPr lang="fr-FR"/>
           </a:p>
@@ -11529,7 +11529,7 @@
             <a:fld id="{C1F48945-373B-F644-B878-9AD28BF7AD29}" type="datetimeFigureOut">
               <a:rPr lang="fr-FR" smtClean="0"/>
               <a:pPr/>
-              <a:t>2018-03-24</a:t>
+              <a:t>27/03/2018</a:t>
             </a:fld>
             <a:endParaRPr lang="fr-FR"/>
           </a:p>
@@ -11784,7 +11784,7 @@
             <a:fld id="{C1F48945-373B-F644-B878-9AD28BF7AD29}" type="datetimeFigureOut">
               <a:rPr lang="fr-FR" smtClean="0"/>
               <a:pPr/>
-              <a:t>2018-03-24</a:t>
+              <a:t>27/03/2018</a:t>
             </a:fld>
             <a:endParaRPr lang="fr-FR"/>
           </a:p>
@@ -11999,7 +11999,7 @@
             <a:fld id="{C1F48945-373B-F644-B878-9AD28BF7AD29}" type="datetimeFigureOut">
               <a:rPr lang="fr-FR" smtClean="0"/>
               <a:pPr/>
-              <a:t>2018-03-24</a:t>
+              <a:t>27/03/2018</a:t>
             </a:fld>
             <a:endParaRPr lang="fr-FR"/>
           </a:p>
@@ -12429,21 +12429,7 @@
                 <a:latin typeface="Verdana"/>
                 <a:cs typeface="Verdana"/>
               </a:rPr>
-              <a:t>Hiver </a:t>
-            </a:r>
-            <a:r>
-              <a:rPr lang="fr-FR" sz="2400" b="1" dirty="0" smtClean="0">
-                <a:latin typeface="Verdana"/>
-                <a:cs typeface="Verdana"/>
-              </a:rPr>
-              <a:t>2018</a:t>
-            </a:r>
-            <a:r>
-              <a:rPr lang="fr-FR" sz="2400" b="1" dirty="0" smtClean="0">
-                <a:latin typeface="Verdana"/>
-                <a:cs typeface="Verdana"/>
-              </a:rPr>
-              <a:t/>
+              <a:t>Hiver 2018</a:t>
             </a:r>
             <a:br>
               <a:rPr lang="fr-FR" sz="2400" b="1" dirty="0" smtClean="0">
@@ -12469,14 +12455,7 @@
                 <a:latin typeface="Verdana"/>
                 <a:cs typeface="Verdana"/>
               </a:rPr>
-              <a:t>Séance-</a:t>
-            </a:r>
-            <a:r>
-              <a:rPr lang="fr-FR" sz="2400" b="1" dirty="0" smtClean="0">
-                <a:latin typeface="Verdana"/>
-                <a:cs typeface="Verdana"/>
-              </a:rPr>
-              <a:t>12</a:t>
+              <a:t>Séance-12</a:t>
             </a:r>
             <a:endParaRPr lang="fr-FR" sz="2400" b="1" dirty="0">
               <a:latin typeface="Verdana"/>
@@ -12643,7 +12622,7 @@
   <p:timing>
     <p:tnLst>
       <p:par>
-        <p:cTn xmlns:p14="http://schemas.microsoft.com/office/powerpoint/2010/main" id="1" dur="indefinite" restart="never" nodeType="tmRoot"/>
+        <p:cTn id="1" dur="indefinite" restart="never" nodeType="tmRoot"/>
       </p:par>
     </p:tnLst>
   </p:timing>
@@ -12798,14 +12777,14 @@
           <a:noFill/>
           <a:ln/>
           <a:extLst>
-            <a:ext uri="{909E8E84-426E-40dd-AFC4-6F175D3DCCD1}">
+            <a:ext uri="{909E8E84-426E-40DD-AFC4-6F175D3DCCD1}">
               <a14:hiddenFill xmlns:a14="http://schemas.microsoft.com/office/drawing/2010/main">
                 <a:solidFill>
                   <a:srgbClr val="FFFFFF"/>
                 </a:solidFill>
               </a14:hiddenFill>
             </a:ext>
-            <a:ext uri="{91240B29-F687-4f45-9708-019B960494DF}">
+            <a:ext uri="{91240B29-F687-4F45-9708-019B960494DF}">
               <a14:hiddenLine xmlns:a14="http://schemas.microsoft.com/office/drawing/2010/main" w="9525">
                 <a:solidFill>
                   <a:srgbClr val="000000"/>
@@ -12981,7 +12960,7 @@
   <p:timing>
     <p:tnLst>
       <p:par>
-        <p:cTn xmlns:p14="http://schemas.microsoft.com/office/powerpoint/2010/main" id="1" dur="indefinite" restart="never" nodeType="tmRoot"/>
+        <p:cTn id="1" dur="indefinite" restart="never" nodeType="tmRoot"/>
       </p:par>
     </p:tnLst>
   </p:timing>
@@ -13636,14 +13615,14 @@
           <a:noFill/>
           <a:ln/>
           <a:extLst>
-            <a:ext uri="{909E8E84-426E-40dd-AFC4-6F175D3DCCD1}">
+            <a:ext uri="{909E8E84-426E-40DD-AFC4-6F175D3DCCD1}">
               <a14:hiddenFill xmlns:a14="http://schemas.microsoft.com/office/drawing/2010/main">
                 <a:solidFill>
                   <a:srgbClr val="FFFFFF"/>
                 </a:solidFill>
               </a14:hiddenFill>
             </a:ext>
-            <a:ext uri="{91240B29-F687-4f45-9708-019B960494DF}">
+            <a:ext uri="{91240B29-F687-4F45-9708-019B960494DF}">
               <a14:hiddenLine xmlns:a14="http://schemas.microsoft.com/office/drawing/2010/main" w="9525">
                 <a:solidFill>
                   <a:srgbClr val="000000"/>
@@ -13814,14 +13793,14 @@
             <a:noFill/>
           </a:ln>
           <a:extLst>
-            <a:ext uri="{909E8E84-426E-40dd-AFC4-6F175D3DCCD1}">
+            <a:ext uri="{909E8E84-426E-40DD-AFC4-6F175D3DCCD1}">
               <a14:hiddenFill xmlns:a14="http://schemas.microsoft.com/office/drawing/2010/main">
                 <a:solidFill>
                   <a:srgbClr val="FFFFFF"/>
                 </a:solidFill>
               </a14:hiddenFill>
             </a:ext>
-            <a:ext uri="{91240B29-F687-4f45-9708-019B960494DF}">
+            <a:ext uri="{91240B29-F687-4F45-9708-019B960494DF}">
               <a14:hiddenLine xmlns:a14="http://schemas.microsoft.com/office/drawing/2010/main" w="9525">
                 <a:solidFill>
                   <a:srgbClr val="000000"/>
@@ -13872,14 +13851,14 @@
             <a:noFill/>
           </a:ln>
           <a:extLst>
-            <a:ext uri="{909E8E84-426E-40dd-AFC4-6F175D3DCCD1}">
+            <a:ext uri="{909E8E84-426E-40DD-AFC4-6F175D3DCCD1}">
               <a14:hiddenFill xmlns:a14="http://schemas.microsoft.com/office/drawing/2010/main">
                 <a:solidFill>
                   <a:srgbClr val="FFFFFF"/>
                 </a:solidFill>
               </a14:hiddenFill>
             </a:ext>
-            <a:ext uri="{91240B29-F687-4f45-9708-019B960494DF}">
+            <a:ext uri="{91240B29-F687-4F45-9708-019B960494DF}">
               <a14:hiddenLine xmlns:a14="http://schemas.microsoft.com/office/drawing/2010/main" w="9525">
                 <a:solidFill>
                   <a:srgbClr val="000000"/>
@@ -13935,7 +13914,7 @@
   <p:timing>
     <p:tnLst>
       <p:par>
-        <p:cTn xmlns:p14="http://schemas.microsoft.com/office/powerpoint/2010/main" id="1" dur="indefinite" restart="never" nodeType="tmRoot"/>
+        <p:cTn id="1" dur="indefinite" restart="never" nodeType="tmRoot"/>
       </p:par>
     </p:tnLst>
   </p:timing>
@@ -14150,14 +14129,14 @@
           <a:noFill/>
           <a:ln/>
           <a:extLst>
-            <a:ext uri="{909E8E84-426E-40dd-AFC4-6F175D3DCCD1}">
+            <a:ext uri="{909E8E84-426E-40DD-AFC4-6F175D3DCCD1}">
               <a14:hiddenFill xmlns:a14="http://schemas.microsoft.com/office/drawing/2010/main">
                 <a:solidFill>
                   <a:srgbClr val="FFFFFF"/>
                 </a:solidFill>
               </a14:hiddenFill>
             </a:ext>
-            <a:ext uri="{91240B29-F687-4f45-9708-019B960494DF}">
+            <a:ext uri="{91240B29-F687-4F45-9708-019B960494DF}">
               <a14:hiddenLine xmlns:a14="http://schemas.microsoft.com/office/drawing/2010/main" w="9525">
                 <a:solidFill>
                   <a:srgbClr val="000000"/>
@@ -14289,14 +14268,14 @@
           <a:noFill/>
           <a:ln/>
           <a:extLst>
-            <a:ext uri="{909E8E84-426E-40dd-AFC4-6F175D3DCCD1}">
+            <a:ext uri="{909E8E84-426E-40DD-AFC4-6F175D3DCCD1}">
               <a14:hiddenFill xmlns:a14="http://schemas.microsoft.com/office/drawing/2010/main">
                 <a:solidFill>
                   <a:srgbClr val="FFFFFF"/>
                 </a:solidFill>
               </a14:hiddenFill>
             </a:ext>
-            <a:ext uri="{91240B29-F687-4f45-9708-019B960494DF}">
+            <a:ext uri="{91240B29-F687-4F45-9708-019B960494DF}">
               <a14:hiddenLine xmlns:a14="http://schemas.microsoft.com/office/drawing/2010/main" w="9525">
                 <a:solidFill>
                   <a:srgbClr val="000000"/>
@@ -14455,7 +14434,7 @@
   <p:timing>
     <p:tnLst>
       <p:par>
-        <p:cTn xmlns:p14="http://schemas.microsoft.com/office/powerpoint/2010/main" id="1" dur="indefinite" restart="never" nodeType="tmRoot"/>
+        <p:cTn id="1" dur="indefinite" restart="never" nodeType="tmRoot"/>
       </p:par>
     </p:tnLst>
   </p:timing>
@@ -14527,14 +14506,14 @@
           <a:noFill/>
           <a:ln/>
           <a:extLst>
-            <a:ext uri="{909E8E84-426E-40dd-AFC4-6F175D3DCCD1}">
+            <a:ext uri="{909E8E84-426E-40DD-AFC4-6F175D3DCCD1}">
               <a14:hiddenFill xmlns:a14="http://schemas.microsoft.com/office/drawing/2010/main">
                 <a:solidFill>
                   <a:srgbClr val="FFFFFF"/>
                 </a:solidFill>
               </a14:hiddenFill>
             </a:ext>
-            <a:ext uri="{91240B29-F687-4f45-9708-019B960494DF}">
+            <a:ext uri="{91240B29-F687-4F45-9708-019B960494DF}">
               <a14:hiddenLine xmlns:a14="http://schemas.microsoft.com/office/drawing/2010/main" w="9525">
                 <a:solidFill>
                   <a:srgbClr val="000000"/>
@@ -14754,7 +14733,7 @@
   <p:timing>
     <p:tnLst>
       <p:par>
-        <p:cTn xmlns:p14="http://schemas.microsoft.com/office/powerpoint/2010/main" id="1" dur="indefinite" restart="never" nodeType="tmRoot"/>
+        <p:cTn id="1" dur="indefinite" restart="never" nodeType="tmRoot"/>
       </p:par>
     </p:tnLst>
   </p:timing>
@@ -14950,14 +14929,14 @@
           <a:noFill/>
           <a:ln/>
           <a:extLst>
-            <a:ext uri="{909E8E84-426E-40dd-AFC4-6F175D3DCCD1}">
+            <a:ext uri="{909E8E84-426E-40DD-AFC4-6F175D3DCCD1}">
               <a14:hiddenFill xmlns:a14="http://schemas.microsoft.com/office/drawing/2010/main">
                 <a:solidFill>
                   <a:srgbClr val="FFFFFF"/>
                 </a:solidFill>
               </a14:hiddenFill>
             </a:ext>
-            <a:ext uri="{91240B29-F687-4f45-9708-019B960494DF}">
+            <a:ext uri="{91240B29-F687-4F45-9708-019B960494DF}">
               <a14:hiddenLine xmlns:a14="http://schemas.microsoft.com/office/drawing/2010/main" w="9525">
                 <a:solidFill>
                   <a:srgbClr val="000000"/>
@@ -15133,7 +15112,7 @@
   <p:timing>
     <p:tnLst>
       <p:par>
-        <p:cTn xmlns:p14="http://schemas.microsoft.com/office/powerpoint/2010/main" id="1" dur="indefinite" restart="never" nodeType="tmRoot"/>
+        <p:cTn id="1" dur="indefinite" restart="never" nodeType="tmRoot"/>
       </p:par>
     </p:tnLst>
   </p:timing>
@@ -15309,14 +15288,14 @@
           <a:noFill/>
           <a:ln/>
           <a:extLst>
-            <a:ext uri="{909E8E84-426E-40dd-AFC4-6F175D3DCCD1}">
+            <a:ext uri="{909E8E84-426E-40DD-AFC4-6F175D3DCCD1}">
               <a14:hiddenFill xmlns:a14="http://schemas.microsoft.com/office/drawing/2010/main">
                 <a:solidFill>
                   <a:srgbClr val="FFFFFF"/>
                 </a:solidFill>
               </a14:hiddenFill>
             </a:ext>
-            <a:ext uri="{91240B29-F687-4f45-9708-019B960494DF}">
+            <a:ext uri="{91240B29-F687-4F45-9708-019B960494DF}">
               <a14:hiddenLine xmlns:a14="http://schemas.microsoft.com/office/drawing/2010/main" w="9525">
                 <a:solidFill>
                   <a:srgbClr val="000000"/>
@@ -15492,7 +15471,7 @@
   <p:timing>
     <p:tnLst>
       <p:par>
-        <p:cTn xmlns:p14="http://schemas.microsoft.com/office/powerpoint/2010/main" id="1" dur="indefinite" restart="never" nodeType="tmRoot"/>
+        <p:cTn id="1" dur="indefinite" restart="never" nodeType="tmRoot"/>
       </p:par>
     </p:tnLst>
   </p:timing>
@@ -15620,7 +15599,7 @@
   <p:timing>
     <p:tnLst>
       <p:par>
-        <p:cTn xmlns:p14="http://schemas.microsoft.com/office/powerpoint/2010/main" id="1" dur="indefinite" restart="never" nodeType="tmRoot"/>
+        <p:cTn id="1" dur="indefinite" restart="never" nodeType="tmRoot"/>
       </p:par>
     </p:tnLst>
   </p:timing>
@@ -15812,14 +15791,14 @@
           <a:noFill/>
           <a:ln/>
           <a:extLst>
-            <a:ext uri="{909E8E84-426E-40dd-AFC4-6F175D3DCCD1}">
+            <a:ext uri="{909E8E84-426E-40DD-AFC4-6F175D3DCCD1}">
               <a14:hiddenFill xmlns:a14="http://schemas.microsoft.com/office/drawing/2010/main">
                 <a:solidFill>
                   <a:srgbClr val="FFFFFF"/>
                 </a:solidFill>
               </a14:hiddenFill>
             </a:ext>
-            <a:ext uri="{91240B29-F687-4f45-9708-019B960494DF}">
+            <a:ext uri="{91240B29-F687-4F45-9708-019B960494DF}">
               <a14:hiddenLine xmlns:a14="http://schemas.microsoft.com/office/drawing/2010/main" w="9525">
                 <a:solidFill>
                   <a:srgbClr val="000000"/>
@@ -15977,14 +15956,14 @@
             <a:noFill/>
           </a:ln>
           <a:extLst>
-            <a:ext uri="{909E8E84-426E-40dd-AFC4-6F175D3DCCD1}">
+            <a:ext uri="{909E8E84-426E-40DD-AFC4-6F175D3DCCD1}">
               <a14:hiddenFill xmlns:a14="http://schemas.microsoft.com/office/drawing/2010/main">
                 <a:solidFill>
                   <a:srgbClr val="FFFFFF"/>
                 </a:solidFill>
               </a14:hiddenFill>
             </a:ext>
-            <a:ext uri="{91240B29-F687-4f45-9708-019B960494DF}">
+            <a:ext uri="{91240B29-F687-4F45-9708-019B960494DF}">
               <a14:hiddenLine xmlns:a14="http://schemas.microsoft.com/office/drawing/2010/main" w="9525">
                 <a:solidFill>
                   <a:srgbClr val="000000"/>
@@ -16059,7 +16038,7 @@
   <p:timing>
     <p:tnLst>
       <p:par>
-        <p:cTn xmlns:p14="http://schemas.microsoft.com/office/powerpoint/2010/main" id="1" dur="indefinite" restart="never" nodeType="tmRoot"/>
+        <p:cTn id="1" dur="indefinite" restart="never" nodeType="tmRoot"/>
       </p:par>
     </p:tnLst>
   </p:timing>
@@ -16284,14 +16263,14 @@
           <a:noFill/>
           <a:ln/>
           <a:extLst>
-            <a:ext uri="{909E8E84-426E-40dd-AFC4-6F175D3DCCD1}">
+            <a:ext uri="{909E8E84-426E-40DD-AFC4-6F175D3DCCD1}">
               <a14:hiddenFill xmlns:a14="http://schemas.microsoft.com/office/drawing/2010/main">
                 <a:solidFill>
                   <a:srgbClr val="FFFFFF"/>
                 </a:solidFill>
               </a14:hiddenFill>
             </a:ext>
-            <a:ext uri="{91240B29-F687-4f45-9708-019B960494DF}">
+            <a:ext uri="{91240B29-F687-4F45-9708-019B960494DF}">
               <a14:hiddenLine xmlns:a14="http://schemas.microsoft.com/office/drawing/2010/main" w="9525">
                 <a:solidFill>
                   <a:srgbClr val="000000"/>
@@ -16467,7 +16446,7 @@
   <p:timing>
     <p:tnLst>
       <p:par>
-        <p:cTn xmlns:p14="http://schemas.microsoft.com/office/powerpoint/2010/main" id="1" dur="indefinite" restart="never" nodeType="tmRoot"/>
+        <p:cTn id="1" dur="indefinite" restart="never" nodeType="tmRoot"/>
       </p:par>
     </p:tnLst>
   </p:timing>
@@ -16582,14 +16561,14 @@
           <a:noFill/>
           <a:ln/>
           <a:extLst>
-            <a:ext uri="{909E8E84-426E-40dd-AFC4-6F175D3DCCD1}">
+            <a:ext uri="{909E8E84-426E-40DD-AFC4-6F175D3DCCD1}">
               <a14:hiddenFill xmlns:a14="http://schemas.microsoft.com/office/drawing/2010/main">
                 <a:solidFill>
                   <a:srgbClr val="FFFFFF"/>
                 </a:solidFill>
               </a14:hiddenFill>
             </a:ext>
-            <a:ext uri="{91240B29-F687-4f45-9708-019B960494DF}">
+            <a:ext uri="{91240B29-F687-4F45-9708-019B960494DF}">
               <a14:hiddenLine xmlns:a14="http://schemas.microsoft.com/office/drawing/2010/main" w="9525">
                 <a:solidFill>
                   <a:srgbClr val="000000"/>
@@ -16760,14 +16739,14 @@
             <a:noFill/>
           </a:ln>
           <a:extLst>
-            <a:ext uri="{909E8E84-426E-40dd-AFC4-6F175D3DCCD1}">
+            <a:ext uri="{909E8E84-426E-40DD-AFC4-6F175D3DCCD1}">
               <a14:hiddenFill xmlns:a14="http://schemas.microsoft.com/office/drawing/2010/main">
                 <a:solidFill>
                   <a:srgbClr val="FFFFFF"/>
                 </a:solidFill>
               </a14:hiddenFill>
             </a:ext>
-            <a:ext uri="{91240B29-F687-4f45-9708-019B960494DF}">
+            <a:ext uri="{91240B29-F687-4F45-9708-019B960494DF}">
               <a14:hiddenLine xmlns:a14="http://schemas.microsoft.com/office/drawing/2010/main" w="9525">
                 <a:solidFill>
                   <a:srgbClr val="000000"/>
@@ -16805,14 +16784,14 @@
             <a:noFill/>
           </a:ln>
           <a:extLst>
-            <a:ext uri="{909E8E84-426E-40dd-AFC4-6F175D3DCCD1}">
+            <a:ext uri="{909E8E84-426E-40DD-AFC4-6F175D3DCCD1}">
               <a14:hiddenFill xmlns:a14="http://schemas.microsoft.com/office/drawing/2010/main">
                 <a:solidFill>
                   <a:srgbClr val="FFFFFF"/>
                 </a:solidFill>
               </a14:hiddenFill>
             </a:ext>
-            <a:ext uri="{91240B29-F687-4f45-9708-019B960494DF}">
+            <a:ext uri="{91240B29-F687-4F45-9708-019B960494DF}">
               <a14:hiddenLine xmlns:a14="http://schemas.microsoft.com/office/drawing/2010/main" w="9525">
                 <a:solidFill>
                   <a:srgbClr val="000000"/>
@@ -16862,14 +16841,14 @@
             <a:noFill/>
           </a:ln>
           <a:extLst>
-            <a:ext uri="{909E8E84-426E-40dd-AFC4-6F175D3DCCD1}">
+            <a:ext uri="{909E8E84-426E-40DD-AFC4-6F175D3DCCD1}">
               <a14:hiddenFill xmlns:a14="http://schemas.microsoft.com/office/drawing/2010/main">
                 <a:solidFill>
                   <a:srgbClr val="FFFFFF"/>
                 </a:solidFill>
               </a14:hiddenFill>
             </a:ext>
-            <a:ext uri="{91240B29-F687-4f45-9708-019B960494DF}">
+            <a:ext uri="{91240B29-F687-4F45-9708-019B960494DF}">
               <a14:hiddenLine xmlns:a14="http://schemas.microsoft.com/office/drawing/2010/main" w="9525">
                 <a:solidFill>
                   <a:srgbClr val="000000"/>
@@ -16951,7 +16930,7 @@
   <p:timing>
     <p:tnLst>
       <p:par>
-        <p:cTn xmlns:p14="http://schemas.microsoft.com/office/powerpoint/2010/main" id="1" dur="indefinite" restart="never" nodeType="tmRoot"/>
+        <p:cTn id="1" dur="indefinite" restart="never" nodeType="tmRoot"/>
       </p:par>
     </p:tnLst>
   </p:timing>
@@ -17021,19 +17000,7 @@
                 <a:latin typeface="Arial" charset="0"/>
                 <a:ea typeface="MS PGothic" charset="0"/>
               </a:rPr>
-              <a:t>de la séance-</a:t>
-            </a:r>
-            <a:r>
-              <a:rPr lang="fr-CA" dirty="0" smtClean="0">
-                <a:effectLst>
-                  <a:outerShdw blurRad="38100" dist="38100" dir="2700000" algn="tl">
-                    <a:srgbClr val="DDDDDD"/>
-                  </a:outerShdw>
-                </a:effectLst>
-                <a:latin typeface="Arial" charset="0"/>
-                <a:ea typeface="MS PGothic" charset="0"/>
-              </a:rPr>
-              <a:t>12</a:t>
+              <a:t>de la séance-12</a:t>
             </a:r>
             <a:endParaRPr lang="fr-CA" dirty="0">
               <a:effectLst>
@@ -17184,14 +17151,14 @@
           <a:noFill/>
           <a:ln/>
           <a:extLst>
-            <a:ext uri="{909E8E84-426E-40dd-AFC4-6F175D3DCCD1}">
+            <a:ext uri="{909E8E84-426E-40DD-AFC4-6F175D3DCCD1}">
               <a14:hiddenFill xmlns:a14="http://schemas.microsoft.com/office/drawing/2010/main">
                 <a:solidFill>
                   <a:srgbClr val="FFFFFF"/>
                 </a:solidFill>
               </a14:hiddenFill>
             </a:ext>
-            <a:ext uri="{91240B29-F687-4f45-9708-019B960494DF}">
+            <a:ext uri="{91240B29-F687-4F45-9708-019B960494DF}">
               <a14:hiddenLine xmlns:a14="http://schemas.microsoft.com/office/drawing/2010/main" w="9525">
                 <a:solidFill>
                   <a:srgbClr val="000000"/>
@@ -17323,14 +17290,14 @@
           <a:noFill/>
           <a:ln/>
           <a:extLst>
-            <a:ext uri="{909E8E84-426E-40dd-AFC4-6F175D3DCCD1}">
+            <a:ext uri="{909E8E84-426E-40DD-AFC4-6F175D3DCCD1}">
               <a14:hiddenFill xmlns:a14="http://schemas.microsoft.com/office/drawing/2010/main">
                 <a:solidFill>
                   <a:srgbClr val="FFFFFF"/>
                 </a:solidFill>
               </a14:hiddenFill>
             </a:ext>
-            <a:ext uri="{91240B29-F687-4f45-9708-019B960494DF}">
+            <a:ext uri="{91240B29-F687-4F45-9708-019B960494DF}">
               <a14:hiddenLine xmlns:a14="http://schemas.microsoft.com/office/drawing/2010/main" w="9525">
                 <a:solidFill>
                   <a:srgbClr val="000000"/>
@@ -17489,7 +17456,7 @@
   <p:timing>
     <p:tnLst>
       <p:par>
-        <p:cTn xmlns:p14="http://schemas.microsoft.com/office/powerpoint/2010/main" id="1" dur="indefinite" restart="never" nodeType="tmRoot"/>
+        <p:cTn id="1" dur="indefinite" restart="never" nodeType="tmRoot"/>
       </p:par>
     </p:tnLst>
   </p:timing>
@@ -17551,14 +17518,14 @@
             <a:noFill/>
           </a:ln>
           <a:extLst>
-            <a:ext uri="{909E8E84-426E-40dd-AFC4-6F175D3DCCD1}">
+            <a:ext uri="{909E8E84-426E-40DD-AFC4-6F175D3DCCD1}">
               <a14:hiddenFill xmlns:a14="http://schemas.microsoft.com/office/drawing/2010/main">
                 <a:solidFill>
                   <a:srgbClr val="FFFFFF"/>
                 </a:solidFill>
               </a14:hiddenFill>
             </a:ext>
-            <a:ext uri="{91240B29-F687-4f45-9708-019B960494DF}">
+            <a:ext uri="{91240B29-F687-4F45-9708-019B960494DF}">
               <a14:hiddenLine xmlns:a14="http://schemas.microsoft.com/office/drawing/2010/main" w="9525">
                 <a:solidFill>
                   <a:srgbClr val="000000"/>
@@ -17662,14 +17629,14 @@
           <a:noFill/>
           <a:ln/>
           <a:extLst>
-            <a:ext uri="{909E8E84-426E-40dd-AFC4-6F175D3DCCD1}">
+            <a:ext uri="{909E8E84-426E-40DD-AFC4-6F175D3DCCD1}">
               <a14:hiddenFill xmlns:a14="http://schemas.microsoft.com/office/drawing/2010/main">
                 <a:solidFill>
                   <a:srgbClr val="FFFFFF"/>
                 </a:solidFill>
               </a14:hiddenFill>
             </a:ext>
-            <a:ext uri="{91240B29-F687-4f45-9708-019B960494DF}">
+            <a:ext uri="{91240B29-F687-4F45-9708-019B960494DF}">
               <a14:hiddenLine xmlns:a14="http://schemas.microsoft.com/office/drawing/2010/main" w="9525">
                 <a:solidFill>
                   <a:srgbClr val="000000"/>
@@ -17840,14 +17807,14 @@
             <a:noFill/>
           </a:ln>
           <a:extLst>
-            <a:ext uri="{909E8E84-426E-40dd-AFC4-6F175D3DCCD1}">
+            <a:ext uri="{909E8E84-426E-40DD-AFC4-6F175D3DCCD1}">
               <a14:hiddenFill xmlns:a14="http://schemas.microsoft.com/office/drawing/2010/main">
                 <a:solidFill>
                   <a:srgbClr val="FFFFFF"/>
                 </a:solidFill>
               </a14:hiddenFill>
             </a:ext>
-            <a:ext uri="{91240B29-F687-4f45-9708-019B960494DF}">
+            <a:ext uri="{91240B29-F687-4F45-9708-019B960494DF}">
               <a14:hiddenLine xmlns:a14="http://schemas.microsoft.com/office/drawing/2010/main" w="9525">
                 <a:solidFill>
                   <a:srgbClr val="000000"/>
@@ -17885,14 +17852,14 @@
             <a:noFill/>
           </a:ln>
           <a:extLst>
-            <a:ext uri="{909E8E84-426E-40dd-AFC4-6F175D3DCCD1}">
+            <a:ext uri="{909E8E84-426E-40DD-AFC4-6F175D3DCCD1}">
               <a14:hiddenFill xmlns:a14="http://schemas.microsoft.com/office/drawing/2010/main">
                 <a:solidFill>
                   <a:srgbClr val="FFFFFF"/>
                 </a:solidFill>
               </a14:hiddenFill>
             </a:ext>
-            <a:ext uri="{91240B29-F687-4f45-9708-019B960494DF}">
+            <a:ext uri="{91240B29-F687-4F45-9708-019B960494DF}">
               <a14:hiddenLine xmlns:a14="http://schemas.microsoft.com/office/drawing/2010/main" w="9525">
                 <a:solidFill>
                   <a:srgbClr val="000000"/>
@@ -18036,7 +18003,7 @@
   <p:timing>
     <p:tnLst>
       <p:par>
-        <p:cTn xmlns:p14="http://schemas.microsoft.com/office/powerpoint/2010/main" id="1" dur="indefinite" restart="never" nodeType="tmRoot"/>
+        <p:cTn id="1" dur="indefinite" restart="never" nodeType="tmRoot"/>
       </p:par>
     </p:tnLst>
   </p:timing>
@@ -18273,14 +18240,14 @@
           <a:noFill/>
           <a:ln/>
           <a:extLst>
-            <a:ext uri="{909E8E84-426E-40dd-AFC4-6F175D3DCCD1}">
+            <a:ext uri="{909E8E84-426E-40DD-AFC4-6F175D3DCCD1}">
               <a14:hiddenFill xmlns:a14="http://schemas.microsoft.com/office/drawing/2010/main">
                 <a:solidFill>
                   <a:srgbClr val="FFFFFF"/>
                 </a:solidFill>
               </a14:hiddenFill>
             </a:ext>
-            <a:ext uri="{91240B29-F687-4f45-9708-019B960494DF}">
+            <a:ext uri="{91240B29-F687-4F45-9708-019B960494DF}">
               <a14:hiddenLine xmlns:a14="http://schemas.microsoft.com/office/drawing/2010/main" w="9525">
                 <a:solidFill>
                   <a:srgbClr val="000000"/>
@@ -18456,7 +18423,7 @@
   <p:timing>
     <p:tnLst>
       <p:par>
-        <p:cTn xmlns:p14="http://schemas.microsoft.com/office/powerpoint/2010/main" id="1" dur="indefinite" restart="never" nodeType="tmRoot"/>
+        <p:cTn id="1" dur="indefinite" restart="never" nodeType="tmRoot"/>
       </p:par>
     </p:tnLst>
   </p:timing>
@@ -18669,14 +18636,14 @@
           <a:noFill/>
           <a:ln/>
           <a:extLst>
-            <a:ext uri="{909E8E84-426E-40dd-AFC4-6F175D3DCCD1}">
+            <a:ext uri="{909E8E84-426E-40DD-AFC4-6F175D3DCCD1}">
               <a14:hiddenFill xmlns:a14="http://schemas.microsoft.com/office/drawing/2010/main">
                 <a:solidFill>
                   <a:srgbClr val="FFFFFF"/>
                 </a:solidFill>
               </a14:hiddenFill>
             </a:ext>
-            <a:ext uri="{91240B29-F687-4f45-9708-019B960494DF}">
+            <a:ext uri="{91240B29-F687-4F45-9708-019B960494DF}">
               <a14:hiddenLine xmlns:a14="http://schemas.microsoft.com/office/drawing/2010/main" w="9525">
                 <a:solidFill>
                   <a:srgbClr val="000000"/>
@@ -18852,7 +18819,7 @@
   <p:timing>
     <p:tnLst>
       <p:par>
-        <p:cTn xmlns:p14="http://schemas.microsoft.com/office/powerpoint/2010/main" id="1" dur="indefinite" restart="never" nodeType="tmRoot"/>
+        <p:cTn id="1" dur="indefinite" restart="never" nodeType="tmRoot"/>
       </p:par>
     </p:tnLst>
   </p:timing>
@@ -19025,14 +18992,14 @@
           <a:noFill/>
           <a:ln/>
           <a:extLst>
-            <a:ext uri="{909E8E84-426E-40dd-AFC4-6F175D3DCCD1}">
+            <a:ext uri="{909E8E84-426E-40DD-AFC4-6F175D3DCCD1}">
               <a14:hiddenFill xmlns:a14="http://schemas.microsoft.com/office/drawing/2010/main">
                 <a:solidFill>
                   <a:srgbClr val="FFFFFF"/>
                 </a:solidFill>
               </a14:hiddenFill>
             </a:ext>
-            <a:ext uri="{91240B29-F687-4f45-9708-019B960494DF}">
+            <a:ext uri="{91240B29-F687-4F45-9708-019B960494DF}">
               <a14:hiddenLine xmlns:a14="http://schemas.microsoft.com/office/drawing/2010/main" w="9525">
                 <a:solidFill>
                   <a:srgbClr val="000000"/>
@@ -19208,7 +19175,7 @@
   <p:timing>
     <p:tnLst>
       <p:par>
-        <p:cTn xmlns:p14="http://schemas.microsoft.com/office/powerpoint/2010/main" id="1" dur="indefinite" restart="never" nodeType="tmRoot"/>
+        <p:cTn id="1" dur="indefinite" restart="never" nodeType="tmRoot"/>
       </p:par>
     </p:tnLst>
   </p:timing>
@@ -19378,14 +19345,14 @@
           <a:noFill/>
           <a:ln/>
           <a:extLst>
-            <a:ext uri="{909E8E84-426E-40dd-AFC4-6F175D3DCCD1}">
+            <a:ext uri="{909E8E84-426E-40DD-AFC4-6F175D3DCCD1}">
               <a14:hiddenFill xmlns:a14="http://schemas.microsoft.com/office/drawing/2010/main">
                 <a:solidFill>
                   <a:srgbClr val="FFFFFF"/>
                 </a:solidFill>
               </a14:hiddenFill>
             </a:ext>
-            <a:ext uri="{91240B29-F687-4f45-9708-019B960494DF}">
+            <a:ext uri="{91240B29-F687-4F45-9708-019B960494DF}">
               <a14:hiddenLine xmlns:a14="http://schemas.microsoft.com/office/drawing/2010/main" w="9525">
                 <a:solidFill>
                   <a:srgbClr val="000000"/>
@@ -19561,7 +19528,7 @@
   <p:timing>
     <p:tnLst>
       <p:par>
-        <p:cTn xmlns:p14="http://schemas.microsoft.com/office/powerpoint/2010/main" id="1" dur="indefinite" restart="never" nodeType="tmRoot"/>
+        <p:cTn id="1" dur="indefinite" restart="never" nodeType="tmRoot"/>
       </p:par>
     </p:tnLst>
   </p:timing>
@@ -19779,14 +19746,14 @@
           <a:noFill/>
           <a:ln/>
           <a:extLst>
-            <a:ext uri="{909E8E84-426E-40dd-AFC4-6F175D3DCCD1}">
+            <a:ext uri="{909E8E84-426E-40DD-AFC4-6F175D3DCCD1}">
               <a14:hiddenFill xmlns:a14="http://schemas.microsoft.com/office/drawing/2010/main">
                 <a:solidFill>
                   <a:srgbClr val="FFFFFF"/>
                 </a:solidFill>
               </a14:hiddenFill>
             </a:ext>
-            <a:ext uri="{91240B29-F687-4f45-9708-019B960494DF}">
+            <a:ext uri="{91240B29-F687-4F45-9708-019B960494DF}">
               <a14:hiddenLine xmlns:a14="http://schemas.microsoft.com/office/drawing/2010/main" w="9525">
                 <a:solidFill>
                   <a:srgbClr val="000000"/>
@@ -19962,7 +19929,7 @@
   <p:timing>
     <p:tnLst>
       <p:par>
-        <p:cTn xmlns:p14="http://schemas.microsoft.com/office/powerpoint/2010/main" id="1" dur="indefinite" restart="never" nodeType="tmRoot"/>
+        <p:cTn id="1" dur="indefinite" restart="never" nodeType="tmRoot"/>
       </p:par>
     </p:tnLst>
   </p:timing>
@@ -20149,14 +20116,14 @@
           <a:noFill/>
           <a:ln/>
           <a:extLst>
-            <a:ext uri="{909E8E84-426E-40dd-AFC4-6F175D3DCCD1}">
+            <a:ext uri="{909E8E84-426E-40DD-AFC4-6F175D3DCCD1}">
               <a14:hiddenFill xmlns:a14="http://schemas.microsoft.com/office/drawing/2010/main">
                 <a:solidFill>
                   <a:srgbClr val="FFFFFF"/>
                 </a:solidFill>
               </a14:hiddenFill>
             </a:ext>
-            <a:ext uri="{91240B29-F687-4f45-9708-019B960494DF}">
+            <a:ext uri="{91240B29-F687-4F45-9708-019B960494DF}">
               <a14:hiddenLine xmlns:a14="http://schemas.microsoft.com/office/drawing/2010/main" w="9525">
                 <a:solidFill>
                   <a:srgbClr val="000000"/>
@@ -20332,7 +20299,7 @@
   <p:timing>
     <p:tnLst>
       <p:par>
-        <p:cTn xmlns:p14="http://schemas.microsoft.com/office/powerpoint/2010/main" id="1" dur="indefinite" restart="never" nodeType="tmRoot"/>
+        <p:cTn id="1" dur="indefinite" restart="never" nodeType="tmRoot"/>
       </p:par>
     </p:tnLst>
   </p:timing>
@@ -20579,14 +20546,14 @@
           <a:noFill/>
           <a:ln/>
           <a:extLst>
-            <a:ext uri="{909E8E84-426E-40dd-AFC4-6F175D3DCCD1}">
+            <a:ext uri="{909E8E84-426E-40DD-AFC4-6F175D3DCCD1}">
               <a14:hiddenFill xmlns:a14="http://schemas.microsoft.com/office/drawing/2010/main">
                 <a:solidFill>
                   <a:srgbClr val="FFFFFF"/>
                 </a:solidFill>
               </a14:hiddenFill>
             </a:ext>
-            <a:ext uri="{91240B29-F687-4f45-9708-019B960494DF}">
+            <a:ext uri="{91240B29-F687-4F45-9708-019B960494DF}">
               <a14:hiddenLine xmlns:a14="http://schemas.microsoft.com/office/drawing/2010/main" w="9525">
                 <a:solidFill>
                   <a:srgbClr val="000000"/>
@@ -20762,7 +20729,7 @@
   <p:timing>
     <p:tnLst>
       <p:par>
-        <p:cTn xmlns:p14="http://schemas.microsoft.com/office/powerpoint/2010/main" id="1" dur="indefinite" restart="never" nodeType="tmRoot"/>
+        <p:cTn id="1" dur="indefinite" restart="never" nodeType="tmRoot"/>
       </p:par>
     </p:tnLst>
   </p:timing>
@@ -21053,14 +21020,14 @@
           <a:noFill/>
           <a:ln/>
           <a:extLst>
-            <a:ext uri="{909E8E84-426E-40dd-AFC4-6F175D3DCCD1}">
+            <a:ext uri="{909E8E84-426E-40DD-AFC4-6F175D3DCCD1}">
               <a14:hiddenFill xmlns:a14="http://schemas.microsoft.com/office/drawing/2010/main">
                 <a:solidFill>
                   <a:srgbClr val="FFFFFF"/>
                 </a:solidFill>
               </a14:hiddenFill>
             </a:ext>
-            <a:ext uri="{91240B29-F687-4f45-9708-019B960494DF}">
+            <a:ext uri="{91240B29-F687-4F45-9708-019B960494DF}">
               <a14:hiddenLine xmlns:a14="http://schemas.microsoft.com/office/drawing/2010/main" w="9525">
                 <a:solidFill>
                   <a:srgbClr val="000000"/>
@@ -21236,7 +21203,7 @@
   <p:timing>
     <p:tnLst>
       <p:par>
-        <p:cTn xmlns:p14="http://schemas.microsoft.com/office/powerpoint/2010/main" id="1" dur="indefinite" restart="never" nodeType="tmRoot"/>
+        <p:cTn id="1" dur="indefinite" restart="never" nodeType="tmRoot"/>
       </p:par>
     </p:tnLst>
   </p:timing>
@@ -21450,14 +21417,14 @@
           <a:noFill/>
           <a:ln/>
           <a:extLst>
-            <a:ext uri="{909E8E84-426E-40dd-AFC4-6F175D3DCCD1}">
+            <a:ext uri="{909E8E84-426E-40DD-AFC4-6F175D3DCCD1}">
               <a14:hiddenFill xmlns:a14="http://schemas.microsoft.com/office/drawing/2010/main">
                 <a:solidFill>
                   <a:srgbClr val="FFFFFF"/>
                 </a:solidFill>
               </a14:hiddenFill>
             </a:ext>
-            <a:ext uri="{91240B29-F687-4f45-9708-019B960494DF}">
+            <a:ext uri="{91240B29-F687-4F45-9708-019B960494DF}">
               <a14:hiddenLine xmlns:a14="http://schemas.microsoft.com/office/drawing/2010/main" w="9525">
                 <a:solidFill>
                   <a:srgbClr val="000000"/>
@@ -21633,7 +21600,7 @@
   <p:timing>
     <p:tnLst>
       <p:par>
-        <p:cTn xmlns:p14="http://schemas.microsoft.com/office/powerpoint/2010/main" id="1" dur="indefinite" restart="never" nodeType="tmRoot"/>
+        <p:cTn id="1" dur="indefinite" restart="never" nodeType="tmRoot"/>
       </p:par>
     </p:tnLst>
   </p:timing>
@@ -21691,19 +21658,7 @@
                 <a:latin typeface="Arial" charset="0"/>
                 <a:ea typeface="MS PGothic" charset="0"/>
               </a:rPr>
-              <a:t>Retour séance-</a:t>
-            </a:r>
-            <a:r>
-              <a:rPr lang="fr-CA" dirty="0" smtClean="0">
-                <a:effectLst>
-                  <a:outerShdw blurRad="38100" dist="38100" dir="2700000" algn="tl">
-                    <a:srgbClr val="DDDDDD"/>
-                  </a:outerShdw>
-                </a:effectLst>
-                <a:latin typeface="Arial" charset="0"/>
-                <a:ea typeface="MS PGothic" charset="0"/>
-              </a:rPr>
-              <a:t>11</a:t>
+              <a:t>Retour séance-11</a:t>
             </a:r>
             <a:endParaRPr lang="fr-CA" dirty="0">
               <a:effectLst>
@@ -21801,14 +21756,14 @@
           <a:noFill/>
           <a:ln/>
           <a:extLst>
-            <a:ext uri="{909E8E84-426E-40dd-AFC4-6F175D3DCCD1}">
+            <a:ext uri="{909E8E84-426E-40DD-AFC4-6F175D3DCCD1}">
               <a14:hiddenFill xmlns:a14="http://schemas.microsoft.com/office/drawing/2010/main">
                 <a:solidFill>
                   <a:srgbClr val="FFFFFF"/>
                 </a:solidFill>
               </a14:hiddenFill>
             </a:ext>
-            <a:ext uri="{91240B29-F687-4f45-9708-019B960494DF}">
+            <a:ext uri="{91240B29-F687-4F45-9708-019B960494DF}">
               <a14:hiddenLine xmlns:a14="http://schemas.microsoft.com/office/drawing/2010/main" w="9525">
                 <a:solidFill>
                   <a:srgbClr val="000000"/>
@@ -21940,14 +21895,14 @@
           <a:noFill/>
           <a:ln/>
           <a:extLst>
-            <a:ext uri="{909E8E84-426E-40dd-AFC4-6F175D3DCCD1}">
+            <a:ext uri="{909E8E84-426E-40DD-AFC4-6F175D3DCCD1}">
               <a14:hiddenFill xmlns:a14="http://schemas.microsoft.com/office/drawing/2010/main">
                 <a:solidFill>
                   <a:srgbClr val="FFFFFF"/>
                 </a:solidFill>
               </a14:hiddenFill>
             </a:ext>
-            <a:ext uri="{91240B29-F687-4f45-9708-019B960494DF}">
+            <a:ext uri="{91240B29-F687-4F45-9708-019B960494DF}">
               <a14:hiddenLine xmlns:a14="http://schemas.microsoft.com/office/drawing/2010/main" w="9525">
                 <a:solidFill>
                   <a:srgbClr val="000000"/>
@@ -22106,7 +22061,7 @@
   <p:timing>
     <p:tnLst>
       <p:par>
-        <p:cTn xmlns:p14="http://schemas.microsoft.com/office/powerpoint/2010/main" id="1" dur="indefinite" restart="never" nodeType="tmRoot"/>
+        <p:cTn id="1" dur="indefinite" restart="never" nodeType="tmRoot"/>
       </p:par>
     </p:tnLst>
   </p:timing>
@@ -22282,14 +22237,14 @@
           <a:noFill/>
           <a:ln/>
           <a:extLst>
-            <a:ext uri="{909E8E84-426E-40dd-AFC4-6F175D3DCCD1}">
+            <a:ext uri="{909E8E84-426E-40DD-AFC4-6F175D3DCCD1}">
               <a14:hiddenFill xmlns:a14="http://schemas.microsoft.com/office/drawing/2010/main">
                 <a:solidFill>
                   <a:srgbClr val="FFFFFF"/>
                 </a:solidFill>
               </a14:hiddenFill>
             </a:ext>
-            <a:ext uri="{91240B29-F687-4f45-9708-019B960494DF}">
+            <a:ext uri="{91240B29-F687-4F45-9708-019B960494DF}">
               <a14:hiddenLine xmlns:a14="http://schemas.microsoft.com/office/drawing/2010/main" w="9525">
                 <a:solidFill>
                   <a:srgbClr val="000000"/>
@@ -22460,14 +22415,14 @@
             <a:noFill/>
           </a:ln>
           <a:extLst>
-            <a:ext uri="{909E8E84-426E-40dd-AFC4-6F175D3DCCD1}">
+            <a:ext uri="{909E8E84-426E-40DD-AFC4-6F175D3DCCD1}">
               <a14:hiddenFill xmlns:a14="http://schemas.microsoft.com/office/drawing/2010/main">
                 <a:solidFill>
                   <a:srgbClr val="FFFFFF"/>
                 </a:solidFill>
               </a14:hiddenFill>
             </a:ext>
-            <a:ext uri="{91240B29-F687-4f45-9708-019B960494DF}">
+            <a:ext uri="{91240B29-F687-4F45-9708-019B960494DF}">
               <a14:hiddenLine xmlns:a14="http://schemas.microsoft.com/office/drawing/2010/main" w="9525">
                 <a:solidFill>
                   <a:srgbClr val="000000"/>
@@ -22523,7 +22478,7 @@
   <p:timing>
     <p:tnLst>
       <p:par>
-        <p:cTn xmlns:p14="http://schemas.microsoft.com/office/powerpoint/2010/main" id="1" dur="indefinite" restart="never" nodeType="tmRoot"/>
+        <p:cTn id="1" dur="indefinite" restart="never" nodeType="tmRoot"/>
       </p:par>
     </p:tnLst>
   </p:timing>
@@ -22655,7 +22610,7 @@
   <p:timing>
     <p:tnLst>
       <p:par>
-        <p:cTn xmlns:p14="http://schemas.microsoft.com/office/powerpoint/2010/main" id="1" dur="indefinite" restart="never" nodeType="tmRoot"/>
+        <p:cTn id="1" dur="indefinite" restart="never" nodeType="tmRoot"/>
       </p:par>
     </p:tnLst>
   </p:timing>
@@ -22792,7 +22747,7 @@
   <p:timing>
     <p:tnLst>
       <p:par>
-        <p:cTn xmlns:p14="http://schemas.microsoft.com/office/powerpoint/2010/main" id="1" dur="indefinite" restart="never" nodeType="tmRoot"/>
+        <p:cTn id="1" dur="indefinite" restart="never" nodeType="tmRoot"/>
       </p:par>
     </p:tnLst>
   </p:timing>
@@ -22852,14 +22807,14 @@
           <a:noFill/>
           <a:ln/>
           <a:extLst>
-            <a:ext uri="{909E8E84-426E-40dd-AFC4-6F175D3DCCD1}">
+            <a:ext uri="{909E8E84-426E-40DD-AFC4-6F175D3DCCD1}">
               <a14:hiddenFill xmlns:a14="http://schemas.microsoft.com/office/drawing/2010/main">
                 <a:solidFill>
                   <a:srgbClr val="FFFFFF"/>
                 </a:solidFill>
               </a14:hiddenFill>
             </a:ext>
-            <a:ext uri="{91240B29-F687-4f45-9708-019B960494DF}">
+            <a:ext uri="{91240B29-F687-4F45-9708-019B960494DF}">
               <a14:hiddenLine xmlns:a14="http://schemas.microsoft.com/office/drawing/2010/main" w="9525">
                 <a:solidFill>
                   <a:srgbClr val="000000"/>
@@ -23026,14 +22981,14 @@
             <a:noFill/>
           </a:ln>
           <a:extLst>
-            <a:ext uri="{909E8E84-426E-40dd-AFC4-6F175D3DCCD1}">
+            <a:ext uri="{909E8E84-426E-40DD-AFC4-6F175D3DCCD1}">
               <a14:hiddenFill xmlns:a14="http://schemas.microsoft.com/office/drawing/2010/main">
                 <a:solidFill>
                   <a:srgbClr val="FFFFFF"/>
                 </a:solidFill>
               </a14:hiddenFill>
             </a:ext>
-            <a:ext uri="{91240B29-F687-4f45-9708-019B960494DF}">
+            <a:ext uri="{91240B29-F687-4F45-9708-019B960494DF}">
               <a14:hiddenLine xmlns:a14="http://schemas.microsoft.com/office/drawing/2010/main" w="9525">
                 <a:solidFill>
                   <a:srgbClr val="000000"/>
@@ -23067,14 +23022,14 @@
             <a:noFill/>
           </a:ln>
           <a:extLst>
-            <a:ext uri="{909E8E84-426E-40dd-AFC4-6F175D3DCCD1}">
+            <a:ext uri="{909E8E84-426E-40DD-AFC4-6F175D3DCCD1}">
               <a14:hiddenFill xmlns:a14="http://schemas.microsoft.com/office/drawing/2010/main">
                 <a:solidFill>
                   <a:srgbClr val="FFFFFF"/>
                 </a:solidFill>
               </a14:hiddenFill>
             </a:ext>
-            <a:ext uri="{91240B29-F687-4f45-9708-019B960494DF}">
+            <a:ext uri="{91240B29-F687-4F45-9708-019B960494DF}">
               <a14:hiddenLine xmlns:a14="http://schemas.microsoft.com/office/drawing/2010/main" w="9525">
                 <a:solidFill>
                   <a:srgbClr val="000000"/>
@@ -23259,7 +23214,7 @@
   <p:timing>
     <p:tnLst>
       <p:par>
-        <p:cTn xmlns:p14="http://schemas.microsoft.com/office/powerpoint/2010/main" id="1" dur="indefinite" restart="never" nodeType="tmRoot"/>
+        <p:cTn id="1" dur="indefinite" restart="never" nodeType="tmRoot"/>
       </p:par>
     </p:tnLst>
   </p:timing>
@@ -23376,14 +23331,14 @@
                 <a:noFill/>
               </a:ln>
               <a:extLst>
-                <a:ext uri="{909E8E84-426E-40dd-AFC4-6F175D3DCCD1}">
+                <a:ext uri="{909E8E84-426E-40DD-AFC4-6F175D3DCCD1}">
                   <a14:hiddenFill xmlns:a14="http://schemas.microsoft.com/office/drawing/2010/main">
                     <a:solidFill>
                       <a:srgbClr val="FFFFFF"/>
                     </a:solidFill>
                   </a14:hiddenFill>
                 </a:ext>
-                <a:ext uri="{91240B29-F687-4f45-9708-019B960494DF}">
+                <a:ext uri="{91240B29-F687-4F45-9708-019B960494DF}">
                   <a14:hiddenLine xmlns:a14="http://schemas.microsoft.com/office/drawing/2010/main" w="9525">
                     <a:solidFill>
                       <a:srgbClr val="000000"/>
@@ -23500,14 +23455,14 @@
                 <a:noFill/>
               </a:ln>
               <a:extLst>
-                <a:ext uri="{909E8E84-426E-40dd-AFC4-6F175D3DCCD1}">
+                <a:ext uri="{909E8E84-426E-40DD-AFC4-6F175D3DCCD1}">
                   <a14:hiddenFill xmlns:a14="http://schemas.microsoft.com/office/drawing/2010/main">
                     <a:solidFill>
                       <a:srgbClr val="FFFFFF"/>
                     </a:solidFill>
                   </a14:hiddenFill>
                 </a:ext>
-                <a:ext uri="{91240B29-F687-4f45-9708-019B960494DF}">
+                <a:ext uri="{91240B29-F687-4F45-9708-019B960494DF}">
                   <a14:hiddenLine xmlns:a14="http://schemas.microsoft.com/office/drawing/2010/main" w="9525">
                     <a:solidFill>
                       <a:srgbClr val="000000"/>
@@ -23624,14 +23579,14 @@
                 <a:noFill/>
               </a:ln>
               <a:extLst>
-                <a:ext uri="{909E8E84-426E-40dd-AFC4-6F175D3DCCD1}">
+                <a:ext uri="{909E8E84-426E-40DD-AFC4-6F175D3DCCD1}">
                   <a14:hiddenFill xmlns:a14="http://schemas.microsoft.com/office/drawing/2010/main">
                     <a:solidFill>
                       <a:srgbClr val="FFFFFF"/>
                     </a:solidFill>
                   </a14:hiddenFill>
                 </a:ext>
-                <a:ext uri="{91240B29-F687-4f45-9708-019B960494DF}">
+                <a:ext uri="{91240B29-F687-4F45-9708-019B960494DF}">
                   <a14:hiddenLine xmlns:a14="http://schemas.microsoft.com/office/drawing/2010/main" w="9525">
                     <a:solidFill>
                       <a:srgbClr val="000000"/>
@@ -23748,14 +23703,14 @@
                 <a:noFill/>
               </a:ln>
               <a:extLst>
-                <a:ext uri="{909E8E84-426E-40dd-AFC4-6F175D3DCCD1}">
+                <a:ext uri="{909E8E84-426E-40DD-AFC4-6F175D3DCCD1}">
                   <a14:hiddenFill xmlns:a14="http://schemas.microsoft.com/office/drawing/2010/main">
                     <a:solidFill>
                       <a:srgbClr val="FFFFFF"/>
                     </a:solidFill>
                   </a14:hiddenFill>
                 </a:ext>
-                <a:ext uri="{91240B29-F687-4f45-9708-019B960494DF}">
+                <a:ext uri="{91240B29-F687-4F45-9708-019B960494DF}">
                   <a14:hiddenLine xmlns:a14="http://schemas.microsoft.com/office/drawing/2010/main" w="9525">
                     <a:solidFill>
                       <a:srgbClr val="000000"/>
@@ -23860,14 +23815,14 @@
                 <a:noFill/>
               </a:ln>
               <a:extLst>
-                <a:ext uri="{909E8E84-426E-40dd-AFC4-6F175D3DCCD1}">
+                <a:ext uri="{909E8E84-426E-40DD-AFC4-6F175D3DCCD1}">
                   <a14:hiddenFill xmlns:a14="http://schemas.microsoft.com/office/drawing/2010/main">
                     <a:solidFill>
                       <a:srgbClr val="FFFFFF"/>
                     </a:solidFill>
                   </a14:hiddenFill>
                 </a:ext>
-                <a:ext uri="{91240B29-F687-4f45-9708-019B960494DF}">
+                <a:ext uri="{91240B29-F687-4F45-9708-019B960494DF}">
                   <a14:hiddenLine xmlns:a14="http://schemas.microsoft.com/office/drawing/2010/main" w="9525">
                     <a:solidFill>
                       <a:srgbClr val="000000"/>
@@ -23984,14 +23939,14 @@
                 <a:noFill/>
               </a:ln>
               <a:extLst>
-                <a:ext uri="{909E8E84-426E-40dd-AFC4-6F175D3DCCD1}">
+                <a:ext uri="{909E8E84-426E-40DD-AFC4-6F175D3DCCD1}">
                   <a14:hiddenFill xmlns:a14="http://schemas.microsoft.com/office/drawing/2010/main">
                     <a:solidFill>
                       <a:srgbClr val="FFFFFF"/>
                     </a:solidFill>
                   </a14:hiddenFill>
                 </a:ext>
-                <a:ext uri="{91240B29-F687-4f45-9708-019B960494DF}">
+                <a:ext uri="{91240B29-F687-4F45-9708-019B960494DF}">
                   <a14:hiddenLine xmlns:a14="http://schemas.microsoft.com/office/drawing/2010/main" w="9525">
                     <a:solidFill>
                       <a:srgbClr val="000000"/>
@@ -24108,14 +24063,14 @@
                 <a:noFill/>
               </a:ln>
               <a:extLst>
-                <a:ext uri="{909E8E84-426E-40dd-AFC4-6F175D3DCCD1}">
+                <a:ext uri="{909E8E84-426E-40DD-AFC4-6F175D3DCCD1}">
                   <a14:hiddenFill xmlns:a14="http://schemas.microsoft.com/office/drawing/2010/main">
                     <a:solidFill>
                       <a:srgbClr val="FFFFFF"/>
                     </a:solidFill>
                   </a14:hiddenFill>
                 </a:ext>
-                <a:ext uri="{91240B29-F687-4f45-9708-019B960494DF}">
+                <a:ext uri="{91240B29-F687-4F45-9708-019B960494DF}">
                   <a14:hiddenLine xmlns:a14="http://schemas.microsoft.com/office/drawing/2010/main" w="9525">
                     <a:solidFill>
                       <a:srgbClr val="000000"/>
@@ -24232,14 +24187,14 @@
                 <a:noFill/>
               </a:ln>
               <a:extLst>
-                <a:ext uri="{909E8E84-426E-40dd-AFC4-6F175D3DCCD1}">
+                <a:ext uri="{909E8E84-426E-40DD-AFC4-6F175D3DCCD1}">
                   <a14:hiddenFill xmlns:a14="http://schemas.microsoft.com/office/drawing/2010/main">
                     <a:solidFill>
                       <a:srgbClr val="FFFFFF"/>
                     </a:solidFill>
                   </a14:hiddenFill>
                 </a:ext>
-                <a:ext uri="{91240B29-F687-4f45-9708-019B960494DF}">
+                <a:ext uri="{91240B29-F687-4F45-9708-019B960494DF}">
                   <a14:hiddenLine xmlns:a14="http://schemas.microsoft.com/office/drawing/2010/main" w="9525">
                     <a:solidFill>
                       <a:srgbClr val="000000"/>
@@ -24366,7 +24321,7 @@
               <a:tailEnd type="none" w="sm" len="sm"/>
             </a:ln>
             <a:extLst>
-              <a:ext uri="{909E8E84-426E-40dd-AFC4-6F175D3DCCD1}">
+              <a:ext uri="{909E8E84-426E-40DD-AFC4-6F175D3DCCD1}">
                 <a14:hiddenFill xmlns:a14="http://schemas.microsoft.com/office/drawing/2010/main">
                   <a:solidFill>
                     <a:srgbClr val="FFFFFF"/>
@@ -24466,7 +24421,7 @@
               <a:tailEnd type="none" w="sm" len="sm"/>
             </a:ln>
             <a:extLst>
-              <a:ext uri="{909E8E84-426E-40dd-AFC4-6F175D3DCCD1}">
+              <a:ext uri="{909E8E84-426E-40DD-AFC4-6F175D3DCCD1}">
                 <a14:hiddenFill xmlns:a14="http://schemas.microsoft.com/office/drawing/2010/main">
                   <a:solidFill>
                     <a:srgbClr val="FFFFFF"/>
@@ -24576,7 +24531,7 @@
               <a:tailEnd type="none" w="sm" len="sm"/>
             </a:ln>
             <a:extLst>
-              <a:ext uri="{909E8E84-426E-40dd-AFC4-6F175D3DCCD1}">
+              <a:ext uri="{909E8E84-426E-40DD-AFC4-6F175D3DCCD1}">
                 <a14:hiddenFill xmlns:a14="http://schemas.microsoft.com/office/drawing/2010/main">
                   <a:solidFill>
                     <a:srgbClr val="FFFFFF"/>
@@ -24676,7 +24631,7 @@
               <a:tailEnd type="none" w="sm" len="sm"/>
             </a:ln>
             <a:extLst>
-              <a:ext uri="{909E8E84-426E-40dd-AFC4-6F175D3DCCD1}">
+              <a:ext uri="{909E8E84-426E-40DD-AFC4-6F175D3DCCD1}">
                 <a14:hiddenFill xmlns:a14="http://schemas.microsoft.com/office/drawing/2010/main">
                   <a:solidFill>
                     <a:srgbClr val="FFFFFF"/>
@@ -24776,7 +24731,7 @@
               <a:tailEnd type="none" w="sm" len="sm"/>
             </a:ln>
             <a:extLst>
-              <a:ext uri="{909E8E84-426E-40dd-AFC4-6F175D3DCCD1}">
+              <a:ext uri="{909E8E84-426E-40DD-AFC4-6F175D3DCCD1}">
                 <a14:hiddenFill xmlns:a14="http://schemas.microsoft.com/office/drawing/2010/main">
                   <a:solidFill>
                     <a:srgbClr val="FFFFFF"/>
@@ -24876,7 +24831,7 @@
               <a:tailEnd type="none" w="sm" len="sm"/>
             </a:ln>
             <a:extLst>
-              <a:ext uri="{909E8E84-426E-40dd-AFC4-6F175D3DCCD1}">
+              <a:ext uri="{909E8E84-426E-40DD-AFC4-6F175D3DCCD1}">
                 <a14:hiddenFill xmlns:a14="http://schemas.microsoft.com/office/drawing/2010/main">
                   <a:solidFill>
                     <a:srgbClr val="FFFFFF"/>
@@ -24976,7 +24931,7 @@
               <a:tailEnd type="none" w="sm" len="sm"/>
             </a:ln>
             <a:extLst>
-              <a:ext uri="{909E8E84-426E-40dd-AFC4-6F175D3DCCD1}">
+              <a:ext uri="{909E8E84-426E-40DD-AFC4-6F175D3DCCD1}">
                 <a14:hiddenFill xmlns:a14="http://schemas.microsoft.com/office/drawing/2010/main">
                   <a:solidFill>
                     <a:srgbClr val="FFFFFF"/>
@@ -25084,14 +25039,14 @@
           <a:noFill/>
           <a:ln/>
           <a:extLst>
-            <a:ext uri="{909E8E84-426E-40dd-AFC4-6F175D3DCCD1}">
+            <a:ext uri="{909E8E84-426E-40DD-AFC4-6F175D3DCCD1}">
               <a14:hiddenFill xmlns:a14="http://schemas.microsoft.com/office/drawing/2010/main">
                 <a:solidFill>
                   <a:srgbClr val="FFFFFF"/>
                 </a:solidFill>
               </a14:hiddenFill>
             </a:ext>
-            <a:ext uri="{91240B29-F687-4f45-9708-019B960494DF}">
+            <a:ext uri="{91240B29-F687-4F45-9708-019B960494DF}">
               <a14:hiddenLine xmlns:a14="http://schemas.microsoft.com/office/drawing/2010/main" w="9525">
                 <a:solidFill>
                   <a:srgbClr val="000000"/>
@@ -25249,14 +25204,14 @@
             <a:noFill/>
           </a:ln>
           <a:extLst>
-            <a:ext uri="{909E8E84-426E-40dd-AFC4-6F175D3DCCD1}">
+            <a:ext uri="{909E8E84-426E-40DD-AFC4-6F175D3DCCD1}">
               <a14:hiddenFill xmlns:a14="http://schemas.microsoft.com/office/drawing/2010/main">
                 <a:solidFill>
                   <a:srgbClr val="FFFFFF"/>
                 </a:solidFill>
               </a14:hiddenFill>
             </a:ext>
-            <a:ext uri="{91240B29-F687-4f45-9708-019B960494DF}">
+            <a:ext uri="{91240B29-F687-4F45-9708-019B960494DF}">
               <a14:hiddenLine xmlns:a14="http://schemas.microsoft.com/office/drawing/2010/main" w="12700">
                 <a:solidFill>
                   <a:srgbClr val="000000"/>
@@ -25472,14 +25427,14 @@
             <a:noFill/>
           </a:ln>
           <a:extLst>
-            <a:ext uri="{909E8E84-426E-40dd-AFC4-6F175D3DCCD1}">
+            <a:ext uri="{909E8E84-426E-40DD-AFC4-6F175D3DCCD1}">
               <a14:hiddenFill xmlns:a14="http://schemas.microsoft.com/office/drawing/2010/main">
                 <a:solidFill>
                   <a:srgbClr val="FFFFFF"/>
                 </a:solidFill>
               </a14:hiddenFill>
             </a:ext>
-            <a:ext uri="{91240B29-F687-4f45-9708-019B960494DF}">
+            <a:ext uri="{91240B29-F687-4F45-9708-019B960494DF}">
               <a14:hiddenLine xmlns:a14="http://schemas.microsoft.com/office/drawing/2010/main" w="9525">
                 <a:solidFill>
                   <a:srgbClr val="000000"/>
@@ -25569,7 +25524,7 @@
   <p:timing>
     <p:tnLst>
       <p:par>
-        <p:cTn xmlns:p14="http://schemas.microsoft.com/office/powerpoint/2010/main" id="1" dur="indefinite" restart="never" nodeType="tmRoot"/>
+        <p:cTn id="1" dur="indefinite" restart="never" nodeType="tmRoot"/>
       </p:par>
     </p:tnLst>
   </p:timing>
@@ -25837,14 +25792,14 @@
           <a:noFill/>
           <a:ln/>
           <a:extLst>
-            <a:ext uri="{909E8E84-426E-40dd-AFC4-6F175D3DCCD1}">
+            <a:ext uri="{909E8E84-426E-40DD-AFC4-6F175D3DCCD1}">
               <a14:hiddenFill xmlns:a14="http://schemas.microsoft.com/office/drawing/2010/main">
                 <a:solidFill>
                   <a:srgbClr val="FFFFFF"/>
                 </a:solidFill>
               </a14:hiddenFill>
             </a:ext>
-            <a:ext uri="{91240B29-F687-4f45-9708-019B960494DF}">
+            <a:ext uri="{91240B29-F687-4F45-9708-019B960494DF}">
               <a14:hiddenLine xmlns:a14="http://schemas.microsoft.com/office/drawing/2010/main" w="9525">
                 <a:solidFill>
                   <a:srgbClr val="000000"/>
@@ -26020,7 +25975,7 @@
   <p:timing>
     <p:tnLst>
       <p:par>
-        <p:cTn xmlns:p14="http://schemas.microsoft.com/office/powerpoint/2010/main" id="1" dur="indefinite" restart="never" nodeType="tmRoot"/>
+        <p:cTn id="1" dur="indefinite" restart="never" nodeType="tmRoot"/>
       </p:par>
     </p:tnLst>
   </p:timing>
@@ -26237,14 +26192,14 @@
           <a:noFill/>
           <a:ln/>
           <a:extLst>
-            <a:ext uri="{909E8E84-426E-40dd-AFC4-6F175D3DCCD1}">
+            <a:ext uri="{909E8E84-426E-40DD-AFC4-6F175D3DCCD1}">
               <a14:hiddenFill xmlns:a14="http://schemas.microsoft.com/office/drawing/2010/main">
                 <a:solidFill>
                   <a:srgbClr val="FFFFFF"/>
                 </a:solidFill>
               </a14:hiddenFill>
             </a:ext>
-            <a:ext uri="{91240B29-F687-4f45-9708-019B960494DF}">
+            <a:ext uri="{91240B29-F687-4F45-9708-019B960494DF}">
               <a14:hiddenLine xmlns:a14="http://schemas.microsoft.com/office/drawing/2010/main" w="9525">
                 <a:solidFill>
                   <a:srgbClr val="000000"/>
@@ -26402,14 +26357,14 @@
             <a:noFill/>
           </a:ln>
           <a:extLst>
-            <a:ext uri="{909E8E84-426E-40dd-AFC4-6F175D3DCCD1}">
+            <a:ext uri="{909E8E84-426E-40DD-AFC4-6F175D3DCCD1}">
               <a14:hiddenFill xmlns:a14="http://schemas.microsoft.com/office/drawing/2010/main">
                 <a:solidFill>
                   <a:srgbClr val="FFFFFF"/>
                 </a:solidFill>
               </a14:hiddenFill>
             </a:ext>
-            <a:ext uri="{91240B29-F687-4f45-9708-019B960494DF}">
+            <a:ext uri="{91240B29-F687-4F45-9708-019B960494DF}">
               <a14:hiddenLine xmlns:a14="http://schemas.microsoft.com/office/drawing/2010/main" w="9525">
                 <a:solidFill>
                   <a:srgbClr val="000000"/>
@@ -26486,7 +26441,7 @@
   <p:timing>
     <p:tnLst>
       <p:par>
-        <p:cTn xmlns:p14="http://schemas.microsoft.com/office/powerpoint/2010/main" id="1" dur="indefinite" restart="never" nodeType="tmRoot"/>
+        <p:cTn id="1" dur="indefinite" restart="never" nodeType="tmRoot"/>
       </p:par>
     </p:tnLst>
   </p:timing>
@@ -26701,14 +26656,14 @@
           <a:noFill/>
           <a:ln/>
           <a:extLst>
-            <a:ext uri="{909E8E84-426E-40dd-AFC4-6F175D3DCCD1}">
+            <a:ext uri="{909E8E84-426E-40DD-AFC4-6F175D3DCCD1}">
               <a14:hiddenFill xmlns:a14="http://schemas.microsoft.com/office/drawing/2010/main">
                 <a:solidFill>
                   <a:srgbClr val="FFFFFF"/>
                 </a:solidFill>
               </a14:hiddenFill>
             </a:ext>
-            <a:ext uri="{91240B29-F687-4f45-9708-019B960494DF}">
+            <a:ext uri="{91240B29-F687-4F45-9708-019B960494DF}">
               <a14:hiddenLine xmlns:a14="http://schemas.microsoft.com/office/drawing/2010/main" w="9525">
                 <a:solidFill>
                   <a:srgbClr val="000000"/>
@@ -26840,14 +26795,14 @@
           <a:noFill/>
           <a:ln/>
           <a:extLst>
-            <a:ext uri="{909E8E84-426E-40dd-AFC4-6F175D3DCCD1}">
+            <a:ext uri="{909E8E84-426E-40DD-AFC4-6F175D3DCCD1}">
               <a14:hiddenFill xmlns:a14="http://schemas.microsoft.com/office/drawing/2010/main">
                 <a:solidFill>
                   <a:srgbClr val="FFFFFF"/>
                 </a:solidFill>
               </a14:hiddenFill>
             </a:ext>
-            <a:ext uri="{91240B29-F687-4f45-9708-019B960494DF}">
+            <a:ext uri="{91240B29-F687-4F45-9708-019B960494DF}">
               <a14:hiddenLine xmlns:a14="http://schemas.microsoft.com/office/drawing/2010/main" w="9525">
                 <a:solidFill>
                   <a:srgbClr val="000000"/>
@@ -27006,7 +26961,7 @@
   <p:timing>
     <p:tnLst>
       <p:par>
-        <p:cTn xmlns:p14="http://schemas.microsoft.com/office/powerpoint/2010/main" id="1" dur="indefinite" restart="never" nodeType="tmRoot"/>
+        <p:cTn id="1" dur="indefinite" restart="never" nodeType="tmRoot"/>
       </p:par>
     </p:tnLst>
   </p:timing>
@@ -27130,14 +27085,14 @@
           <a:noFill/>
           <a:ln/>
           <a:extLst>
-            <a:ext uri="{909E8E84-426E-40dd-AFC4-6F175D3DCCD1}">
+            <a:ext uri="{909E8E84-426E-40DD-AFC4-6F175D3DCCD1}">
               <a14:hiddenFill xmlns:a14="http://schemas.microsoft.com/office/drawing/2010/main">
                 <a:solidFill>
                   <a:srgbClr val="FFFFFF"/>
                 </a:solidFill>
               </a14:hiddenFill>
             </a:ext>
-            <a:ext uri="{91240B29-F687-4f45-9708-019B960494DF}">
+            <a:ext uri="{91240B29-F687-4F45-9708-019B960494DF}">
               <a14:hiddenLine xmlns:a14="http://schemas.microsoft.com/office/drawing/2010/main" w="9525">
                 <a:solidFill>
                   <a:srgbClr val="000000"/>
@@ -27308,14 +27263,14 @@
             <a:noFill/>
           </a:ln>
           <a:extLst>
-            <a:ext uri="{909E8E84-426E-40dd-AFC4-6F175D3DCCD1}">
+            <a:ext uri="{909E8E84-426E-40DD-AFC4-6F175D3DCCD1}">
               <a14:hiddenFill xmlns:a14="http://schemas.microsoft.com/office/drawing/2010/main">
                 <a:solidFill>
                   <a:srgbClr val="FFFFFF"/>
                 </a:solidFill>
               </a14:hiddenFill>
             </a:ext>
-            <a:ext uri="{91240B29-F687-4f45-9708-019B960494DF}">
+            <a:ext uri="{91240B29-F687-4F45-9708-019B960494DF}">
               <a14:hiddenLine xmlns:a14="http://schemas.microsoft.com/office/drawing/2010/main" w="9525">
                 <a:solidFill>
                   <a:srgbClr val="000000"/>
@@ -27366,14 +27321,14 @@
             <a:noFill/>
           </a:ln>
           <a:extLst>
-            <a:ext uri="{909E8E84-426E-40dd-AFC4-6F175D3DCCD1}">
+            <a:ext uri="{909E8E84-426E-40DD-AFC4-6F175D3DCCD1}">
               <a14:hiddenFill xmlns:a14="http://schemas.microsoft.com/office/drawing/2010/main">
                 <a:solidFill>
                   <a:srgbClr val="FFFFFF"/>
                 </a:solidFill>
               </a14:hiddenFill>
             </a:ext>
-            <a:ext uri="{91240B29-F687-4f45-9708-019B960494DF}">
+            <a:ext uri="{91240B29-F687-4F45-9708-019B960494DF}">
               <a14:hiddenLine xmlns:a14="http://schemas.microsoft.com/office/drawing/2010/main" w="9525">
                 <a:solidFill>
                   <a:srgbClr val="000000"/>
@@ -27424,14 +27379,14 @@
             <a:noFill/>
           </a:ln>
           <a:extLst>
-            <a:ext uri="{909E8E84-426E-40dd-AFC4-6F175D3DCCD1}">
+            <a:ext uri="{909E8E84-426E-40DD-AFC4-6F175D3DCCD1}">
               <a14:hiddenFill xmlns:a14="http://schemas.microsoft.com/office/drawing/2010/main">
                 <a:solidFill>
                   <a:srgbClr val="FFFFFF"/>
                 </a:solidFill>
               </a14:hiddenFill>
             </a:ext>
-            <a:ext uri="{91240B29-F687-4f45-9708-019B960494DF}">
+            <a:ext uri="{91240B29-F687-4F45-9708-019B960494DF}">
               <a14:hiddenLine xmlns:a14="http://schemas.microsoft.com/office/drawing/2010/main" w="9525">
                 <a:solidFill>
                   <a:srgbClr val="000000"/>
@@ -27482,14 +27437,14 @@
             <a:noFill/>
           </a:ln>
           <a:extLst>
-            <a:ext uri="{909E8E84-426E-40dd-AFC4-6F175D3DCCD1}">
+            <a:ext uri="{909E8E84-426E-40DD-AFC4-6F175D3DCCD1}">
               <a14:hiddenFill xmlns:a14="http://schemas.microsoft.com/office/drawing/2010/main">
                 <a:solidFill>
                   <a:srgbClr val="FFFFFF"/>
                 </a:solidFill>
               </a14:hiddenFill>
             </a:ext>
-            <a:ext uri="{91240B29-F687-4f45-9708-019B960494DF}">
+            <a:ext uri="{91240B29-F687-4F45-9708-019B960494DF}">
               <a14:hiddenLine xmlns:a14="http://schemas.microsoft.com/office/drawing/2010/main" w="9525">
                 <a:solidFill>
                   <a:srgbClr val="000000"/>
@@ -27540,14 +27495,14 @@
             <a:noFill/>
           </a:ln>
           <a:extLst>
-            <a:ext uri="{909E8E84-426E-40dd-AFC4-6F175D3DCCD1}">
+            <a:ext uri="{909E8E84-426E-40DD-AFC4-6F175D3DCCD1}">
               <a14:hiddenFill xmlns:a14="http://schemas.microsoft.com/office/drawing/2010/main">
                 <a:solidFill>
                   <a:srgbClr val="FFFFFF"/>
                 </a:solidFill>
               </a14:hiddenFill>
             </a:ext>
-            <a:ext uri="{91240B29-F687-4f45-9708-019B960494DF}">
+            <a:ext uri="{91240B29-F687-4F45-9708-019B960494DF}">
               <a14:hiddenLine xmlns:a14="http://schemas.microsoft.com/office/drawing/2010/main" w="9525">
                 <a:solidFill>
                   <a:srgbClr val="000000"/>
@@ -27590,14 +27545,14 @@
             </a:outerShdw>
           </a:effectLst>
           <a:extLst>
-            <a:ext uri="{909E8E84-426E-40dd-AFC4-6F175D3DCCD1}">
+            <a:ext uri="{909E8E84-426E-40DD-AFC4-6F175D3DCCD1}">
               <a14:hiddenFill xmlns:a14="http://schemas.microsoft.com/office/drawing/2010/main">
                 <a:solidFill>
                   <a:srgbClr val="FFFFFF"/>
                 </a:solidFill>
               </a14:hiddenFill>
             </a:ext>
-            <a:ext uri="{91240B29-F687-4f45-9708-019B960494DF}">
+            <a:ext uri="{91240B29-F687-4F45-9708-019B960494DF}">
               <a14:hiddenLine xmlns:a14="http://schemas.microsoft.com/office/drawing/2010/main" w="9525">
                 <a:solidFill>
                   <a:srgbClr val="000000"/>
@@ -27850,14 +27805,14 @@
             <a:noFill/>
           </a:ln>
           <a:extLst>
-            <a:ext uri="{909E8E84-426E-40dd-AFC4-6F175D3DCCD1}">
+            <a:ext uri="{909E8E84-426E-40DD-AFC4-6F175D3DCCD1}">
               <a14:hiddenFill xmlns:a14="http://schemas.microsoft.com/office/drawing/2010/main">
                 <a:solidFill>
                   <a:srgbClr val="FFFFFF"/>
                 </a:solidFill>
               </a14:hiddenFill>
             </a:ext>
-            <a:ext uri="{91240B29-F687-4f45-9708-019B960494DF}">
+            <a:ext uri="{91240B29-F687-4F45-9708-019B960494DF}">
               <a14:hiddenLine xmlns:a14="http://schemas.microsoft.com/office/drawing/2010/main" w="9525">
                 <a:solidFill>
                   <a:srgbClr val="000000"/>
@@ -27937,7 +27892,7 @@
   <p:timing>
     <p:tnLst>
       <p:par>
-        <p:cTn xmlns:p14="http://schemas.microsoft.com/office/powerpoint/2010/main" id="1" dur="indefinite" restart="never" nodeType="tmRoot"/>
+        <p:cTn id="1" dur="indefinite" restart="never" nodeType="tmRoot"/>
       </p:par>
     </p:tnLst>
   </p:timing>
@@ -27981,7 +27936,7 @@
           <a:graphicData uri="http://schemas.openxmlformats.org/presentationml/2006/ole">
             <mc:AlternateContent xmlns:mc="http://schemas.openxmlformats.org/markup-compatibility/2006">
               <mc:Choice xmlns:v="urn:schemas-microsoft-com:vml" Requires="v">
-                <p:oleObj spid="_x0000_s65588" name="Clip" r:id="rId10" imgW="2988816" imgH="3662039" progId="">
+                <p:oleObj spid="_x0000_s65589" name="Clip" r:id="rId10" imgW="2988816" imgH="3662039" progId="">
                   <p:embed/>
                 </p:oleObj>
               </mc:Choice>
@@ -28023,14 +27978,14 @@
                       </a:ln>
                       <a:effectLst/>
                       <a:extLst>
-                        <a:ext uri="{909E8E84-426E-40dd-AFC4-6F175D3DCCD1}">
+                        <a:ext uri="{909E8E84-426E-40DD-AFC4-6F175D3DCCD1}">
                           <a14:hiddenFill xmlns:a14="http://schemas.microsoft.com/office/drawing/2010/main">
                             <a:solidFill>
                               <a:schemeClr val="accent1"/>
                             </a:solidFill>
                           </a14:hiddenFill>
                         </a:ext>
-                        <a:ext uri="{91240B29-F687-4f45-9708-019B960494DF}">
+                        <a:ext uri="{91240B29-F687-4F45-9708-019B960494DF}">
                           <a14:hiddenLine xmlns:a14="http://schemas.microsoft.com/office/drawing/2010/main" w="9525">
                             <a:solidFill>
                               <a:schemeClr val="tx1"/>
@@ -28040,7 +27995,7 @@
                             <a:tailEnd/>
                           </a14:hiddenLine>
                         </a:ext>
-                        <a:ext uri="{AF507438-7753-43e0-B8FC-AC1667EBCBE1}">
+                        <a:ext uri="{AF507438-7753-43E0-B8FC-AC1667EBCBE1}">
                           <a14:hiddenEffects xmlns:a14="http://schemas.microsoft.com/office/drawing/2010/main">
                             <a:effectLst>
                               <a:outerShdw blurRad="63500" dist="38099" dir="2700000" algn="ctr" rotWithShape="0">
@@ -28208,14 +28163,14 @@
           <a:noFill/>
           <a:ln/>
           <a:extLst>
-            <a:ext uri="{909E8E84-426E-40dd-AFC4-6F175D3DCCD1}">
+            <a:ext uri="{909E8E84-426E-40DD-AFC4-6F175D3DCCD1}">
               <a14:hiddenFill xmlns:a14="http://schemas.microsoft.com/office/drawing/2010/main">
                 <a:solidFill>
                   <a:srgbClr val="FFFFFF"/>
                 </a:solidFill>
               </a14:hiddenFill>
             </a:ext>
-            <a:ext uri="{91240B29-F687-4f45-9708-019B960494DF}">
+            <a:ext uri="{91240B29-F687-4F45-9708-019B960494DF}">
               <a14:hiddenLine xmlns:a14="http://schemas.microsoft.com/office/drawing/2010/main" w="9525">
                 <a:solidFill>
                   <a:srgbClr val="000000"/>
@@ -28373,14 +28328,14 @@
             <a:noFill/>
           </a:ln>
           <a:extLst>
-            <a:ext uri="{909E8E84-426E-40dd-AFC4-6F175D3DCCD1}">
+            <a:ext uri="{909E8E84-426E-40DD-AFC4-6F175D3DCCD1}">
               <a14:hiddenFill xmlns:a14="http://schemas.microsoft.com/office/drawing/2010/main">
                 <a:solidFill>
                   <a:srgbClr val="FFFFFF"/>
                 </a:solidFill>
               </a14:hiddenFill>
             </a:ext>
-            <a:ext uri="{91240B29-F687-4f45-9708-019B960494DF}">
+            <a:ext uri="{91240B29-F687-4F45-9708-019B960494DF}">
               <a14:hiddenLine xmlns:a14="http://schemas.microsoft.com/office/drawing/2010/main" w="9525">
                 <a:solidFill>
                   <a:srgbClr val="000000"/>
@@ -28462,7 +28417,7 @@
   <p:timing>
     <p:tnLst>
       <p:par>
-        <p:cTn xmlns:p14="http://schemas.microsoft.com/office/powerpoint/2010/main" id="1" dur="indefinite" restart="never" nodeType="tmRoot"/>
+        <p:cTn id="1" dur="indefinite" restart="never" nodeType="tmRoot"/>
       </p:par>
     </p:tnLst>
   </p:timing>
@@ -28573,13 +28528,7 @@
               <a:rPr lang="fr-CA" b="1" dirty="0" smtClean="0">
                 <a:latin typeface="Arial" charset="0"/>
               </a:rPr>
-              <a:t>Maintenance </a:t>
-            </a:r>
-            <a:r>
-              <a:rPr lang="fr-CA" b="1" dirty="0" smtClean="0">
-                <a:latin typeface="Arial" charset="0"/>
-              </a:rPr>
-              <a:t>des SI</a:t>
+              <a:t>Maintenance des SI</a:t>
             </a:r>
           </a:p>
           <a:p>
@@ -28681,14 +28630,14 @@
           <a:noFill/>
           <a:ln/>
           <a:extLst>
-            <a:ext uri="{909E8E84-426E-40dd-AFC4-6F175D3DCCD1}">
+            <a:ext uri="{909E8E84-426E-40DD-AFC4-6F175D3DCCD1}">
               <a14:hiddenFill xmlns:a14="http://schemas.microsoft.com/office/drawing/2010/main">
                 <a:solidFill>
                   <a:srgbClr val="FFFFFF"/>
                 </a:solidFill>
               </a14:hiddenFill>
             </a:ext>
-            <a:ext uri="{91240B29-F687-4f45-9708-019B960494DF}">
+            <a:ext uri="{91240B29-F687-4F45-9708-019B960494DF}">
               <a14:hiddenLine xmlns:a14="http://schemas.microsoft.com/office/drawing/2010/main" w="9525">
                 <a:solidFill>
                   <a:srgbClr val="000000"/>
@@ -28820,14 +28769,14 @@
           <a:noFill/>
           <a:ln/>
           <a:extLst>
-            <a:ext uri="{909E8E84-426E-40dd-AFC4-6F175D3DCCD1}">
+            <a:ext uri="{909E8E84-426E-40DD-AFC4-6F175D3DCCD1}">
               <a14:hiddenFill xmlns:a14="http://schemas.microsoft.com/office/drawing/2010/main">
                 <a:solidFill>
                   <a:srgbClr val="FFFFFF"/>
                 </a:solidFill>
               </a14:hiddenFill>
             </a:ext>
-            <a:ext uri="{91240B29-F687-4f45-9708-019B960494DF}">
+            <a:ext uri="{91240B29-F687-4F45-9708-019B960494DF}">
               <a14:hiddenLine xmlns:a14="http://schemas.microsoft.com/office/drawing/2010/main" w="9525">
                 <a:solidFill>
                   <a:srgbClr val="000000"/>
@@ -28986,7 +28935,7 @@
   <p:timing>
     <p:tnLst>
       <p:par>
-        <p:cTn xmlns:p14="http://schemas.microsoft.com/office/powerpoint/2010/main" id="1" dur="indefinite" restart="never" nodeType="tmRoot"/>
+        <p:cTn id="1" dur="indefinite" restart="never" nodeType="tmRoot"/>
       </p:par>
     </p:tnLst>
   </p:timing>
@@ -29195,14 +29144,14 @@
           <a:noFill/>
           <a:ln/>
           <a:extLst>
-            <a:ext uri="{909E8E84-426E-40dd-AFC4-6F175D3DCCD1}">
+            <a:ext uri="{909E8E84-426E-40DD-AFC4-6F175D3DCCD1}">
               <a14:hiddenFill xmlns:a14="http://schemas.microsoft.com/office/drawing/2010/main">
                 <a:solidFill>
                   <a:srgbClr val="FFFFFF"/>
                 </a:solidFill>
               </a14:hiddenFill>
             </a:ext>
-            <a:ext uri="{91240B29-F687-4f45-9708-019B960494DF}">
+            <a:ext uri="{91240B29-F687-4F45-9708-019B960494DF}">
               <a14:hiddenLine xmlns:a14="http://schemas.microsoft.com/office/drawing/2010/main" w="9525">
                 <a:solidFill>
                   <a:srgbClr val="000000"/>
@@ -29360,14 +29309,14 @@
             <a:noFill/>
           </a:ln>
           <a:extLst>
-            <a:ext uri="{909E8E84-426E-40dd-AFC4-6F175D3DCCD1}">
+            <a:ext uri="{909E8E84-426E-40DD-AFC4-6F175D3DCCD1}">
               <a14:hiddenFill xmlns:a14="http://schemas.microsoft.com/office/drawing/2010/main">
                 <a:solidFill>
                   <a:srgbClr val="FFFFFF"/>
                 </a:solidFill>
               </a14:hiddenFill>
             </a:ext>
-            <a:ext uri="{91240B29-F687-4f45-9708-019B960494DF}">
+            <a:ext uri="{91240B29-F687-4F45-9708-019B960494DF}">
               <a14:hiddenLine xmlns:a14="http://schemas.microsoft.com/office/drawing/2010/main" w="9525">
                 <a:solidFill>
                   <a:srgbClr val="000000"/>
@@ -29444,7 +29393,7 @@
   <p:timing>
     <p:tnLst>
       <p:par>
-        <p:cTn xmlns:p14="http://schemas.microsoft.com/office/powerpoint/2010/main" id="1" dur="indefinite" restart="never" nodeType="tmRoot"/>
+        <p:cTn id="1" dur="indefinite" restart="never" nodeType="tmRoot"/>
       </p:par>
     </p:tnLst>
   </p:timing>
@@ -29671,14 +29620,14 @@
           <a:noFill/>
           <a:ln/>
           <a:extLst>
-            <a:ext uri="{909E8E84-426E-40dd-AFC4-6F175D3DCCD1}">
+            <a:ext uri="{909E8E84-426E-40DD-AFC4-6F175D3DCCD1}">
               <a14:hiddenFill xmlns:a14="http://schemas.microsoft.com/office/drawing/2010/main">
                 <a:solidFill>
                   <a:srgbClr val="FFFFFF"/>
                 </a:solidFill>
               </a14:hiddenFill>
             </a:ext>
-            <a:ext uri="{91240B29-F687-4f45-9708-019B960494DF}">
+            <a:ext uri="{91240B29-F687-4F45-9708-019B960494DF}">
               <a14:hiddenLine xmlns:a14="http://schemas.microsoft.com/office/drawing/2010/main" w="9525">
                 <a:solidFill>
                   <a:srgbClr val="000000"/>
@@ -29854,7 +29803,7 @@
   <p:timing>
     <p:tnLst>
       <p:par>
-        <p:cTn xmlns:p14="http://schemas.microsoft.com/office/powerpoint/2010/main" id="1" dur="indefinite" restart="never" nodeType="tmRoot"/>
+        <p:cTn id="1" dur="indefinite" restart="never" nodeType="tmRoot"/>
       </p:par>
     </p:tnLst>
   </p:timing>
@@ -30068,14 +30017,14 @@
           <a:noFill/>
           <a:ln/>
           <a:extLst>
-            <a:ext uri="{909E8E84-426E-40dd-AFC4-6F175D3DCCD1}">
+            <a:ext uri="{909E8E84-426E-40DD-AFC4-6F175D3DCCD1}">
               <a14:hiddenFill xmlns:a14="http://schemas.microsoft.com/office/drawing/2010/main">
                 <a:solidFill>
                   <a:srgbClr val="FFFFFF"/>
                 </a:solidFill>
               </a14:hiddenFill>
             </a:ext>
-            <a:ext uri="{91240B29-F687-4f45-9708-019B960494DF}">
+            <a:ext uri="{91240B29-F687-4F45-9708-019B960494DF}">
               <a14:hiddenLine xmlns:a14="http://schemas.microsoft.com/office/drawing/2010/main" w="9525">
                 <a:solidFill>
                   <a:srgbClr val="000000"/>
@@ -30251,7 +30200,7 @@
   <p:timing>
     <p:tnLst>
       <p:par>
-        <p:cTn xmlns:p14="http://schemas.microsoft.com/office/powerpoint/2010/main" id="1" dur="indefinite" restart="never" nodeType="tmRoot"/>
+        <p:cTn id="1" dur="indefinite" restart="never" nodeType="tmRoot"/>
       </p:par>
     </p:tnLst>
   </p:timing>
@@ -30457,14 +30406,14 @@
           <a:noFill/>
           <a:ln/>
           <a:extLst>
-            <a:ext uri="{909E8E84-426E-40dd-AFC4-6F175D3DCCD1}">
+            <a:ext uri="{909E8E84-426E-40DD-AFC4-6F175D3DCCD1}">
               <a14:hiddenFill xmlns:a14="http://schemas.microsoft.com/office/drawing/2010/main">
                 <a:solidFill>
                   <a:srgbClr val="FFFFFF"/>
                 </a:solidFill>
               </a14:hiddenFill>
             </a:ext>
-            <a:ext uri="{91240B29-F687-4f45-9708-019B960494DF}">
+            <a:ext uri="{91240B29-F687-4F45-9708-019B960494DF}">
               <a14:hiddenLine xmlns:a14="http://schemas.microsoft.com/office/drawing/2010/main" w="9525">
                 <a:solidFill>
                   <a:srgbClr val="000000"/>
@@ -30622,14 +30571,14 @@
             <a:noFill/>
           </a:ln>
           <a:extLst>
-            <a:ext uri="{909E8E84-426E-40dd-AFC4-6F175D3DCCD1}">
+            <a:ext uri="{909E8E84-426E-40DD-AFC4-6F175D3DCCD1}">
               <a14:hiddenFill xmlns:a14="http://schemas.microsoft.com/office/drawing/2010/main">
                 <a:solidFill>
                   <a:srgbClr val="FFFFFF"/>
                 </a:solidFill>
               </a14:hiddenFill>
             </a:ext>
-            <a:ext uri="{91240B29-F687-4f45-9708-019B960494DF}">
+            <a:ext uri="{91240B29-F687-4F45-9708-019B960494DF}">
               <a14:hiddenLine xmlns:a14="http://schemas.microsoft.com/office/drawing/2010/main" w="9525">
                 <a:solidFill>
                   <a:srgbClr val="000000"/>
@@ -30706,7 +30655,7 @@
   <p:timing>
     <p:tnLst>
       <p:par>
-        <p:cTn xmlns:p14="http://schemas.microsoft.com/office/powerpoint/2010/main" id="1" dur="indefinite" restart="never" nodeType="tmRoot"/>
+        <p:cTn id="1" dur="indefinite" restart="never" nodeType="tmRoot"/>
       </p:par>
     </p:tnLst>
   </p:timing>
@@ -30878,14 +30827,14 @@
           <a:noFill/>
           <a:ln/>
           <a:extLst>
-            <a:ext uri="{909E8E84-426E-40dd-AFC4-6F175D3DCCD1}">
+            <a:ext uri="{909E8E84-426E-40DD-AFC4-6F175D3DCCD1}">
               <a14:hiddenFill xmlns:a14="http://schemas.microsoft.com/office/drawing/2010/main">
                 <a:solidFill>
                   <a:srgbClr val="FFFFFF"/>
                 </a:solidFill>
               </a14:hiddenFill>
             </a:ext>
-            <a:ext uri="{91240B29-F687-4f45-9708-019B960494DF}">
+            <a:ext uri="{91240B29-F687-4F45-9708-019B960494DF}">
               <a14:hiddenLine xmlns:a14="http://schemas.microsoft.com/office/drawing/2010/main" w="9525">
                 <a:solidFill>
                   <a:srgbClr val="000000"/>
@@ -31061,7 +31010,7 @@
   <p:timing>
     <p:tnLst>
       <p:par>
-        <p:cTn xmlns:p14="http://schemas.microsoft.com/office/powerpoint/2010/main" id="1" dur="indefinite" restart="never" nodeType="tmRoot"/>
+        <p:cTn id="1" dur="indefinite" restart="never" nodeType="tmRoot"/>
       </p:par>
     </p:tnLst>
   </p:timing>
@@ -31372,14 +31321,14 @@
           <a:noFill/>
           <a:ln/>
           <a:extLst>
-            <a:ext uri="{909E8E84-426E-40dd-AFC4-6F175D3DCCD1}">
+            <a:ext uri="{909E8E84-426E-40DD-AFC4-6F175D3DCCD1}">
               <a14:hiddenFill xmlns:a14="http://schemas.microsoft.com/office/drawing/2010/main">
                 <a:solidFill>
                   <a:srgbClr val="FFFFFF"/>
                 </a:solidFill>
               </a14:hiddenFill>
             </a:ext>
-            <a:ext uri="{91240B29-F687-4f45-9708-019B960494DF}">
+            <a:ext uri="{91240B29-F687-4F45-9708-019B960494DF}">
               <a14:hiddenLine xmlns:a14="http://schemas.microsoft.com/office/drawing/2010/main" w="9525">
                 <a:solidFill>
                   <a:srgbClr val="000000"/>
@@ -31543,14 +31492,14 @@
             <a:noFill/>
           </a:ln>
           <a:extLst>
-            <a:ext uri="{909E8E84-426E-40dd-AFC4-6F175D3DCCD1}">
+            <a:ext uri="{909E8E84-426E-40DD-AFC4-6F175D3DCCD1}">
               <a14:hiddenFill xmlns:a14="http://schemas.microsoft.com/office/drawing/2010/main">
                 <a:solidFill>
                   <a:srgbClr val="FFFFFF"/>
                 </a:solidFill>
               </a14:hiddenFill>
             </a:ext>
-            <a:ext uri="{91240B29-F687-4f45-9708-019B960494DF}">
+            <a:ext uri="{91240B29-F687-4F45-9708-019B960494DF}">
               <a14:hiddenLine xmlns:a14="http://schemas.microsoft.com/office/drawing/2010/main" w="9525">
                 <a:solidFill>
                   <a:srgbClr val="000000"/>
@@ -31605,14 +31554,14 @@
             <a:noFill/>
           </a:ln>
           <a:extLst>
-            <a:ext uri="{909E8E84-426E-40dd-AFC4-6F175D3DCCD1}">
+            <a:ext uri="{909E8E84-426E-40DD-AFC4-6F175D3DCCD1}">
               <a14:hiddenFill xmlns:a14="http://schemas.microsoft.com/office/drawing/2010/main">
                 <a:solidFill>
                   <a:srgbClr val="FFFFFF"/>
                 </a:solidFill>
               </a14:hiddenFill>
             </a:ext>
-            <a:ext uri="{91240B29-F687-4f45-9708-019B960494DF}">
+            <a:ext uri="{91240B29-F687-4F45-9708-019B960494DF}">
               <a14:hiddenLine xmlns:a14="http://schemas.microsoft.com/office/drawing/2010/main" w="9525">
                 <a:solidFill>
                   <a:srgbClr val="000000"/>
@@ -31784,7 +31733,7 @@
   <p:timing>
     <p:tnLst>
       <p:par>
-        <p:cTn xmlns:p14="http://schemas.microsoft.com/office/powerpoint/2010/main" id="1" dur="indefinite" restart="never" nodeType="tmRoot"/>
+        <p:cTn id="1" dur="indefinite" restart="never" nodeType="tmRoot"/>
       </p:par>
     </p:tnLst>
   </p:timing>
@@ -32014,14 +31963,14 @@
           <a:noFill/>
           <a:ln/>
           <a:extLst>
-            <a:ext uri="{909E8E84-426E-40dd-AFC4-6F175D3DCCD1}">
+            <a:ext uri="{909E8E84-426E-40DD-AFC4-6F175D3DCCD1}">
               <a14:hiddenFill xmlns:a14="http://schemas.microsoft.com/office/drawing/2010/main">
                 <a:solidFill>
                   <a:srgbClr val="FFFFFF"/>
                 </a:solidFill>
               </a14:hiddenFill>
             </a:ext>
-            <a:ext uri="{91240B29-F687-4f45-9708-019B960494DF}">
+            <a:ext uri="{91240B29-F687-4F45-9708-019B960494DF}">
               <a14:hiddenLine xmlns:a14="http://schemas.microsoft.com/office/drawing/2010/main" w="9525">
                 <a:solidFill>
                   <a:srgbClr val="000000"/>
@@ -32185,14 +32134,14 @@
             <a:noFill/>
           </a:ln>
           <a:extLst>
-            <a:ext uri="{909E8E84-426E-40dd-AFC4-6F175D3DCCD1}">
+            <a:ext uri="{909E8E84-426E-40DD-AFC4-6F175D3DCCD1}">
               <a14:hiddenFill xmlns:a14="http://schemas.microsoft.com/office/drawing/2010/main">
                 <a:solidFill>
                   <a:srgbClr val="FFFFFF"/>
                 </a:solidFill>
               </a14:hiddenFill>
             </a:ext>
-            <a:ext uri="{91240B29-F687-4f45-9708-019B960494DF}">
+            <a:ext uri="{91240B29-F687-4F45-9708-019B960494DF}">
               <a14:hiddenLine xmlns:a14="http://schemas.microsoft.com/office/drawing/2010/main" w="9525">
                 <a:solidFill>
                   <a:srgbClr val="000000"/>
@@ -32247,14 +32196,14 @@
             <a:noFill/>
           </a:ln>
           <a:extLst>
-            <a:ext uri="{909E8E84-426E-40dd-AFC4-6F175D3DCCD1}">
+            <a:ext uri="{909E8E84-426E-40DD-AFC4-6F175D3DCCD1}">
               <a14:hiddenFill xmlns:a14="http://schemas.microsoft.com/office/drawing/2010/main">
                 <a:solidFill>
                   <a:srgbClr val="FFFFFF"/>
                 </a:solidFill>
               </a14:hiddenFill>
             </a:ext>
-            <a:ext uri="{91240B29-F687-4f45-9708-019B960494DF}">
+            <a:ext uri="{91240B29-F687-4F45-9708-019B960494DF}">
               <a14:hiddenLine xmlns:a14="http://schemas.microsoft.com/office/drawing/2010/main" w="9525">
                 <a:solidFill>
                   <a:srgbClr val="000000"/>
@@ -32426,7 +32375,7 @@
   <p:timing>
     <p:tnLst>
       <p:par>
-        <p:cTn xmlns:p14="http://schemas.microsoft.com/office/powerpoint/2010/main" id="1" dur="indefinite" restart="never" nodeType="tmRoot"/>
+        <p:cTn id="1" dur="indefinite" restart="never" nodeType="tmRoot"/>
       </p:par>
     </p:tnLst>
   </p:timing>
@@ -32606,14 +32555,14 @@
           <a:noFill/>
           <a:ln/>
           <a:extLst>
-            <a:ext uri="{909E8E84-426E-40dd-AFC4-6F175D3DCCD1}">
+            <a:ext uri="{909E8E84-426E-40DD-AFC4-6F175D3DCCD1}">
               <a14:hiddenFill xmlns:a14="http://schemas.microsoft.com/office/drawing/2010/main">
                 <a:solidFill>
                   <a:srgbClr val="FFFFFF"/>
                 </a:solidFill>
               </a14:hiddenFill>
             </a:ext>
-            <a:ext uri="{91240B29-F687-4f45-9708-019B960494DF}">
+            <a:ext uri="{91240B29-F687-4F45-9708-019B960494DF}">
               <a14:hiddenLine xmlns:a14="http://schemas.microsoft.com/office/drawing/2010/main" w="9525">
                 <a:solidFill>
                   <a:srgbClr val="000000"/>
@@ -32795,7 +32744,7 @@
   <p:timing>
     <p:tnLst>
       <p:par>
-        <p:cTn xmlns:p14="http://schemas.microsoft.com/office/powerpoint/2010/main" id="1" dur="indefinite" restart="never" nodeType="tmRoot"/>
+        <p:cTn id="1" dur="indefinite" restart="never" nodeType="tmRoot"/>
       </p:par>
     </p:tnLst>
   </p:timing>
@@ -33051,14 +33000,14 @@
           <a:noFill/>
           <a:ln/>
           <a:extLst>
-            <a:ext uri="{909E8E84-426E-40dd-AFC4-6F175D3DCCD1}">
+            <a:ext uri="{909E8E84-426E-40DD-AFC4-6F175D3DCCD1}">
               <a14:hiddenFill xmlns:a14="http://schemas.microsoft.com/office/drawing/2010/main">
                 <a:solidFill>
                   <a:srgbClr val="FFFFFF"/>
                 </a:solidFill>
               </a14:hiddenFill>
             </a:ext>
-            <a:ext uri="{91240B29-F687-4f45-9708-019B960494DF}">
+            <a:ext uri="{91240B29-F687-4F45-9708-019B960494DF}">
               <a14:hiddenLine xmlns:a14="http://schemas.microsoft.com/office/drawing/2010/main" w="9525">
                 <a:solidFill>
                   <a:srgbClr val="000000"/>
@@ -33240,7 +33189,7 @@
   <p:timing>
     <p:tnLst>
       <p:par>
-        <p:cTn xmlns:p14="http://schemas.microsoft.com/office/powerpoint/2010/main" id="1" dur="indefinite" restart="never" nodeType="tmRoot"/>
+        <p:cTn id="1" dur="indefinite" restart="never" nodeType="tmRoot"/>
       </p:par>
     </p:tnLst>
   </p:timing>
@@ -33412,14 +33361,14 @@
           <a:noFill/>
           <a:ln/>
           <a:extLst>
-            <a:ext uri="{909E8E84-426E-40dd-AFC4-6F175D3DCCD1}">
+            <a:ext uri="{909E8E84-426E-40DD-AFC4-6F175D3DCCD1}">
               <a14:hiddenFill xmlns:a14="http://schemas.microsoft.com/office/drawing/2010/main">
                 <a:solidFill>
                   <a:srgbClr val="FFFFFF"/>
                 </a:solidFill>
               </a14:hiddenFill>
             </a:ext>
-            <a:ext uri="{91240B29-F687-4f45-9708-019B960494DF}">
+            <a:ext uri="{91240B29-F687-4F45-9708-019B960494DF}">
               <a14:hiddenLine xmlns:a14="http://schemas.microsoft.com/office/drawing/2010/main" w="9525">
                 <a:solidFill>
                   <a:srgbClr val="000000"/>
@@ -33601,7 +33550,7 @@
   <p:timing>
     <p:tnLst>
       <p:par>
-        <p:cTn xmlns:p14="http://schemas.microsoft.com/office/powerpoint/2010/main" id="1" dur="indefinite" restart="never" nodeType="tmRoot"/>
+        <p:cTn id="1" dur="indefinite" restart="never" nodeType="tmRoot"/>
       </p:par>
     </p:tnLst>
   </p:timing>
@@ -33747,7 +33696,7 @@
   <p:timing>
     <p:tnLst>
       <p:par>
-        <p:cTn xmlns:p14="http://schemas.microsoft.com/office/powerpoint/2010/main" id="1" dur="indefinite" restart="never" nodeType="tmRoot"/>
+        <p:cTn id="1" dur="indefinite" restart="never" nodeType="tmRoot"/>
       </p:par>
     </p:tnLst>
   </p:timing>
@@ -33871,14 +33820,14 @@
           <a:noFill/>
           <a:ln/>
           <a:extLst>
-            <a:ext uri="{909E8E84-426E-40dd-AFC4-6F175D3DCCD1}">
+            <a:ext uri="{909E8E84-426E-40DD-AFC4-6F175D3DCCD1}">
               <a14:hiddenFill xmlns:a14="http://schemas.microsoft.com/office/drawing/2010/main">
                 <a:solidFill>
                   <a:srgbClr val="FFFFFF"/>
                 </a:solidFill>
               </a14:hiddenFill>
             </a:ext>
-            <a:ext uri="{91240B29-F687-4f45-9708-019B960494DF}">
+            <a:ext uri="{91240B29-F687-4F45-9708-019B960494DF}">
               <a14:hiddenLine xmlns:a14="http://schemas.microsoft.com/office/drawing/2010/main" w="9525">
                 <a:solidFill>
                   <a:srgbClr val="000000"/>
@@ -34087,7 +34036,7 @@
   <p:timing>
     <p:tnLst>
       <p:par>
-        <p:cTn xmlns:p14="http://schemas.microsoft.com/office/powerpoint/2010/main" id="1" dur="indefinite" restart="never" nodeType="tmRoot"/>
+        <p:cTn id="1" dur="indefinite" restart="never" nodeType="tmRoot"/>
       </p:par>
     </p:tnLst>
   </p:timing>
@@ -34353,14 +34302,14 @@
           <a:noFill/>
           <a:ln/>
           <a:extLst>
-            <a:ext uri="{909E8E84-426E-40dd-AFC4-6F175D3DCCD1}">
+            <a:ext uri="{909E8E84-426E-40DD-AFC4-6F175D3DCCD1}">
               <a14:hiddenFill xmlns:a14="http://schemas.microsoft.com/office/drawing/2010/main">
                 <a:solidFill>
                   <a:srgbClr val="FFFFFF"/>
                 </a:solidFill>
               </a14:hiddenFill>
             </a:ext>
-            <a:ext uri="{91240B29-F687-4f45-9708-019B960494DF}">
+            <a:ext uri="{91240B29-F687-4F45-9708-019B960494DF}">
               <a14:hiddenLine xmlns:a14="http://schemas.microsoft.com/office/drawing/2010/main" w="9525">
                 <a:solidFill>
                   <a:srgbClr val="000000"/>
@@ -34536,7 +34485,7 @@
   <p:timing>
     <p:tnLst>
       <p:par>
-        <p:cTn xmlns:p14="http://schemas.microsoft.com/office/powerpoint/2010/main" id="1" dur="indefinite" restart="never" nodeType="tmRoot"/>
+        <p:cTn id="1" dur="indefinite" restart="never" nodeType="tmRoot"/>
       </p:par>
     </p:tnLst>
   </p:timing>
@@ -34759,14 +34708,14 @@
           <a:noFill/>
           <a:ln/>
           <a:extLst>
-            <a:ext uri="{909E8E84-426E-40dd-AFC4-6F175D3DCCD1}">
+            <a:ext uri="{909E8E84-426E-40DD-AFC4-6F175D3DCCD1}">
               <a14:hiddenFill xmlns:a14="http://schemas.microsoft.com/office/drawing/2010/main">
                 <a:solidFill>
                   <a:srgbClr val="FFFFFF"/>
                 </a:solidFill>
               </a14:hiddenFill>
             </a:ext>
-            <a:ext uri="{91240B29-F687-4f45-9708-019B960494DF}">
+            <a:ext uri="{91240B29-F687-4F45-9708-019B960494DF}">
               <a14:hiddenLine xmlns:a14="http://schemas.microsoft.com/office/drawing/2010/main" w="9525">
                 <a:solidFill>
                   <a:srgbClr val="000000"/>
@@ -34937,14 +34886,14 @@
             <a:noFill/>
           </a:ln>
           <a:extLst>
-            <a:ext uri="{909E8E84-426E-40dd-AFC4-6F175D3DCCD1}">
+            <a:ext uri="{909E8E84-426E-40DD-AFC4-6F175D3DCCD1}">
               <a14:hiddenFill xmlns:a14="http://schemas.microsoft.com/office/drawing/2010/main">
                 <a:solidFill>
                   <a:srgbClr val="FFFFFF"/>
                 </a:solidFill>
               </a14:hiddenFill>
             </a:ext>
-            <a:ext uri="{91240B29-F687-4f45-9708-019B960494DF}">
+            <a:ext uri="{91240B29-F687-4F45-9708-019B960494DF}">
               <a14:hiddenLine xmlns:a14="http://schemas.microsoft.com/office/drawing/2010/main" w="9525">
                 <a:solidFill>
                   <a:srgbClr val="000000"/>
@@ -34982,14 +34931,14 @@
             <a:noFill/>
           </a:ln>
           <a:extLst>
-            <a:ext uri="{909E8E84-426E-40dd-AFC4-6F175D3DCCD1}">
+            <a:ext uri="{909E8E84-426E-40DD-AFC4-6F175D3DCCD1}">
               <a14:hiddenFill xmlns:a14="http://schemas.microsoft.com/office/drawing/2010/main">
                 <a:solidFill>
                   <a:srgbClr val="FFFFFF"/>
                 </a:solidFill>
               </a14:hiddenFill>
             </a:ext>
-            <a:ext uri="{91240B29-F687-4f45-9708-019B960494DF}">
+            <a:ext uri="{91240B29-F687-4F45-9708-019B960494DF}">
               <a14:hiddenLine xmlns:a14="http://schemas.microsoft.com/office/drawing/2010/main" w="9525">
                 <a:solidFill>
                   <a:srgbClr val="000000"/>
@@ -35058,7 +35007,7 @@
   <p:timing>
     <p:tnLst>
       <p:par>
-        <p:cTn xmlns:p14="http://schemas.microsoft.com/office/powerpoint/2010/main" id="1" dur="indefinite" restart="never" nodeType="tmRoot"/>
+        <p:cTn id="1" dur="indefinite" restart="never" nodeType="tmRoot"/>
       </p:par>
     </p:tnLst>
   </p:timing>
@@ -35272,14 +35221,14 @@
           <a:noFill/>
           <a:ln/>
           <a:extLst>
-            <a:ext uri="{909E8E84-426E-40dd-AFC4-6F175D3DCCD1}">
+            <a:ext uri="{909E8E84-426E-40DD-AFC4-6F175D3DCCD1}">
               <a14:hiddenFill xmlns:a14="http://schemas.microsoft.com/office/drawing/2010/main">
                 <a:solidFill>
                   <a:srgbClr val="FFFFFF"/>
                 </a:solidFill>
               </a14:hiddenFill>
             </a:ext>
-            <a:ext uri="{91240B29-F687-4f45-9708-019B960494DF}">
+            <a:ext uri="{91240B29-F687-4F45-9708-019B960494DF}">
               <a14:hiddenLine xmlns:a14="http://schemas.microsoft.com/office/drawing/2010/main" w="9525">
                 <a:solidFill>
                   <a:srgbClr val="000000"/>
@@ -35455,7 +35404,7 @@
   <p:timing>
     <p:tnLst>
       <p:par>
-        <p:cTn xmlns:p14="http://schemas.microsoft.com/office/powerpoint/2010/main" id="1" dur="indefinite" restart="never" nodeType="tmRoot"/>
+        <p:cTn id="1" dur="indefinite" restart="never" nodeType="tmRoot"/>
       </p:par>
     </p:tnLst>
   </p:timing>
@@ -35627,14 +35576,14 @@
           <a:noFill/>
           <a:ln/>
           <a:extLst>
-            <a:ext uri="{909E8E84-426E-40dd-AFC4-6F175D3DCCD1}">
+            <a:ext uri="{909E8E84-426E-40DD-AFC4-6F175D3DCCD1}">
               <a14:hiddenFill xmlns:a14="http://schemas.microsoft.com/office/drawing/2010/main">
                 <a:solidFill>
                   <a:srgbClr val="FFFFFF"/>
                 </a:solidFill>
               </a14:hiddenFill>
             </a:ext>
-            <a:ext uri="{91240B29-F687-4f45-9708-019B960494DF}">
+            <a:ext uri="{91240B29-F687-4F45-9708-019B960494DF}">
               <a14:hiddenLine xmlns:a14="http://schemas.microsoft.com/office/drawing/2010/main" w="9525">
                 <a:solidFill>
                   <a:srgbClr val="000000"/>
@@ -35792,14 +35741,14 @@
             <a:noFill/>
           </a:ln>
           <a:extLst>
-            <a:ext uri="{909E8E84-426E-40dd-AFC4-6F175D3DCCD1}">
+            <a:ext uri="{909E8E84-426E-40DD-AFC4-6F175D3DCCD1}">
               <a14:hiddenFill xmlns:a14="http://schemas.microsoft.com/office/drawing/2010/main">
                 <a:solidFill>
                   <a:srgbClr val="FFFFFF"/>
                 </a:solidFill>
               </a14:hiddenFill>
             </a:ext>
-            <a:ext uri="{91240B29-F687-4f45-9708-019B960494DF}">
+            <a:ext uri="{91240B29-F687-4F45-9708-019B960494DF}">
               <a14:hiddenLine xmlns:a14="http://schemas.microsoft.com/office/drawing/2010/main" w="9525">
                 <a:solidFill>
                   <a:srgbClr val="000000"/>
@@ -35869,7 +35818,7 @@
   <p:timing>
     <p:tnLst>
       <p:par>
-        <p:cTn xmlns:p14="http://schemas.microsoft.com/office/powerpoint/2010/main" id="1" dur="indefinite" restart="never" nodeType="tmRoot"/>
+        <p:cTn id="1" dur="indefinite" restart="never" nodeType="tmRoot"/>
       </p:par>
     </p:tnLst>
   </p:timing>
@@ -36083,14 +36032,14 @@
           <a:noFill/>
           <a:ln/>
           <a:extLst>
-            <a:ext uri="{909E8E84-426E-40dd-AFC4-6F175D3DCCD1}">
+            <a:ext uri="{909E8E84-426E-40DD-AFC4-6F175D3DCCD1}">
               <a14:hiddenFill xmlns:a14="http://schemas.microsoft.com/office/drawing/2010/main">
                 <a:solidFill>
                   <a:srgbClr val="FFFFFF"/>
                 </a:solidFill>
               </a14:hiddenFill>
             </a:ext>
-            <a:ext uri="{91240B29-F687-4f45-9708-019B960494DF}">
+            <a:ext uri="{91240B29-F687-4F45-9708-019B960494DF}">
               <a14:hiddenLine xmlns:a14="http://schemas.microsoft.com/office/drawing/2010/main" w="9525">
                 <a:solidFill>
                   <a:srgbClr val="000000"/>
@@ -36248,14 +36197,14 @@
             <a:noFill/>
           </a:ln>
           <a:extLst>
-            <a:ext uri="{909E8E84-426E-40dd-AFC4-6F175D3DCCD1}">
+            <a:ext uri="{909E8E84-426E-40DD-AFC4-6F175D3DCCD1}">
               <a14:hiddenFill xmlns:a14="http://schemas.microsoft.com/office/drawing/2010/main">
                 <a:solidFill>
                   <a:srgbClr val="FFFFFF"/>
                 </a:solidFill>
               </a14:hiddenFill>
             </a:ext>
-            <a:ext uri="{91240B29-F687-4f45-9708-019B960494DF}">
+            <a:ext uri="{91240B29-F687-4F45-9708-019B960494DF}">
               <a14:hiddenLine xmlns:a14="http://schemas.microsoft.com/office/drawing/2010/main" w="9525">
                 <a:solidFill>
                   <a:srgbClr val="000000"/>
@@ -36325,7 +36274,7 @@
   <p:timing>
     <p:tnLst>
       <p:par>
-        <p:cTn xmlns:p14="http://schemas.microsoft.com/office/powerpoint/2010/main" id="1" dur="indefinite" restart="never" nodeType="tmRoot"/>
+        <p:cTn id="1" dur="indefinite" restart="never" nodeType="tmRoot"/>
       </p:par>
     </p:tnLst>
   </p:timing>
@@ -36544,14 +36493,14 @@
           <a:noFill/>
           <a:ln/>
           <a:extLst>
-            <a:ext uri="{909E8E84-426E-40dd-AFC4-6F175D3DCCD1}">
+            <a:ext uri="{909E8E84-426E-40DD-AFC4-6F175D3DCCD1}">
               <a14:hiddenFill xmlns:a14="http://schemas.microsoft.com/office/drawing/2010/main">
                 <a:solidFill>
                   <a:srgbClr val="FFFFFF"/>
                 </a:solidFill>
               </a14:hiddenFill>
             </a:ext>
-            <a:ext uri="{91240B29-F687-4f45-9708-019B960494DF}">
+            <a:ext uri="{91240B29-F687-4F45-9708-019B960494DF}">
               <a14:hiddenLine xmlns:a14="http://schemas.microsoft.com/office/drawing/2010/main" w="9525">
                 <a:solidFill>
                   <a:srgbClr val="000000"/>
@@ -36727,7 +36676,7 @@
   <p:timing>
     <p:tnLst>
       <p:par>
-        <p:cTn xmlns:p14="http://schemas.microsoft.com/office/powerpoint/2010/main" id="1" dur="indefinite" restart="never" nodeType="tmRoot"/>
+        <p:cTn id="1" dur="indefinite" restart="never" nodeType="tmRoot"/>
       </p:par>
     </p:tnLst>
   </p:timing>
@@ -36909,14 +36858,14 @@
           <a:noFill/>
           <a:ln/>
           <a:extLst>
-            <a:ext uri="{909E8E84-426E-40dd-AFC4-6F175D3DCCD1}">
+            <a:ext uri="{909E8E84-426E-40DD-AFC4-6F175D3DCCD1}">
               <a14:hiddenFill xmlns:a14="http://schemas.microsoft.com/office/drawing/2010/main">
                 <a:solidFill>
                   <a:srgbClr val="FFFFFF"/>
                 </a:solidFill>
               </a14:hiddenFill>
             </a:ext>
-            <a:ext uri="{91240B29-F687-4f45-9708-019B960494DF}">
+            <a:ext uri="{91240B29-F687-4F45-9708-019B960494DF}">
               <a14:hiddenLine xmlns:a14="http://schemas.microsoft.com/office/drawing/2010/main" w="9525">
                 <a:solidFill>
                   <a:srgbClr val="000000"/>
@@ -37074,14 +37023,14 @@
             <a:noFill/>
           </a:ln>
           <a:extLst>
-            <a:ext uri="{909E8E84-426E-40dd-AFC4-6F175D3DCCD1}">
+            <a:ext uri="{909E8E84-426E-40DD-AFC4-6F175D3DCCD1}">
               <a14:hiddenFill xmlns:a14="http://schemas.microsoft.com/office/drawing/2010/main">
                 <a:solidFill>
                   <a:srgbClr val="FFFFFF"/>
                 </a:solidFill>
               </a14:hiddenFill>
             </a:ext>
-            <a:ext uri="{91240B29-F687-4f45-9708-019B960494DF}">
+            <a:ext uri="{91240B29-F687-4F45-9708-019B960494DF}">
               <a14:hiddenLine xmlns:a14="http://schemas.microsoft.com/office/drawing/2010/main" w="9525">
                 <a:solidFill>
                   <a:srgbClr val="000000"/>
@@ -37150,7 +37099,7 @@
   <p:timing>
     <p:tnLst>
       <p:par>
-        <p:cTn xmlns:p14="http://schemas.microsoft.com/office/powerpoint/2010/main" id="1" dur="indefinite" restart="never" nodeType="tmRoot"/>
+        <p:cTn id="1" dur="indefinite" restart="never" nodeType="tmRoot"/>
       </p:par>
     </p:tnLst>
   </p:timing>
@@ -37333,14 +37282,14 @@
           <a:noFill/>
           <a:ln/>
           <a:extLst>
-            <a:ext uri="{909E8E84-426E-40dd-AFC4-6F175D3DCCD1}">
+            <a:ext uri="{909E8E84-426E-40DD-AFC4-6F175D3DCCD1}">
               <a14:hiddenFill xmlns:a14="http://schemas.microsoft.com/office/drawing/2010/main">
                 <a:solidFill>
                   <a:srgbClr val="FFFFFF"/>
                 </a:solidFill>
               </a14:hiddenFill>
             </a:ext>
-            <a:ext uri="{91240B29-F687-4f45-9708-019B960494DF}">
+            <a:ext uri="{91240B29-F687-4F45-9708-019B960494DF}">
               <a14:hiddenLine xmlns:a14="http://schemas.microsoft.com/office/drawing/2010/main" w="9525">
                 <a:solidFill>
                   <a:srgbClr val="000000"/>
@@ -37540,7 +37489,7 @@
   <p:timing>
     <p:tnLst>
       <p:par>
-        <p:cTn xmlns:p14="http://schemas.microsoft.com/office/powerpoint/2010/main" id="1" dur="indefinite" restart="never" nodeType="tmRoot"/>
+        <p:cTn id="1" dur="indefinite" restart="never" nodeType="tmRoot"/>
       </p:par>
     </p:tnLst>
   </p:timing>
@@ -37581,14 +37530,14 @@
           <a:noFill/>
           <a:ln/>
           <a:extLst>
-            <a:ext uri="{909E8E84-426E-40dd-AFC4-6F175D3DCCD1}">
+            <a:ext uri="{909E8E84-426E-40DD-AFC4-6F175D3DCCD1}">
               <a14:hiddenFill xmlns:a14="http://schemas.microsoft.com/office/drawing/2010/main">
                 <a:solidFill>
                   <a:srgbClr val="FFFFFF"/>
                 </a:solidFill>
               </a14:hiddenFill>
             </a:ext>
-            <a:ext uri="{91240B29-F687-4f45-9708-019B960494DF}">
+            <a:ext uri="{91240B29-F687-4F45-9708-019B960494DF}">
               <a14:hiddenLine xmlns:a14="http://schemas.microsoft.com/office/drawing/2010/main" w="9525">
                 <a:solidFill>
                   <a:srgbClr val="000000"/>
@@ -37721,14 +37670,14 @@
           <a:noFill/>
           <a:ln/>
           <a:extLst>
-            <a:ext uri="{909E8E84-426E-40dd-AFC4-6F175D3DCCD1}">
+            <a:ext uri="{909E8E84-426E-40DD-AFC4-6F175D3DCCD1}">
               <a14:hiddenFill xmlns:a14="http://schemas.microsoft.com/office/drawing/2010/main">
                 <a:solidFill>
                   <a:srgbClr val="FFFFFF"/>
                 </a:solidFill>
               </a14:hiddenFill>
             </a:ext>
-            <a:ext uri="{91240B29-F687-4f45-9708-019B960494DF}">
+            <a:ext uri="{91240B29-F687-4F45-9708-019B960494DF}">
               <a14:hiddenLine xmlns:a14="http://schemas.microsoft.com/office/drawing/2010/main" w="9525">
                 <a:solidFill>
                   <a:srgbClr val="000000"/>
@@ -37924,14 +37873,14 @@
             <a:noFill/>
           </a:ln>
           <a:extLst>
-            <a:ext uri="{909E8E84-426E-40dd-AFC4-6F175D3DCCD1}">
+            <a:ext uri="{909E8E84-426E-40DD-AFC4-6F175D3DCCD1}">
               <a14:hiddenFill xmlns:a14="http://schemas.microsoft.com/office/drawing/2010/main">
                 <a:solidFill>
                   <a:srgbClr val="FFFFFF"/>
                 </a:solidFill>
               </a14:hiddenFill>
             </a:ext>
-            <a:ext uri="{91240B29-F687-4f45-9708-019B960494DF}">
+            <a:ext uri="{91240B29-F687-4F45-9708-019B960494DF}">
               <a14:hiddenLine xmlns:a14="http://schemas.microsoft.com/office/drawing/2010/main" w="9525">
                 <a:solidFill>
                   <a:srgbClr val="000000"/>
@@ -37987,7 +37936,7 @@
   <p:timing>
     <p:tnLst>
       <p:par>
-        <p:cTn xmlns:p14="http://schemas.microsoft.com/office/powerpoint/2010/main" id="1" dur="indefinite" restart="never" nodeType="tmRoot"/>
+        <p:cTn id="1" dur="indefinite" restart="never" nodeType="tmRoot"/>
       </p:par>
     </p:tnLst>
   </p:timing>
@@ -38186,14 +38135,14 @@
           <a:noFill/>
           <a:ln/>
           <a:extLst>
-            <a:ext uri="{909E8E84-426E-40dd-AFC4-6F175D3DCCD1}">
+            <a:ext uri="{909E8E84-426E-40DD-AFC4-6F175D3DCCD1}">
               <a14:hiddenFill xmlns:a14="http://schemas.microsoft.com/office/drawing/2010/main">
                 <a:solidFill>
                   <a:srgbClr val="FFFFFF"/>
                 </a:solidFill>
               </a14:hiddenFill>
             </a:ext>
-            <a:ext uri="{91240B29-F687-4f45-9708-019B960494DF}">
+            <a:ext uri="{91240B29-F687-4F45-9708-019B960494DF}">
               <a14:hiddenLine xmlns:a14="http://schemas.microsoft.com/office/drawing/2010/main" w="9525">
                 <a:solidFill>
                   <a:srgbClr val="000000"/>
@@ -38369,7 +38318,7 @@
   <p:timing>
     <p:tnLst>
       <p:par>
-        <p:cTn xmlns:p14="http://schemas.microsoft.com/office/powerpoint/2010/main" id="1" dur="indefinite" restart="never" nodeType="tmRoot"/>
+        <p:cTn id="1" dur="indefinite" restart="never" nodeType="tmRoot"/>
       </p:par>
     </p:tnLst>
   </p:timing>
@@ -38410,14 +38359,14 @@
           <a:noFill/>
           <a:ln/>
           <a:extLst>
-            <a:ext uri="{909E8E84-426E-40dd-AFC4-6F175D3DCCD1}">
+            <a:ext uri="{909E8E84-426E-40DD-AFC4-6F175D3DCCD1}">
               <a14:hiddenFill xmlns:a14="http://schemas.microsoft.com/office/drawing/2010/main">
                 <a:solidFill>
                   <a:srgbClr val="FFFFFF"/>
                 </a:solidFill>
               </a14:hiddenFill>
             </a:ext>
-            <a:ext uri="{91240B29-F687-4f45-9708-019B960494DF}">
+            <a:ext uri="{91240B29-F687-4F45-9708-019B960494DF}">
               <a14:hiddenLine xmlns:a14="http://schemas.microsoft.com/office/drawing/2010/main" w="9525">
                 <a:solidFill>
                   <a:srgbClr val="000000"/>
@@ -38550,14 +38499,14 @@
           <a:noFill/>
           <a:ln/>
           <a:extLst>
-            <a:ext uri="{909E8E84-426E-40dd-AFC4-6F175D3DCCD1}">
+            <a:ext uri="{909E8E84-426E-40DD-AFC4-6F175D3DCCD1}">
               <a14:hiddenFill xmlns:a14="http://schemas.microsoft.com/office/drawing/2010/main">
                 <a:solidFill>
                   <a:srgbClr val="FFFFFF"/>
                 </a:solidFill>
               </a14:hiddenFill>
             </a:ext>
-            <a:ext uri="{91240B29-F687-4f45-9708-019B960494DF}">
+            <a:ext uri="{91240B29-F687-4F45-9708-019B960494DF}">
               <a14:hiddenLine xmlns:a14="http://schemas.microsoft.com/office/drawing/2010/main" w="9525">
                 <a:solidFill>
                   <a:srgbClr val="000000"/>
@@ -38769,7 +38718,7 @@
   <p:timing>
     <p:tnLst>
       <p:par>
-        <p:cTn xmlns:p14="http://schemas.microsoft.com/office/powerpoint/2010/main" id="1" dur="indefinite" restart="never" nodeType="tmRoot"/>
+        <p:cTn id="1" dur="indefinite" restart="never" nodeType="tmRoot"/>
       </p:par>
     </p:tnLst>
   </p:timing>
@@ -39005,14 +38954,14 @@
           <a:noFill/>
           <a:ln/>
           <a:extLst>
-            <a:ext uri="{909E8E84-426E-40dd-AFC4-6F175D3DCCD1}">
+            <a:ext uri="{909E8E84-426E-40DD-AFC4-6F175D3DCCD1}">
               <a14:hiddenFill xmlns:a14="http://schemas.microsoft.com/office/drawing/2010/main">
                 <a:solidFill>
                   <a:srgbClr val="FFFFFF"/>
                 </a:solidFill>
               </a14:hiddenFill>
             </a:ext>
-            <a:ext uri="{91240B29-F687-4f45-9708-019B960494DF}">
+            <a:ext uri="{91240B29-F687-4F45-9708-019B960494DF}">
               <a14:hiddenLine xmlns:a14="http://schemas.microsoft.com/office/drawing/2010/main" w="9525">
                 <a:solidFill>
                   <a:srgbClr val="000000"/>
@@ -39188,7 +39137,7 @@
   <p:timing>
     <p:tnLst>
       <p:par>
-        <p:cTn xmlns:p14="http://schemas.microsoft.com/office/powerpoint/2010/main" id="1" dur="indefinite" restart="never" nodeType="tmRoot"/>
+        <p:cTn id="1" dur="indefinite" restart="never" nodeType="tmRoot"/>
       </p:par>
     </p:tnLst>
   </p:timing>
@@ -39394,14 +39343,14 @@
           <a:noFill/>
           <a:ln/>
           <a:extLst>
-            <a:ext uri="{909E8E84-426E-40dd-AFC4-6F175D3DCCD1}">
+            <a:ext uri="{909E8E84-426E-40DD-AFC4-6F175D3DCCD1}">
               <a14:hiddenFill xmlns:a14="http://schemas.microsoft.com/office/drawing/2010/main">
                 <a:solidFill>
                   <a:srgbClr val="FFFFFF"/>
                 </a:solidFill>
               </a14:hiddenFill>
             </a:ext>
-            <a:ext uri="{91240B29-F687-4f45-9708-019B960494DF}">
+            <a:ext uri="{91240B29-F687-4F45-9708-019B960494DF}">
               <a14:hiddenLine xmlns:a14="http://schemas.microsoft.com/office/drawing/2010/main" w="9525">
                 <a:solidFill>
                   <a:srgbClr val="000000"/>
@@ -39572,14 +39521,14 @@
             <a:noFill/>
           </a:ln>
           <a:extLst>
-            <a:ext uri="{909E8E84-426E-40dd-AFC4-6F175D3DCCD1}">
+            <a:ext uri="{909E8E84-426E-40DD-AFC4-6F175D3DCCD1}">
               <a14:hiddenFill xmlns:a14="http://schemas.microsoft.com/office/drawing/2010/main">
                 <a:solidFill>
                   <a:srgbClr val="FFFFFF"/>
                 </a:solidFill>
               </a14:hiddenFill>
             </a:ext>
-            <a:ext uri="{91240B29-F687-4f45-9708-019B960494DF}">
+            <a:ext uri="{91240B29-F687-4F45-9708-019B960494DF}">
               <a14:hiddenLine xmlns:a14="http://schemas.microsoft.com/office/drawing/2010/main" w="9525">
                 <a:solidFill>
                   <a:srgbClr val="000000"/>
@@ -39635,7 +39584,7 @@
   <p:timing>
     <p:tnLst>
       <p:par>
-        <p:cTn xmlns:p14="http://schemas.microsoft.com/office/powerpoint/2010/main" id="1" dur="indefinite" restart="never" nodeType="tmRoot"/>
+        <p:cTn id="1" dur="indefinite" restart="never" nodeType="tmRoot"/>
       </p:par>
     </p:tnLst>
   </p:timing>
@@ -39736,14 +39685,14 @@
             <a:noFill/>
           </a:ln>
           <a:extLst>
-            <a:ext uri="{909E8E84-426E-40dd-AFC4-6F175D3DCCD1}">
+            <a:ext uri="{909E8E84-426E-40DD-AFC4-6F175D3DCCD1}">
               <a14:hiddenFill xmlns:a14="http://schemas.microsoft.com/office/drawing/2010/main">
                 <a:solidFill>
                   <a:srgbClr val="FFFFFF"/>
                 </a:solidFill>
               </a14:hiddenFill>
             </a:ext>
-            <a:ext uri="{91240B29-F687-4f45-9708-019B960494DF}">
+            <a:ext uri="{91240B29-F687-4F45-9708-019B960494DF}">
               <a14:hiddenLine xmlns:a14="http://schemas.microsoft.com/office/drawing/2010/main" w="9525">
                 <a:solidFill>
                   <a:srgbClr val="000000"/>
@@ -39821,14 +39770,14 @@
             <a:noFill/>
           </a:ln>
           <a:extLst>
-            <a:ext uri="{909E8E84-426E-40dd-AFC4-6F175D3DCCD1}">
+            <a:ext uri="{909E8E84-426E-40DD-AFC4-6F175D3DCCD1}">
               <a14:hiddenFill xmlns:a14="http://schemas.microsoft.com/office/drawing/2010/main">
                 <a:solidFill>
                   <a:srgbClr val="FFFFFF"/>
                 </a:solidFill>
               </a14:hiddenFill>
             </a:ext>
-            <a:ext uri="{91240B29-F687-4f45-9708-019B960494DF}">
+            <a:ext uri="{91240B29-F687-4F45-9708-019B960494DF}">
               <a14:hiddenLine xmlns:a14="http://schemas.microsoft.com/office/drawing/2010/main" w="9525">
                 <a:solidFill>
                   <a:srgbClr val="000000"/>
@@ -39879,14 +39828,14 @@
             <a:noFill/>
           </a:ln>
           <a:extLst>
-            <a:ext uri="{909E8E84-426E-40dd-AFC4-6F175D3DCCD1}">
+            <a:ext uri="{909E8E84-426E-40DD-AFC4-6F175D3DCCD1}">
               <a14:hiddenFill xmlns:a14="http://schemas.microsoft.com/office/drawing/2010/main">
                 <a:solidFill>
                   <a:srgbClr val="FFFFFF"/>
                 </a:solidFill>
               </a14:hiddenFill>
             </a:ext>
-            <a:ext uri="{91240B29-F687-4f45-9708-019B960494DF}">
+            <a:ext uri="{91240B29-F687-4F45-9708-019B960494DF}">
               <a14:hiddenLine xmlns:a14="http://schemas.microsoft.com/office/drawing/2010/main" w="9525">
                 <a:solidFill>
                   <a:srgbClr val="000000"/>
@@ -39937,14 +39886,14 @@
             <a:noFill/>
           </a:ln>
           <a:extLst>
-            <a:ext uri="{909E8E84-426E-40dd-AFC4-6F175D3DCCD1}">
+            <a:ext uri="{909E8E84-426E-40DD-AFC4-6F175D3DCCD1}">
               <a14:hiddenFill xmlns:a14="http://schemas.microsoft.com/office/drawing/2010/main">
                 <a:solidFill>
                   <a:srgbClr val="FFFFFF"/>
                 </a:solidFill>
               </a14:hiddenFill>
             </a:ext>
-            <a:ext uri="{91240B29-F687-4f45-9708-019B960494DF}">
+            <a:ext uri="{91240B29-F687-4F45-9708-019B960494DF}">
               <a14:hiddenLine xmlns:a14="http://schemas.microsoft.com/office/drawing/2010/main" w="9525">
                 <a:solidFill>
                   <a:srgbClr val="000000"/>
@@ -39995,14 +39944,14 @@
             <a:noFill/>
           </a:ln>
           <a:extLst>
-            <a:ext uri="{909E8E84-426E-40dd-AFC4-6F175D3DCCD1}">
+            <a:ext uri="{909E8E84-426E-40DD-AFC4-6F175D3DCCD1}">
               <a14:hiddenFill xmlns:a14="http://schemas.microsoft.com/office/drawing/2010/main">
                 <a:solidFill>
                   <a:srgbClr val="FFFFFF"/>
                 </a:solidFill>
               </a14:hiddenFill>
             </a:ext>
-            <a:ext uri="{91240B29-F687-4f45-9708-019B960494DF}">
+            <a:ext uri="{91240B29-F687-4F45-9708-019B960494DF}">
               <a14:hiddenLine xmlns:a14="http://schemas.microsoft.com/office/drawing/2010/main" w="9525">
                 <a:solidFill>
                   <a:srgbClr val="000000"/>
@@ -40177,14 +40126,14 @@
           <a:noFill/>
           <a:ln/>
           <a:extLst>
-            <a:ext uri="{909E8E84-426E-40dd-AFC4-6F175D3DCCD1}">
+            <a:ext uri="{909E8E84-426E-40DD-AFC4-6F175D3DCCD1}">
               <a14:hiddenFill xmlns:a14="http://schemas.microsoft.com/office/drawing/2010/main">
                 <a:solidFill>
                   <a:srgbClr val="FFFFFF"/>
                 </a:solidFill>
               </a14:hiddenFill>
             </a:ext>
-            <a:ext uri="{91240B29-F687-4f45-9708-019B960494DF}">
+            <a:ext uri="{91240B29-F687-4F45-9708-019B960494DF}">
               <a14:hiddenLine xmlns:a14="http://schemas.microsoft.com/office/drawing/2010/main" w="9525">
                 <a:solidFill>
                   <a:srgbClr val="000000"/>
@@ -40391,7 +40340,7 @@
   <p:timing>
     <p:tnLst>
       <p:par>
-        <p:cTn xmlns:p14="http://schemas.microsoft.com/office/powerpoint/2010/main" id="1" dur="indefinite" restart="never" nodeType="tmRoot"/>
+        <p:cTn id="1" dur="indefinite" restart="never" nodeType="tmRoot"/>
       </p:par>
     </p:tnLst>
   </p:timing>
